--- a/docs/AMT-mvc.pptx
+++ b/docs/AMT-mvc.pptx
@@ -7,13 +7,9 @@
   <p:sldIdLst>
     <p:sldId id="264" r:id="rId2"/>
     <p:sldId id="275" r:id="rId3"/>
-    <p:sldId id="272" r:id="rId4"/>
-    <p:sldId id="274" r:id="rId5"/>
-    <p:sldId id="273" r:id="rId6"/>
-    <p:sldId id="276" r:id="rId7"/>
-    <p:sldId id="279" r:id="rId8"/>
-    <p:sldId id="277" r:id="rId9"/>
-    <p:sldId id="278" r:id="rId10"/>
+    <p:sldId id="277" r:id="rId4"/>
+    <p:sldId id="279" r:id="rId5"/>
+    <p:sldId id="280" r:id="rId6"/>
   </p:sldIdLst>
   <p:sldSz cx="12192000" cy="6858000"/>
   <p:notesSz cx="6858000" cy="9144000"/>
@@ -142,7 +138,7 @@
           <p:cNvPr id="2" name="Title 1">
             <a:extLst>
               <a:ext uri="{FF2B5EF4-FFF2-40B4-BE49-F238E27FC236}">
-                <a16:creationId xmlns:a16="http://schemas.microsoft.com/office/drawing/2014/main" id="{67106D7E-D400-44F1-9A1A-D68CE501C73D}"/>
+                <a16:creationId xmlns="" xmlns:a16="http://schemas.microsoft.com/office/drawing/2014/main" id="{67106D7E-D400-44F1-9A1A-D68CE501C73D}"/>
               </a:ext>
             </a:extLst>
           </p:cNvPr>
@@ -179,7 +175,7 @@
           <p:cNvPr id="3" name="Subtitle 2">
             <a:extLst>
               <a:ext uri="{FF2B5EF4-FFF2-40B4-BE49-F238E27FC236}">
-                <a16:creationId xmlns:a16="http://schemas.microsoft.com/office/drawing/2014/main" id="{A5FDE527-E621-4639-A0C7-E1E9B0DFBCEC}"/>
+                <a16:creationId xmlns="" xmlns:a16="http://schemas.microsoft.com/office/drawing/2014/main" id="{A5FDE527-E621-4639-A0C7-E1E9B0DFBCEC}"/>
               </a:ext>
             </a:extLst>
           </p:cNvPr>
@@ -249,7 +245,7 @@
           <p:cNvPr id="4" name="Date Placeholder 3">
             <a:extLst>
               <a:ext uri="{FF2B5EF4-FFF2-40B4-BE49-F238E27FC236}">
-                <a16:creationId xmlns:a16="http://schemas.microsoft.com/office/drawing/2014/main" id="{E109CE88-B989-4109-89C8-36F7C245DB1C}"/>
+                <a16:creationId xmlns="" xmlns:a16="http://schemas.microsoft.com/office/drawing/2014/main" id="{E109CE88-B989-4109-89C8-36F7C245DB1C}"/>
               </a:ext>
             </a:extLst>
           </p:cNvPr>
@@ -267,7 +263,7 @@
           <a:p>
             <a:fld id="{6C733091-19F0-4DD7-90FE-000B4789B4CF}" type="datetimeFigureOut">
               <a:rPr lang="en-US" smtClean="0"/>
-              <a:t>9/4/2021</a:t>
+              <a:t>9/13/2021</a:t>
             </a:fld>
             <a:endParaRPr lang="en-US"/>
           </a:p>
@@ -278,7 +274,7 @@
           <p:cNvPr id="5" name="Footer Placeholder 4">
             <a:extLst>
               <a:ext uri="{FF2B5EF4-FFF2-40B4-BE49-F238E27FC236}">
-                <a16:creationId xmlns:a16="http://schemas.microsoft.com/office/drawing/2014/main" id="{0841498F-B991-43D3-B408-CC35D8EFCF37}"/>
+                <a16:creationId xmlns="" xmlns:a16="http://schemas.microsoft.com/office/drawing/2014/main" id="{0841498F-B991-43D3-B408-CC35D8EFCF37}"/>
               </a:ext>
             </a:extLst>
           </p:cNvPr>
@@ -303,7 +299,7 @@
           <p:cNvPr id="6" name="Slide Number Placeholder 5">
             <a:extLst>
               <a:ext uri="{FF2B5EF4-FFF2-40B4-BE49-F238E27FC236}">
-                <a16:creationId xmlns:a16="http://schemas.microsoft.com/office/drawing/2014/main" id="{01754CB8-17B1-45A0-AE7D-755EAA1B69D8}"/>
+                <a16:creationId xmlns="" xmlns:a16="http://schemas.microsoft.com/office/drawing/2014/main" id="{01754CB8-17B1-45A0-AE7D-755EAA1B69D8}"/>
               </a:ext>
             </a:extLst>
           </p:cNvPr>
@@ -362,7 +358,7 @@
           <p:cNvPr id="2" name="Title 1">
             <a:extLst>
               <a:ext uri="{FF2B5EF4-FFF2-40B4-BE49-F238E27FC236}">
-                <a16:creationId xmlns:a16="http://schemas.microsoft.com/office/drawing/2014/main" id="{E7A7B055-5DC2-440D-83C1-CAAE8E9A8E14}"/>
+                <a16:creationId xmlns="" xmlns:a16="http://schemas.microsoft.com/office/drawing/2014/main" id="{E7A7B055-5DC2-440D-83C1-CAAE8E9A8E14}"/>
               </a:ext>
             </a:extLst>
           </p:cNvPr>
@@ -390,7 +386,7 @@
           <p:cNvPr id="3" name="Vertical Text Placeholder 2">
             <a:extLst>
               <a:ext uri="{FF2B5EF4-FFF2-40B4-BE49-F238E27FC236}">
-                <a16:creationId xmlns:a16="http://schemas.microsoft.com/office/drawing/2014/main" id="{65710707-423D-4F9D-A49D-6C764C562553}"/>
+                <a16:creationId xmlns="" xmlns:a16="http://schemas.microsoft.com/office/drawing/2014/main" id="{65710707-423D-4F9D-A49D-6C764C562553}"/>
               </a:ext>
             </a:extLst>
           </p:cNvPr>
@@ -447,7 +443,7 @@
           <p:cNvPr id="4" name="Date Placeholder 3">
             <a:extLst>
               <a:ext uri="{FF2B5EF4-FFF2-40B4-BE49-F238E27FC236}">
-                <a16:creationId xmlns:a16="http://schemas.microsoft.com/office/drawing/2014/main" id="{98B6F7EF-D1BE-4437-85F3-99626E37E4EF}"/>
+                <a16:creationId xmlns="" xmlns:a16="http://schemas.microsoft.com/office/drawing/2014/main" id="{98B6F7EF-D1BE-4437-85F3-99626E37E4EF}"/>
               </a:ext>
             </a:extLst>
           </p:cNvPr>
@@ -465,7 +461,7 @@
           <a:p>
             <a:fld id="{6C733091-19F0-4DD7-90FE-000B4789B4CF}" type="datetimeFigureOut">
               <a:rPr lang="en-US" smtClean="0"/>
-              <a:t>9/4/2021</a:t>
+              <a:t>9/13/2021</a:t>
             </a:fld>
             <a:endParaRPr lang="en-US"/>
           </a:p>
@@ -476,7 +472,7 @@
           <p:cNvPr id="5" name="Footer Placeholder 4">
             <a:extLst>
               <a:ext uri="{FF2B5EF4-FFF2-40B4-BE49-F238E27FC236}">
-                <a16:creationId xmlns:a16="http://schemas.microsoft.com/office/drawing/2014/main" id="{D890AA9B-E479-4209-B245-83608F3D4013}"/>
+                <a16:creationId xmlns="" xmlns:a16="http://schemas.microsoft.com/office/drawing/2014/main" id="{D890AA9B-E479-4209-B245-83608F3D4013}"/>
               </a:ext>
             </a:extLst>
           </p:cNvPr>
@@ -501,7 +497,7 @@
           <p:cNvPr id="6" name="Slide Number Placeholder 5">
             <a:extLst>
               <a:ext uri="{FF2B5EF4-FFF2-40B4-BE49-F238E27FC236}">
-                <a16:creationId xmlns:a16="http://schemas.microsoft.com/office/drawing/2014/main" id="{0E4976E4-E15A-4296-A430-633D2BB9142B}"/>
+                <a16:creationId xmlns="" xmlns:a16="http://schemas.microsoft.com/office/drawing/2014/main" id="{0E4976E4-E15A-4296-A430-633D2BB9142B}"/>
               </a:ext>
             </a:extLst>
           </p:cNvPr>
@@ -560,7 +556,7 @@
           <p:cNvPr id="2" name="Vertical Title 1">
             <a:extLst>
               <a:ext uri="{FF2B5EF4-FFF2-40B4-BE49-F238E27FC236}">
-                <a16:creationId xmlns:a16="http://schemas.microsoft.com/office/drawing/2014/main" id="{66F63CF5-8DEE-4BB2-A2A5-5C16FEBE1AD5}"/>
+                <a16:creationId xmlns="" xmlns:a16="http://schemas.microsoft.com/office/drawing/2014/main" id="{66F63CF5-8DEE-4BB2-A2A5-5C16FEBE1AD5}"/>
               </a:ext>
             </a:extLst>
           </p:cNvPr>
@@ -593,7 +589,7 @@
           <p:cNvPr id="3" name="Vertical Text Placeholder 2">
             <a:extLst>
               <a:ext uri="{FF2B5EF4-FFF2-40B4-BE49-F238E27FC236}">
-                <a16:creationId xmlns:a16="http://schemas.microsoft.com/office/drawing/2014/main" id="{E0D5EBA5-94AF-4373-B032-A40FF73C7575}"/>
+                <a16:creationId xmlns="" xmlns:a16="http://schemas.microsoft.com/office/drawing/2014/main" id="{E0D5EBA5-94AF-4373-B032-A40FF73C7575}"/>
               </a:ext>
             </a:extLst>
           </p:cNvPr>
@@ -655,7 +651,7 @@
           <p:cNvPr id="4" name="Date Placeholder 3">
             <a:extLst>
               <a:ext uri="{FF2B5EF4-FFF2-40B4-BE49-F238E27FC236}">
-                <a16:creationId xmlns:a16="http://schemas.microsoft.com/office/drawing/2014/main" id="{7426B8E1-6758-4F5E-B618-96641332600B}"/>
+                <a16:creationId xmlns="" xmlns:a16="http://schemas.microsoft.com/office/drawing/2014/main" id="{7426B8E1-6758-4F5E-B618-96641332600B}"/>
               </a:ext>
             </a:extLst>
           </p:cNvPr>
@@ -673,7 +669,7 @@
           <a:p>
             <a:fld id="{6C733091-19F0-4DD7-90FE-000B4789B4CF}" type="datetimeFigureOut">
               <a:rPr lang="en-US" smtClean="0"/>
-              <a:t>9/4/2021</a:t>
+              <a:t>9/13/2021</a:t>
             </a:fld>
             <a:endParaRPr lang="en-US"/>
           </a:p>
@@ -684,7 +680,7 @@
           <p:cNvPr id="5" name="Footer Placeholder 4">
             <a:extLst>
               <a:ext uri="{FF2B5EF4-FFF2-40B4-BE49-F238E27FC236}">
-                <a16:creationId xmlns:a16="http://schemas.microsoft.com/office/drawing/2014/main" id="{F65E330E-2A7E-482D-AE0F-70EA5A29958B}"/>
+                <a16:creationId xmlns="" xmlns:a16="http://schemas.microsoft.com/office/drawing/2014/main" id="{F65E330E-2A7E-482D-AE0F-70EA5A29958B}"/>
               </a:ext>
             </a:extLst>
           </p:cNvPr>
@@ -709,7 +705,7 @@
           <p:cNvPr id="6" name="Slide Number Placeholder 5">
             <a:extLst>
               <a:ext uri="{FF2B5EF4-FFF2-40B4-BE49-F238E27FC236}">
-                <a16:creationId xmlns:a16="http://schemas.microsoft.com/office/drawing/2014/main" id="{B8000005-FC38-4A6C-9D09-7945EFA08160}"/>
+                <a16:creationId xmlns="" xmlns:a16="http://schemas.microsoft.com/office/drawing/2014/main" id="{B8000005-FC38-4A6C-9D09-7945EFA08160}"/>
               </a:ext>
             </a:extLst>
           </p:cNvPr>
@@ -768,7 +764,7 @@
           <p:cNvPr id="2" name="Title 1">
             <a:extLst>
               <a:ext uri="{FF2B5EF4-FFF2-40B4-BE49-F238E27FC236}">
-                <a16:creationId xmlns:a16="http://schemas.microsoft.com/office/drawing/2014/main" id="{91D0002C-766B-44B4-A24C-BE6DE6C7BA4C}"/>
+                <a16:creationId xmlns="" xmlns:a16="http://schemas.microsoft.com/office/drawing/2014/main" id="{91D0002C-766B-44B4-A24C-BE6DE6C7BA4C}"/>
               </a:ext>
             </a:extLst>
           </p:cNvPr>
@@ -796,7 +792,7 @@
           <p:cNvPr id="3" name="Content Placeholder 2">
             <a:extLst>
               <a:ext uri="{FF2B5EF4-FFF2-40B4-BE49-F238E27FC236}">
-                <a16:creationId xmlns:a16="http://schemas.microsoft.com/office/drawing/2014/main" id="{3455BAA9-6C7B-4874-AD76-BD466F64802D}"/>
+                <a16:creationId xmlns="" xmlns:a16="http://schemas.microsoft.com/office/drawing/2014/main" id="{3455BAA9-6C7B-4874-AD76-BD466F64802D}"/>
               </a:ext>
             </a:extLst>
           </p:cNvPr>
@@ -853,7 +849,7 @@
           <p:cNvPr id="4" name="Date Placeholder 3">
             <a:extLst>
               <a:ext uri="{FF2B5EF4-FFF2-40B4-BE49-F238E27FC236}">
-                <a16:creationId xmlns:a16="http://schemas.microsoft.com/office/drawing/2014/main" id="{8776BDAF-D8F2-4A61-904D-094BB4545702}"/>
+                <a16:creationId xmlns="" xmlns:a16="http://schemas.microsoft.com/office/drawing/2014/main" id="{8776BDAF-D8F2-4A61-904D-094BB4545702}"/>
               </a:ext>
             </a:extLst>
           </p:cNvPr>
@@ -871,7 +867,7 @@
           <a:p>
             <a:fld id="{6C733091-19F0-4DD7-90FE-000B4789B4CF}" type="datetimeFigureOut">
               <a:rPr lang="en-US" smtClean="0"/>
-              <a:t>9/4/2021</a:t>
+              <a:t>9/13/2021</a:t>
             </a:fld>
             <a:endParaRPr lang="en-US"/>
           </a:p>
@@ -882,7 +878,7 @@
           <p:cNvPr id="5" name="Footer Placeholder 4">
             <a:extLst>
               <a:ext uri="{FF2B5EF4-FFF2-40B4-BE49-F238E27FC236}">
-                <a16:creationId xmlns:a16="http://schemas.microsoft.com/office/drawing/2014/main" id="{F89C5665-4384-4706-9BD2-9F42B05C96BC}"/>
+                <a16:creationId xmlns="" xmlns:a16="http://schemas.microsoft.com/office/drawing/2014/main" id="{F89C5665-4384-4706-9BD2-9F42B05C96BC}"/>
               </a:ext>
             </a:extLst>
           </p:cNvPr>
@@ -907,7 +903,7 @@
           <p:cNvPr id="6" name="Slide Number Placeholder 5">
             <a:extLst>
               <a:ext uri="{FF2B5EF4-FFF2-40B4-BE49-F238E27FC236}">
-                <a16:creationId xmlns:a16="http://schemas.microsoft.com/office/drawing/2014/main" id="{7DCAD73E-CAB3-4BA7-905E-D203691D0418}"/>
+                <a16:creationId xmlns="" xmlns:a16="http://schemas.microsoft.com/office/drawing/2014/main" id="{7DCAD73E-CAB3-4BA7-905E-D203691D0418}"/>
               </a:ext>
             </a:extLst>
           </p:cNvPr>
@@ -966,7 +962,7 @@
           <p:cNvPr id="2" name="Title 1">
             <a:extLst>
               <a:ext uri="{FF2B5EF4-FFF2-40B4-BE49-F238E27FC236}">
-                <a16:creationId xmlns:a16="http://schemas.microsoft.com/office/drawing/2014/main" id="{A9880706-F7FA-4EC3-A022-9D6C7CEC3692}"/>
+                <a16:creationId xmlns="" xmlns:a16="http://schemas.microsoft.com/office/drawing/2014/main" id="{A9880706-F7FA-4EC3-A022-9D6C7CEC3692}"/>
               </a:ext>
             </a:extLst>
           </p:cNvPr>
@@ -1003,7 +999,7 @@
           <p:cNvPr id="3" name="Text Placeholder 2">
             <a:extLst>
               <a:ext uri="{FF2B5EF4-FFF2-40B4-BE49-F238E27FC236}">
-                <a16:creationId xmlns:a16="http://schemas.microsoft.com/office/drawing/2014/main" id="{FA8A65D0-3DF5-448D-82EC-A967682A0DED}"/>
+                <a16:creationId xmlns="" xmlns:a16="http://schemas.microsoft.com/office/drawing/2014/main" id="{FA8A65D0-3DF5-448D-82EC-A967682A0DED}"/>
               </a:ext>
             </a:extLst>
           </p:cNvPr>
@@ -1128,7 +1124,7 @@
           <p:cNvPr id="4" name="Date Placeholder 3">
             <a:extLst>
               <a:ext uri="{FF2B5EF4-FFF2-40B4-BE49-F238E27FC236}">
-                <a16:creationId xmlns:a16="http://schemas.microsoft.com/office/drawing/2014/main" id="{600EA68C-01A6-487D-9D6E-1D1B4EAC0440}"/>
+                <a16:creationId xmlns="" xmlns:a16="http://schemas.microsoft.com/office/drawing/2014/main" id="{600EA68C-01A6-487D-9D6E-1D1B4EAC0440}"/>
               </a:ext>
             </a:extLst>
           </p:cNvPr>
@@ -1146,7 +1142,7 @@
           <a:p>
             <a:fld id="{6C733091-19F0-4DD7-90FE-000B4789B4CF}" type="datetimeFigureOut">
               <a:rPr lang="en-US" smtClean="0"/>
-              <a:t>9/4/2021</a:t>
+              <a:t>9/13/2021</a:t>
             </a:fld>
             <a:endParaRPr lang="en-US"/>
           </a:p>
@@ -1157,7 +1153,7 @@
           <p:cNvPr id="5" name="Footer Placeholder 4">
             <a:extLst>
               <a:ext uri="{FF2B5EF4-FFF2-40B4-BE49-F238E27FC236}">
-                <a16:creationId xmlns:a16="http://schemas.microsoft.com/office/drawing/2014/main" id="{6E6527CB-4FFD-4569-A82C-5EDC311B2CF6}"/>
+                <a16:creationId xmlns="" xmlns:a16="http://schemas.microsoft.com/office/drawing/2014/main" id="{6E6527CB-4FFD-4569-A82C-5EDC311B2CF6}"/>
               </a:ext>
             </a:extLst>
           </p:cNvPr>
@@ -1182,7 +1178,7 @@
           <p:cNvPr id="6" name="Slide Number Placeholder 5">
             <a:extLst>
               <a:ext uri="{FF2B5EF4-FFF2-40B4-BE49-F238E27FC236}">
-                <a16:creationId xmlns:a16="http://schemas.microsoft.com/office/drawing/2014/main" id="{24B19E5B-5A98-4381-A01D-01F81FD65792}"/>
+                <a16:creationId xmlns="" xmlns:a16="http://schemas.microsoft.com/office/drawing/2014/main" id="{24B19E5B-5A98-4381-A01D-01F81FD65792}"/>
               </a:ext>
             </a:extLst>
           </p:cNvPr>
@@ -1241,7 +1237,7 @@
           <p:cNvPr id="2" name="Title 1">
             <a:extLst>
               <a:ext uri="{FF2B5EF4-FFF2-40B4-BE49-F238E27FC236}">
-                <a16:creationId xmlns:a16="http://schemas.microsoft.com/office/drawing/2014/main" id="{63228B71-E923-4431-B8D2-FAE724678940}"/>
+                <a16:creationId xmlns="" xmlns:a16="http://schemas.microsoft.com/office/drawing/2014/main" id="{63228B71-E923-4431-B8D2-FAE724678940}"/>
               </a:ext>
             </a:extLst>
           </p:cNvPr>
@@ -1269,7 +1265,7 @@
           <p:cNvPr id="3" name="Content Placeholder 2">
             <a:extLst>
               <a:ext uri="{FF2B5EF4-FFF2-40B4-BE49-F238E27FC236}">
-                <a16:creationId xmlns:a16="http://schemas.microsoft.com/office/drawing/2014/main" id="{B18895E9-B7FF-4A00-955B-206CF8C73E43}"/>
+                <a16:creationId xmlns="" xmlns:a16="http://schemas.microsoft.com/office/drawing/2014/main" id="{B18895E9-B7FF-4A00-955B-206CF8C73E43}"/>
               </a:ext>
             </a:extLst>
           </p:cNvPr>
@@ -1331,7 +1327,7 @@
           <p:cNvPr id="4" name="Content Placeholder 3">
             <a:extLst>
               <a:ext uri="{FF2B5EF4-FFF2-40B4-BE49-F238E27FC236}">
-                <a16:creationId xmlns:a16="http://schemas.microsoft.com/office/drawing/2014/main" id="{DA813955-E3B9-44BC-8E1D-139269C8B48A}"/>
+                <a16:creationId xmlns="" xmlns:a16="http://schemas.microsoft.com/office/drawing/2014/main" id="{DA813955-E3B9-44BC-8E1D-139269C8B48A}"/>
               </a:ext>
             </a:extLst>
           </p:cNvPr>
@@ -1393,7 +1389,7 @@
           <p:cNvPr id="5" name="Date Placeholder 4">
             <a:extLst>
               <a:ext uri="{FF2B5EF4-FFF2-40B4-BE49-F238E27FC236}">
-                <a16:creationId xmlns:a16="http://schemas.microsoft.com/office/drawing/2014/main" id="{7E9B8EF5-28D5-4C4E-A2AB-EEA30D75DAFE}"/>
+                <a16:creationId xmlns="" xmlns:a16="http://schemas.microsoft.com/office/drawing/2014/main" id="{7E9B8EF5-28D5-4C4E-A2AB-EEA30D75DAFE}"/>
               </a:ext>
             </a:extLst>
           </p:cNvPr>
@@ -1411,7 +1407,7 @@
           <a:p>
             <a:fld id="{6C733091-19F0-4DD7-90FE-000B4789B4CF}" type="datetimeFigureOut">
               <a:rPr lang="en-US" smtClean="0"/>
-              <a:t>9/4/2021</a:t>
+              <a:t>9/13/2021</a:t>
             </a:fld>
             <a:endParaRPr lang="en-US"/>
           </a:p>
@@ -1422,7 +1418,7 @@
           <p:cNvPr id="6" name="Footer Placeholder 5">
             <a:extLst>
               <a:ext uri="{FF2B5EF4-FFF2-40B4-BE49-F238E27FC236}">
-                <a16:creationId xmlns:a16="http://schemas.microsoft.com/office/drawing/2014/main" id="{5723E678-8CB4-4335-AA04-6BD391748717}"/>
+                <a16:creationId xmlns="" xmlns:a16="http://schemas.microsoft.com/office/drawing/2014/main" id="{5723E678-8CB4-4335-AA04-6BD391748717}"/>
               </a:ext>
             </a:extLst>
           </p:cNvPr>
@@ -1447,7 +1443,7 @@
           <p:cNvPr id="7" name="Slide Number Placeholder 6">
             <a:extLst>
               <a:ext uri="{FF2B5EF4-FFF2-40B4-BE49-F238E27FC236}">
-                <a16:creationId xmlns:a16="http://schemas.microsoft.com/office/drawing/2014/main" id="{887B5567-9F4D-4AE1-92D8-769C9F7EA4F0}"/>
+                <a16:creationId xmlns="" xmlns:a16="http://schemas.microsoft.com/office/drawing/2014/main" id="{887B5567-9F4D-4AE1-92D8-769C9F7EA4F0}"/>
               </a:ext>
             </a:extLst>
           </p:cNvPr>
@@ -1506,7 +1502,7 @@
           <p:cNvPr id="2" name="Title 1">
             <a:extLst>
               <a:ext uri="{FF2B5EF4-FFF2-40B4-BE49-F238E27FC236}">
-                <a16:creationId xmlns:a16="http://schemas.microsoft.com/office/drawing/2014/main" id="{A40320A9-7C0C-45B4-BF2B-3B53B5686EBB}"/>
+                <a16:creationId xmlns="" xmlns:a16="http://schemas.microsoft.com/office/drawing/2014/main" id="{A40320A9-7C0C-45B4-BF2B-3B53B5686EBB}"/>
               </a:ext>
             </a:extLst>
           </p:cNvPr>
@@ -1539,7 +1535,7 @@
           <p:cNvPr id="3" name="Text Placeholder 2">
             <a:extLst>
               <a:ext uri="{FF2B5EF4-FFF2-40B4-BE49-F238E27FC236}">
-                <a16:creationId xmlns:a16="http://schemas.microsoft.com/office/drawing/2014/main" id="{8C440DE1-7DD6-4B1C-B961-CD2079B51F03}"/>
+                <a16:creationId xmlns="" xmlns:a16="http://schemas.microsoft.com/office/drawing/2014/main" id="{8C440DE1-7DD6-4B1C-B961-CD2079B51F03}"/>
               </a:ext>
             </a:extLst>
           </p:cNvPr>
@@ -1610,7 +1606,7 @@
           <p:cNvPr id="4" name="Content Placeholder 3">
             <a:extLst>
               <a:ext uri="{FF2B5EF4-FFF2-40B4-BE49-F238E27FC236}">
-                <a16:creationId xmlns:a16="http://schemas.microsoft.com/office/drawing/2014/main" id="{6FAFE840-CC9A-4D89-B05F-159EF756B427}"/>
+                <a16:creationId xmlns="" xmlns:a16="http://schemas.microsoft.com/office/drawing/2014/main" id="{6FAFE840-CC9A-4D89-B05F-159EF756B427}"/>
               </a:ext>
             </a:extLst>
           </p:cNvPr>
@@ -1672,7 +1668,7 @@
           <p:cNvPr id="5" name="Text Placeholder 4">
             <a:extLst>
               <a:ext uri="{FF2B5EF4-FFF2-40B4-BE49-F238E27FC236}">
-                <a16:creationId xmlns:a16="http://schemas.microsoft.com/office/drawing/2014/main" id="{4B87AADC-3401-48C6-98F6-0AB60F6DF9BE}"/>
+                <a16:creationId xmlns="" xmlns:a16="http://schemas.microsoft.com/office/drawing/2014/main" id="{4B87AADC-3401-48C6-98F6-0AB60F6DF9BE}"/>
               </a:ext>
             </a:extLst>
           </p:cNvPr>
@@ -1743,7 +1739,7 @@
           <p:cNvPr id="6" name="Content Placeholder 5">
             <a:extLst>
               <a:ext uri="{FF2B5EF4-FFF2-40B4-BE49-F238E27FC236}">
-                <a16:creationId xmlns:a16="http://schemas.microsoft.com/office/drawing/2014/main" id="{34BCF1A4-FB52-4DCD-80BC-324BA41C33CD}"/>
+                <a16:creationId xmlns="" xmlns:a16="http://schemas.microsoft.com/office/drawing/2014/main" id="{34BCF1A4-FB52-4DCD-80BC-324BA41C33CD}"/>
               </a:ext>
             </a:extLst>
           </p:cNvPr>
@@ -1805,7 +1801,7 @@
           <p:cNvPr id="7" name="Date Placeholder 6">
             <a:extLst>
               <a:ext uri="{FF2B5EF4-FFF2-40B4-BE49-F238E27FC236}">
-                <a16:creationId xmlns:a16="http://schemas.microsoft.com/office/drawing/2014/main" id="{8CFD4208-60E7-48B1-8CD0-717D5E26B827}"/>
+                <a16:creationId xmlns="" xmlns:a16="http://schemas.microsoft.com/office/drawing/2014/main" id="{8CFD4208-60E7-48B1-8CD0-717D5E26B827}"/>
               </a:ext>
             </a:extLst>
           </p:cNvPr>
@@ -1823,7 +1819,7 @@
           <a:p>
             <a:fld id="{6C733091-19F0-4DD7-90FE-000B4789B4CF}" type="datetimeFigureOut">
               <a:rPr lang="en-US" smtClean="0"/>
-              <a:t>9/4/2021</a:t>
+              <a:t>9/13/2021</a:t>
             </a:fld>
             <a:endParaRPr lang="en-US"/>
           </a:p>
@@ -1834,7 +1830,7 @@
           <p:cNvPr id="8" name="Footer Placeholder 7">
             <a:extLst>
               <a:ext uri="{FF2B5EF4-FFF2-40B4-BE49-F238E27FC236}">
-                <a16:creationId xmlns:a16="http://schemas.microsoft.com/office/drawing/2014/main" id="{94E429D1-BEB1-4D8A-91F2-CD4F80157F8D}"/>
+                <a16:creationId xmlns="" xmlns:a16="http://schemas.microsoft.com/office/drawing/2014/main" id="{94E429D1-BEB1-4D8A-91F2-CD4F80157F8D}"/>
               </a:ext>
             </a:extLst>
           </p:cNvPr>
@@ -1859,7 +1855,7 @@
           <p:cNvPr id="9" name="Slide Number Placeholder 8">
             <a:extLst>
               <a:ext uri="{FF2B5EF4-FFF2-40B4-BE49-F238E27FC236}">
-                <a16:creationId xmlns:a16="http://schemas.microsoft.com/office/drawing/2014/main" id="{6F17C19C-8370-4118-A8FC-5DDA6F84230F}"/>
+                <a16:creationId xmlns="" xmlns:a16="http://schemas.microsoft.com/office/drawing/2014/main" id="{6F17C19C-8370-4118-A8FC-5DDA6F84230F}"/>
               </a:ext>
             </a:extLst>
           </p:cNvPr>
@@ -1918,7 +1914,7 @@
           <p:cNvPr id="2" name="Title 1">
             <a:extLst>
               <a:ext uri="{FF2B5EF4-FFF2-40B4-BE49-F238E27FC236}">
-                <a16:creationId xmlns:a16="http://schemas.microsoft.com/office/drawing/2014/main" id="{252CBF36-7F99-45A9-BC35-BD2EC260CBF0}"/>
+                <a16:creationId xmlns="" xmlns:a16="http://schemas.microsoft.com/office/drawing/2014/main" id="{252CBF36-7F99-45A9-BC35-BD2EC260CBF0}"/>
               </a:ext>
             </a:extLst>
           </p:cNvPr>
@@ -1946,7 +1942,7 @@
           <p:cNvPr id="3" name="Date Placeholder 2">
             <a:extLst>
               <a:ext uri="{FF2B5EF4-FFF2-40B4-BE49-F238E27FC236}">
-                <a16:creationId xmlns:a16="http://schemas.microsoft.com/office/drawing/2014/main" id="{0D6F5F83-F07E-4501-B86B-9F96CD43993C}"/>
+                <a16:creationId xmlns="" xmlns:a16="http://schemas.microsoft.com/office/drawing/2014/main" id="{0D6F5F83-F07E-4501-B86B-9F96CD43993C}"/>
               </a:ext>
             </a:extLst>
           </p:cNvPr>
@@ -1964,7 +1960,7 @@
           <a:p>
             <a:fld id="{6C733091-19F0-4DD7-90FE-000B4789B4CF}" type="datetimeFigureOut">
               <a:rPr lang="en-US" smtClean="0"/>
-              <a:t>9/4/2021</a:t>
+              <a:t>9/13/2021</a:t>
             </a:fld>
             <a:endParaRPr lang="en-US"/>
           </a:p>
@@ -1975,7 +1971,7 @@
           <p:cNvPr id="4" name="Footer Placeholder 3">
             <a:extLst>
               <a:ext uri="{FF2B5EF4-FFF2-40B4-BE49-F238E27FC236}">
-                <a16:creationId xmlns:a16="http://schemas.microsoft.com/office/drawing/2014/main" id="{2861989B-F8E9-41FD-8E16-687424BCC266}"/>
+                <a16:creationId xmlns="" xmlns:a16="http://schemas.microsoft.com/office/drawing/2014/main" id="{2861989B-F8E9-41FD-8E16-687424BCC266}"/>
               </a:ext>
             </a:extLst>
           </p:cNvPr>
@@ -2000,7 +1996,7 @@
           <p:cNvPr id="5" name="Slide Number Placeholder 4">
             <a:extLst>
               <a:ext uri="{FF2B5EF4-FFF2-40B4-BE49-F238E27FC236}">
-                <a16:creationId xmlns:a16="http://schemas.microsoft.com/office/drawing/2014/main" id="{2026B6D7-7832-4815-95CE-5CEC39502825}"/>
+                <a16:creationId xmlns="" xmlns:a16="http://schemas.microsoft.com/office/drawing/2014/main" id="{2026B6D7-7832-4815-95CE-5CEC39502825}"/>
               </a:ext>
             </a:extLst>
           </p:cNvPr>
@@ -2059,7 +2055,7 @@
           <p:cNvPr id="2" name="Date Placeholder 1">
             <a:extLst>
               <a:ext uri="{FF2B5EF4-FFF2-40B4-BE49-F238E27FC236}">
-                <a16:creationId xmlns:a16="http://schemas.microsoft.com/office/drawing/2014/main" id="{9877919A-C4B6-46FD-A08A-9A4B867FE01A}"/>
+                <a16:creationId xmlns="" xmlns:a16="http://schemas.microsoft.com/office/drawing/2014/main" id="{9877919A-C4B6-46FD-A08A-9A4B867FE01A}"/>
               </a:ext>
             </a:extLst>
           </p:cNvPr>
@@ -2077,7 +2073,7 @@
           <a:p>
             <a:fld id="{6C733091-19F0-4DD7-90FE-000B4789B4CF}" type="datetimeFigureOut">
               <a:rPr lang="en-US" smtClean="0"/>
-              <a:t>9/4/2021</a:t>
+              <a:t>9/13/2021</a:t>
             </a:fld>
             <a:endParaRPr lang="en-US"/>
           </a:p>
@@ -2088,7 +2084,7 @@
           <p:cNvPr id="3" name="Footer Placeholder 2">
             <a:extLst>
               <a:ext uri="{FF2B5EF4-FFF2-40B4-BE49-F238E27FC236}">
-                <a16:creationId xmlns:a16="http://schemas.microsoft.com/office/drawing/2014/main" id="{9118539E-383C-4F1C-86F2-14C533A7E9FB}"/>
+                <a16:creationId xmlns="" xmlns:a16="http://schemas.microsoft.com/office/drawing/2014/main" id="{9118539E-383C-4F1C-86F2-14C533A7E9FB}"/>
               </a:ext>
             </a:extLst>
           </p:cNvPr>
@@ -2113,7 +2109,7 @@
           <p:cNvPr id="4" name="Slide Number Placeholder 3">
             <a:extLst>
               <a:ext uri="{FF2B5EF4-FFF2-40B4-BE49-F238E27FC236}">
-                <a16:creationId xmlns:a16="http://schemas.microsoft.com/office/drawing/2014/main" id="{C9A6D4E1-CA83-4214-9942-9E4617AA89BF}"/>
+                <a16:creationId xmlns="" xmlns:a16="http://schemas.microsoft.com/office/drawing/2014/main" id="{C9A6D4E1-CA83-4214-9942-9E4617AA89BF}"/>
               </a:ext>
             </a:extLst>
           </p:cNvPr>
@@ -2172,7 +2168,7 @@
           <p:cNvPr id="2" name="Title 1">
             <a:extLst>
               <a:ext uri="{FF2B5EF4-FFF2-40B4-BE49-F238E27FC236}">
-                <a16:creationId xmlns:a16="http://schemas.microsoft.com/office/drawing/2014/main" id="{046EF9B5-7A2A-4225-8817-86D028D6950C}"/>
+                <a16:creationId xmlns="" xmlns:a16="http://schemas.microsoft.com/office/drawing/2014/main" id="{046EF9B5-7A2A-4225-8817-86D028D6950C}"/>
               </a:ext>
             </a:extLst>
           </p:cNvPr>
@@ -2209,7 +2205,7 @@
           <p:cNvPr id="3" name="Content Placeholder 2">
             <a:extLst>
               <a:ext uri="{FF2B5EF4-FFF2-40B4-BE49-F238E27FC236}">
-                <a16:creationId xmlns:a16="http://schemas.microsoft.com/office/drawing/2014/main" id="{8667C390-5297-41E8-A403-22856007B051}"/>
+                <a16:creationId xmlns="" xmlns:a16="http://schemas.microsoft.com/office/drawing/2014/main" id="{8667C390-5297-41E8-A403-22856007B051}"/>
               </a:ext>
             </a:extLst>
           </p:cNvPr>
@@ -2299,7 +2295,7 @@
           <p:cNvPr id="4" name="Text Placeholder 3">
             <a:extLst>
               <a:ext uri="{FF2B5EF4-FFF2-40B4-BE49-F238E27FC236}">
-                <a16:creationId xmlns:a16="http://schemas.microsoft.com/office/drawing/2014/main" id="{8D0D2F7D-D6CD-4AB1-A3EA-CBFD2A2B3703}"/>
+                <a16:creationId xmlns="" xmlns:a16="http://schemas.microsoft.com/office/drawing/2014/main" id="{8D0D2F7D-D6CD-4AB1-A3EA-CBFD2A2B3703}"/>
               </a:ext>
             </a:extLst>
           </p:cNvPr>
@@ -2370,7 +2366,7 @@
           <p:cNvPr id="5" name="Date Placeholder 4">
             <a:extLst>
               <a:ext uri="{FF2B5EF4-FFF2-40B4-BE49-F238E27FC236}">
-                <a16:creationId xmlns:a16="http://schemas.microsoft.com/office/drawing/2014/main" id="{E17A441D-4FA7-4110-BF24-165CD3C3DAD7}"/>
+                <a16:creationId xmlns="" xmlns:a16="http://schemas.microsoft.com/office/drawing/2014/main" id="{E17A441D-4FA7-4110-BF24-165CD3C3DAD7}"/>
               </a:ext>
             </a:extLst>
           </p:cNvPr>
@@ -2388,7 +2384,7 @@
           <a:p>
             <a:fld id="{6C733091-19F0-4DD7-90FE-000B4789B4CF}" type="datetimeFigureOut">
               <a:rPr lang="en-US" smtClean="0"/>
-              <a:t>9/4/2021</a:t>
+              <a:t>9/13/2021</a:t>
             </a:fld>
             <a:endParaRPr lang="en-US"/>
           </a:p>
@@ -2399,7 +2395,7 @@
           <p:cNvPr id="6" name="Footer Placeholder 5">
             <a:extLst>
               <a:ext uri="{FF2B5EF4-FFF2-40B4-BE49-F238E27FC236}">
-                <a16:creationId xmlns:a16="http://schemas.microsoft.com/office/drawing/2014/main" id="{346102C5-5AE3-43CF-A686-1AB72B0790AB}"/>
+                <a16:creationId xmlns="" xmlns:a16="http://schemas.microsoft.com/office/drawing/2014/main" id="{346102C5-5AE3-43CF-A686-1AB72B0790AB}"/>
               </a:ext>
             </a:extLst>
           </p:cNvPr>
@@ -2424,7 +2420,7 @@
           <p:cNvPr id="7" name="Slide Number Placeholder 6">
             <a:extLst>
               <a:ext uri="{FF2B5EF4-FFF2-40B4-BE49-F238E27FC236}">
-                <a16:creationId xmlns:a16="http://schemas.microsoft.com/office/drawing/2014/main" id="{5528B3F7-462C-4500-8836-B3E5CD8DA61A}"/>
+                <a16:creationId xmlns="" xmlns:a16="http://schemas.microsoft.com/office/drawing/2014/main" id="{5528B3F7-462C-4500-8836-B3E5CD8DA61A}"/>
               </a:ext>
             </a:extLst>
           </p:cNvPr>
@@ -2483,7 +2479,7 @@
           <p:cNvPr id="2" name="Title 1">
             <a:extLst>
               <a:ext uri="{FF2B5EF4-FFF2-40B4-BE49-F238E27FC236}">
-                <a16:creationId xmlns:a16="http://schemas.microsoft.com/office/drawing/2014/main" id="{4BA10E59-DA48-4690-A956-9EB8E4E11EE5}"/>
+                <a16:creationId xmlns="" xmlns:a16="http://schemas.microsoft.com/office/drawing/2014/main" id="{4BA10E59-DA48-4690-A956-9EB8E4E11EE5}"/>
               </a:ext>
             </a:extLst>
           </p:cNvPr>
@@ -2520,7 +2516,7 @@
           <p:cNvPr id="3" name="Picture Placeholder 2">
             <a:extLst>
               <a:ext uri="{FF2B5EF4-FFF2-40B4-BE49-F238E27FC236}">
-                <a16:creationId xmlns:a16="http://schemas.microsoft.com/office/drawing/2014/main" id="{AC7AFE1E-67D1-4106-97CA-98302D42CC4D}"/>
+                <a16:creationId xmlns="" xmlns:a16="http://schemas.microsoft.com/office/drawing/2014/main" id="{AC7AFE1E-67D1-4106-97CA-98302D42CC4D}"/>
               </a:ext>
             </a:extLst>
           </p:cNvPr>
@@ -2587,7 +2583,7 @@
           <p:cNvPr id="4" name="Text Placeholder 3">
             <a:extLst>
               <a:ext uri="{FF2B5EF4-FFF2-40B4-BE49-F238E27FC236}">
-                <a16:creationId xmlns:a16="http://schemas.microsoft.com/office/drawing/2014/main" id="{67D8D73B-3D4D-42A7-9A3C-1D508E8A9B45}"/>
+                <a16:creationId xmlns="" xmlns:a16="http://schemas.microsoft.com/office/drawing/2014/main" id="{67D8D73B-3D4D-42A7-9A3C-1D508E8A9B45}"/>
               </a:ext>
             </a:extLst>
           </p:cNvPr>
@@ -2658,7 +2654,7 @@
           <p:cNvPr id="5" name="Date Placeholder 4">
             <a:extLst>
               <a:ext uri="{FF2B5EF4-FFF2-40B4-BE49-F238E27FC236}">
-                <a16:creationId xmlns:a16="http://schemas.microsoft.com/office/drawing/2014/main" id="{48C8945E-A47A-42A2-9DF6-CA6D5002F65F}"/>
+                <a16:creationId xmlns="" xmlns:a16="http://schemas.microsoft.com/office/drawing/2014/main" id="{48C8945E-A47A-42A2-9DF6-CA6D5002F65F}"/>
               </a:ext>
             </a:extLst>
           </p:cNvPr>
@@ -2676,7 +2672,7 @@
           <a:p>
             <a:fld id="{6C733091-19F0-4DD7-90FE-000B4789B4CF}" type="datetimeFigureOut">
               <a:rPr lang="en-US" smtClean="0"/>
-              <a:t>9/4/2021</a:t>
+              <a:t>9/13/2021</a:t>
             </a:fld>
             <a:endParaRPr lang="en-US"/>
           </a:p>
@@ -2687,7 +2683,7 @@
           <p:cNvPr id="6" name="Footer Placeholder 5">
             <a:extLst>
               <a:ext uri="{FF2B5EF4-FFF2-40B4-BE49-F238E27FC236}">
-                <a16:creationId xmlns:a16="http://schemas.microsoft.com/office/drawing/2014/main" id="{EB000DB4-2747-4297-B400-42A539FBDB42}"/>
+                <a16:creationId xmlns="" xmlns:a16="http://schemas.microsoft.com/office/drawing/2014/main" id="{EB000DB4-2747-4297-B400-42A539FBDB42}"/>
               </a:ext>
             </a:extLst>
           </p:cNvPr>
@@ -2712,7 +2708,7 @@
           <p:cNvPr id="7" name="Slide Number Placeholder 6">
             <a:extLst>
               <a:ext uri="{FF2B5EF4-FFF2-40B4-BE49-F238E27FC236}">
-                <a16:creationId xmlns:a16="http://schemas.microsoft.com/office/drawing/2014/main" id="{5BAD9222-F141-4803-AF73-E2DD92E2ABBC}"/>
+                <a16:creationId xmlns="" xmlns:a16="http://schemas.microsoft.com/office/drawing/2014/main" id="{5BAD9222-F141-4803-AF73-E2DD92E2ABBC}"/>
               </a:ext>
             </a:extLst>
           </p:cNvPr>
@@ -2776,7 +2772,7 @@
           <p:cNvPr id="2" name="Title Placeholder 1">
             <a:extLst>
               <a:ext uri="{FF2B5EF4-FFF2-40B4-BE49-F238E27FC236}">
-                <a16:creationId xmlns:a16="http://schemas.microsoft.com/office/drawing/2014/main" id="{5BF9D404-795C-4EA4-AD01-26740519239C}"/>
+                <a16:creationId xmlns="" xmlns:a16="http://schemas.microsoft.com/office/drawing/2014/main" id="{5BF9D404-795C-4EA4-AD01-26740519239C}"/>
               </a:ext>
             </a:extLst>
           </p:cNvPr>
@@ -2814,7 +2810,7 @@
           <p:cNvPr id="3" name="Text Placeholder 2">
             <a:extLst>
               <a:ext uri="{FF2B5EF4-FFF2-40B4-BE49-F238E27FC236}">
-                <a16:creationId xmlns:a16="http://schemas.microsoft.com/office/drawing/2014/main" id="{DE3FEC7B-48F8-4348-9BC6-68F83B859EE9}"/>
+                <a16:creationId xmlns="" xmlns:a16="http://schemas.microsoft.com/office/drawing/2014/main" id="{DE3FEC7B-48F8-4348-9BC6-68F83B859EE9}"/>
               </a:ext>
             </a:extLst>
           </p:cNvPr>
@@ -2881,7 +2877,7 @@
           <p:cNvPr id="4" name="Date Placeholder 3">
             <a:extLst>
               <a:ext uri="{FF2B5EF4-FFF2-40B4-BE49-F238E27FC236}">
-                <a16:creationId xmlns:a16="http://schemas.microsoft.com/office/drawing/2014/main" id="{31CA1A1D-E2F5-4161-A025-7B911965C2FE}"/>
+                <a16:creationId xmlns="" xmlns:a16="http://schemas.microsoft.com/office/drawing/2014/main" id="{31CA1A1D-E2F5-4161-A025-7B911965C2FE}"/>
               </a:ext>
             </a:extLst>
           </p:cNvPr>
@@ -2917,7 +2913,7 @@
           <a:p>
             <a:fld id="{6C733091-19F0-4DD7-90FE-000B4789B4CF}" type="datetimeFigureOut">
               <a:rPr lang="en-US" smtClean="0"/>
-              <a:t>9/4/2021</a:t>
+              <a:t>9/13/2021</a:t>
             </a:fld>
             <a:endParaRPr lang="en-US"/>
           </a:p>
@@ -2928,7 +2924,7 @@
           <p:cNvPr id="5" name="Footer Placeholder 4">
             <a:extLst>
               <a:ext uri="{FF2B5EF4-FFF2-40B4-BE49-F238E27FC236}">
-                <a16:creationId xmlns:a16="http://schemas.microsoft.com/office/drawing/2014/main" id="{43C7B926-18F3-4C13-AB92-764E10D324FB}"/>
+                <a16:creationId xmlns="" xmlns:a16="http://schemas.microsoft.com/office/drawing/2014/main" id="{43C7B926-18F3-4C13-AB92-764E10D324FB}"/>
               </a:ext>
             </a:extLst>
           </p:cNvPr>
@@ -2971,7 +2967,7 @@
           <p:cNvPr id="6" name="Slide Number Placeholder 5">
             <a:extLst>
               <a:ext uri="{FF2B5EF4-FFF2-40B4-BE49-F238E27FC236}">
-                <a16:creationId xmlns:a16="http://schemas.microsoft.com/office/drawing/2014/main" id="{734FA846-3BF6-46FD-80CF-34B300D244C0}"/>
+                <a16:creationId xmlns="" xmlns:a16="http://schemas.microsoft.com/office/drawing/2014/main" id="{734FA846-3BF6-46FD-80CF-34B300D244C0}"/>
               </a:ext>
             </a:extLst>
           </p:cNvPr>
@@ -3438,8 +3434,12 @@
               <a:buChar char="•"/>
             </a:pPr>
             <a:r>
+              <a:rPr lang="en-US" dirty="0" smtClean="0"/>
+              <a:t>Team </a:t>
+            </a:r>
+            <a:r>
               <a:rPr lang="en-US" dirty="0"/>
-              <a:t>Have a team name: Team Power: </a:t>
+              <a:t>Power: </a:t>
             </a:r>
             <a:r>
               <a:rPr lang="en-US" dirty="0" err="1"/>
@@ -3886,357 +3886,2432 @@
       </p:grpSpPr>
       <p:sp>
         <p:nvSpPr>
-          <p:cNvPr id="2" name="Title 1"/>
-          <p:cNvSpPr>
-            <a:spLocks noGrp="1"/>
-          </p:cNvSpPr>
-          <p:nvPr>
-            <p:ph type="ctrTitle"/>
-          </p:nvPr>
+          <p:cNvPr id="10" name="Rectangle 9"/>
+          <p:cNvSpPr/>
+          <p:nvPr/>
         </p:nvSpPr>
         <p:spPr>
           <a:xfrm>
-            <a:off x="166088" y="120357"/>
-            <a:ext cx="9755425" cy="698793"/>
-          </a:xfrm>
-        </p:spPr>
-        <p:txBody>
-          <a:bodyPr>
-            <a:noAutofit/>
+            <a:off x="9860178" y="4432092"/>
+            <a:ext cx="2277786" cy="1145877"/>
+          </a:xfrm>
+          <a:prstGeom prst="rect">
+            <a:avLst/>
+          </a:prstGeom>
+        </p:spPr>
+        <p:style>
+          <a:lnRef idx="2">
+            <a:schemeClr val="accent1">
+              <a:shade val="50000"/>
+            </a:schemeClr>
+          </a:lnRef>
+          <a:fillRef idx="1">
+            <a:schemeClr val="accent1"/>
+          </a:fillRef>
+          <a:effectRef idx="0">
+            <a:schemeClr val="accent1"/>
+          </a:effectRef>
+          <a:fontRef idx="minor">
+            <a:schemeClr val="lt1"/>
+          </a:fontRef>
+        </p:style>
+        <p:txBody>
+          <a:bodyPr rtlCol="0" anchor="ctr"/>
+          <a:lstStyle/>
+          <a:p>
+            <a:pPr algn="ctr"/>
+            <a:r>
+              <a:rPr lang="en-US" dirty="0" smtClean="0"/>
+              <a:t>Tomcat Server</a:t>
+            </a:r>
+            <a:endParaRPr lang="en-US" dirty="0"/>
+          </a:p>
+        </p:txBody>
+      </p:sp>
+      <p:sp>
+        <p:nvSpPr>
+          <p:cNvPr id="54" name="Rectangle 53"/>
+          <p:cNvSpPr/>
+          <p:nvPr/>
+        </p:nvSpPr>
+        <p:spPr>
+          <a:xfrm>
+            <a:off x="1250385" y="1166456"/>
+            <a:ext cx="1494797" cy="991056"/>
+          </a:xfrm>
+          <a:prstGeom prst="rect">
+            <a:avLst/>
+          </a:prstGeom>
+          <a:solidFill>
+            <a:schemeClr val="accent6"/>
+          </a:solidFill>
+        </p:spPr>
+        <p:style>
+          <a:lnRef idx="2">
+            <a:schemeClr val="accent1">
+              <a:shade val="50000"/>
+            </a:schemeClr>
+          </a:lnRef>
+          <a:fillRef idx="1">
+            <a:schemeClr val="accent1"/>
+          </a:fillRef>
+          <a:effectRef idx="0">
+            <a:schemeClr val="accent1"/>
+          </a:effectRef>
+          <a:fontRef idx="minor">
+            <a:schemeClr val="lt1"/>
+          </a:fontRef>
+        </p:style>
+        <p:txBody>
+          <a:bodyPr rtlCol="0" anchor="ctr"/>
+          <a:lstStyle/>
+          <a:p>
+            <a:pPr algn="ctr"/>
+            <a:r>
+              <a:rPr lang="en-US" sz="1000" dirty="0" err="1" smtClean="0"/>
+              <a:t>com.amt.dto</a:t>
+            </a:r>
+            <a:endParaRPr lang="en-US" sz="1000" dirty="0"/>
+          </a:p>
+          <a:p>
+            <a:pPr algn="ctr"/>
+            <a:r>
+              <a:rPr lang="en-US" dirty="0"/>
+              <a:t>&lt;</a:t>
+            </a:r>
+            <a:r>
+              <a:rPr lang="en-US" dirty="0" err="1" smtClean="0"/>
+              <a:t>Tn</a:t>
+            </a:r>
+            <a:r>
+              <a:rPr lang="en-US" dirty="0" smtClean="0"/>
+              <a:t>&gt;DTO</a:t>
+            </a:r>
+            <a:endParaRPr lang="en-US" dirty="0"/>
+          </a:p>
+        </p:txBody>
+      </p:sp>
+      <p:sp>
+        <p:nvSpPr>
+          <p:cNvPr id="89" name="Rectangle 88">
+            <a:extLst>
+              <a:ext uri="{FF2B5EF4-FFF2-40B4-BE49-F238E27FC236}">
+                <a16:creationId xmlns="" xmlns:a16="http://schemas.microsoft.com/office/drawing/2014/main" id="{EED827AB-78FC-41AC-8676-30DA25D7C5FC}"/>
+              </a:ext>
+            </a:extLst>
+          </p:cNvPr>
+          <p:cNvSpPr/>
+          <p:nvPr/>
+        </p:nvSpPr>
+        <p:spPr>
+          <a:xfrm>
+            <a:off x="7544214" y="3326408"/>
+            <a:ext cx="1494797" cy="991056"/>
+          </a:xfrm>
+          <a:prstGeom prst="rect">
+            <a:avLst/>
+          </a:prstGeom>
+          <a:solidFill>
+            <a:schemeClr val="accent6"/>
+          </a:solidFill>
+        </p:spPr>
+        <p:style>
+          <a:lnRef idx="2">
+            <a:schemeClr val="accent1">
+              <a:shade val="50000"/>
+            </a:schemeClr>
+          </a:lnRef>
+          <a:fillRef idx="1">
+            <a:schemeClr val="accent1"/>
+          </a:fillRef>
+          <a:effectRef idx="0">
+            <a:schemeClr val="accent1"/>
+          </a:effectRef>
+          <a:fontRef idx="minor">
+            <a:schemeClr val="lt1"/>
+          </a:fontRef>
+        </p:style>
+        <p:txBody>
+          <a:bodyPr rtlCol="0" anchor="ctr"/>
+          <a:lstStyle/>
+          <a:p>
+            <a:pPr algn="ctr"/>
+            <a:r>
+              <a:rPr lang="en-US" sz="1000" dirty="0" err="1" smtClean="0"/>
+              <a:t>com.amt.dto</a:t>
+            </a:r>
+            <a:endParaRPr lang="en-US" sz="1000" dirty="0"/>
+          </a:p>
+          <a:p>
+            <a:pPr algn="ctr"/>
+            <a:r>
+              <a:rPr lang="en-US" sz="1200" dirty="0"/>
+              <a:t>Data Transfer Object</a:t>
+            </a:r>
+          </a:p>
+          <a:p>
+            <a:pPr algn="ctr"/>
+            <a:r>
+              <a:rPr lang="en-US" dirty="0"/>
+              <a:t>&lt;</a:t>
+            </a:r>
+            <a:r>
+              <a:rPr lang="en-US" dirty="0" err="1" smtClean="0"/>
+              <a:t>Tn</a:t>
+            </a:r>
+            <a:r>
+              <a:rPr lang="en-US" dirty="0" smtClean="0"/>
+              <a:t>&gt;</a:t>
+            </a:r>
+            <a:r>
+              <a:rPr lang="en-US" dirty="0" err="1" smtClean="0"/>
+              <a:t>AddDTO</a:t>
+            </a:r>
+            <a:endParaRPr lang="en-US" dirty="0"/>
+          </a:p>
+        </p:txBody>
+      </p:sp>
+      <p:sp>
+        <p:nvSpPr>
+          <p:cNvPr id="62" name="Rectangle 61">
+            <a:extLst>
+              <a:ext uri="{FF2B5EF4-FFF2-40B4-BE49-F238E27FC236}">
+                <a16:creationId xmlns="" xmlns:a16="http://schemas.microsoft.com/office/drawing/2014/main" id="{C3FE7107-D2B1-4448-B03A-F2CE9B45CFD6}"/>
+              </a:ext>
+            </a:extLst>
+          </p:cNvPr>
+          <p:cNvSpPr/>
+          <p:nvPr/>
+        </p:nvSpPr>
+        <p:spPr>
+          <a:xfrm>
+            <a:off x="4733154" y="2531096"/>
+            <a:ext cx="1589922" cy="991056"/>
+          </a:xfrm>
+          <a:prstGeom prst="rect">
+            <a:avLst/>
+          </a:prstGeom>
+          <a:solidFill>
+            <a:schemeClr val="accent6"/>
+          </a:solidFill>
+        </p:spPr>
+        <p:style>
+          <a:lnRef idx="2">
+            <a:schemeClr val="accent1">
+              <a:shade val="50000"/>
+            </a:schemeClr>
+          </a:lnRef>
+          <a:fillRef idx="1">
+            <a:schemeClr val="accent1"/>
+          </a:fillRef>
+          <a:effectRef idx="0">
+            <a:schemeClr val="accent1"/>
+          </a:effectRef>
+          <a:fontRef idx="minor">
+            <a:schemeClr val="lt1"/>
+          </a:fontRef>
+        </p:style>
+        <p:txBody>
+          <a:bodyPr rtlCol="0" anchor="ctr"/>
+          <a:lstStyle/>
+          <a:p>
+            <a:pPr algn="ctr"/>
+            <a:r>
+              <a:rPr lang="en-US" sz="1000" dirty="0" err="1" smtClean="0"/>
+              <a:t>com.amt.dao</a:t>
+            </a:r>
+            <a:endParaRPr lang="en-US" sz="1000" dirty="0"/>
+          </a:p>
+          <a:p>
+            <a:pPr algn="ctr"/>
+            <a:r>
+              <a:rPr lang="en-US" dirty="0"/>
+              <a:t>&lt;</a:t>
+            </a:r>
+            <a:r>
+              <a:rPr lang="en-US" dirty="0" err="1" smtClean="0"/>
+              <a:t>Tn</a:t>
+            </a:r>
+            <a:r>
+              <a:rPr lang="en-US" dirty="0" smtClean="0"/>
+              <a:t>&gt;DAO</a:t>
+            </a:r>
+            <a:endParaRPr lang="en-US" dirty="0"/>
+          </a:p>
+        </p:txBody>
+      </p:sp>
+      <p:sp>
+        <p:nvSpPr>
+          <p:cNvPr id="61" name="Rectangle 60">
+            <a:extLst>
+              <a:ext uri="{FF2B5EF4-FFF2-40B4-BE49-F238E27FC236}">
+                <a16:creationId xmlns="" xmlns:a16="http://schemas.microsoft.com/office/drawing/2014/main" id="{2F7B40FD-C5BA-431D-AE99-1CB70F1BAB88}"/>
+              </a:ext>
+            </a:extLst>
+          </p:cNvPr>
+          <p:cNvSpPr/>
+          <p:nvPr/>
+        </p:nvSpPr>
+        <p:spPr>
+          <a:xfrm>
+            <a:off x="8635143" y="972118"/>
+            <a:ext cx="1494797" cy="991056"/>
+          </a:xfrm>
+          <a:prstGeom prst="rect">
+            <a:avLst/>
+          </a:prstGeom>
+          <a:solidFill>
+            <a:schemeClr val="accent6"/>
+          </a:solidFill>
+        </p:spPr>
+        <p:style>
+          <a:lnRef idx="2">
+            <a:schemeClr val="accent1">
+              <a:shade val="50000"/>
+            </a:schemeClr>
+          </a:lnRef>
+          <a:fillRef idx="1">
+            <a:schemeClr val="accent1"/>
+          </a:fillRef>
+          <a:effectRef idx="0">
+            <a:schemeClr val="accent1"/>
+          </a:effectRef>
+          <a:fontRef idx="minor">
+            <a:schemeClr val="lt1"/>
+          </a:fontRef>
+        </p:style>
+        <p:txBody>
+          <a:bodyPr rtlCol="0" anchor="ctr"/>
+          <a:lstStyle/>
+          <a:p>
+            <a:pPr algn="ctr"/>
+            <a:r>
+              <a:rPr lang="en-US" sz="1000" dirty="0" err="1" smtClean="0"/>
+              <a:t>com.amt.model</a:t>
+            </a:r>
+            <a:endParaRPr lang="en-US" sz="1000" dirty="0"/>
+          </a:p>
+          <a:p>
+            <a:pPr algn="ctr"/>
+            <a:r>
+              <a:rPr lang="en-US" dirty="0"/>
+              <a:t>&lt;Tn&gt;Model</a:t>
+            </a:r>
+          </a:p>
+        </p:txBody>
+      </p:sp>
+      <p:sp>
+        <p:nvSpPr>
+          <p:cNvPr id="60" name="Rectangle 59">
+            <a:extLst>
+              <a:ext uri="{FF2B5EF4-FFF2-40B4-BE49-F238E27FC236}">
+                <a16:creationId xmlns="" xmlns:a16="http://schemas.microsoft.com/office/drawing/2014/main" id="{CF3E4DE9-C6F2-4C11-BE7F-2753CDEFE535}"/>
+              </a:ext>
+            </a:extLst>
+          </p:cNvPr>
+          <p:cNvSpPr/>
+          <p:nvPr/>
+        </p:nvSpPr>
+        <p:spPr>
+          <a:xfrm>
+            <a:off x="7508008" y="5195357"/>
+            <a:ext cx="1678916" cy="991056"/>
+          </a:xfrm>
+          <a:prstGeom prst="rect">
+            <a:avLst/>
+          </a:prstGeom>
+          <a:solidFill>
+            <a:schemeClr val="accent6"/>
+          </a:solidFill>
+        </p:spPr>
+        <p:style>
+          <a:lnRef idx="2">
+            <a:schemeClr val="accent1">
+              <a:shade val="50000"/>
+            </a:schemeClr>
+          </a:lnRef>
+          <a:fillRef idx="1">
+            <a:schemeClr val="accent1"/>
+          </a:fillRef>
+          <a:effectRef idx="0">
+            <a:schemeClr val="accent1"/>
+          </a:effectRef>
+          <a:fontRef idx="minor">
+            <a:schemeClr val="lt1"/>
+          </a:fontRef>
+        </p:style>
+        <p:txBody>
+          <a:bodyPr rtlCol="0" anchor="ctr"/>
+          <a:lstStyle/>
+          <a:p>
+            <a:pPr algn="ctr"/>
+            <a:r>
+              <a:rPr lang="en-US" sz="1000" dirty="0" err="1" smtClean="0"/>
+              <a:t>com.amt.controller</a:t>
+            </a:r>
+            <a:endParaRPr lang="en-US" sz="1000" dirty="0"/>
+          </a:p>
+          <a:p>
+            <a:pPr algn="ctr"/>
+            <a:r>
+              <a:rPr lang="en-US" dirty="0"/>
+              <a:t>&lt;Tn&gt;Controller</a:t>
+            </a:r>
+          </a:p>
+        </p:txBody>
+      </p:sp>
+      <p:sp>
+        <p:nvSpPr>
+          <p:cNvPr id="36" name="Rectangle 35"/>
+          <p:cNvSpPr/>
+          <p:nvPr/>
+        </p:nvSpPr>
+        <p:spPr>
+          <a:xfrm>
+            <a:off x="4779362" y="4590037"/>
+            <a:ext cx="1519176" cy="991056"/>
+          </a:xfrm>
+          <a:prstGeom prst="rect">
+            <a:avLst/>
+          </a:prstGeom>
+          <a:solidFill>
+            <a:schemeClr val="accent6"/>
+          </a:solidFill>
+        </p:spPr>
+        <p:style>
+          <a:lnRef idx="2">
+            <a:schemeClr val="accent1">
+              <a:shade val="50000"/>
+            </a:schemeClr>
+          </a:lnRef>
+          <a:fillRef idx="1">
+            <a:schemeClr val="accent1"/>
+          </a:fillRef>
+          <a:effectRef idx="0">
+            <a:schemeClr val="accent1"/>
+          </a:effectRef>
+          <a:fontRef idx="minor">
+            <a:schemeClr val="lt1"/>
+          </a:fontRef>
+        </p:style>
+        <p:txBody>
+          <a:bodyPr rtlCol="0" anchor="ctr"/>
+          <a:lstStyle/>
+          <a:p>
+            <a:pPr algn="ctr"/>
+            <a:r>
+              <a:rPr lang="en-US" sz="1000" dirty="0" err="1" smtClean="0"/>
+              <a:t>com.amt.service</a:t>
+            </a:r>
+            <a:endParaRPr lang="en-US" sz="1000" dirty="0"/>
+          </a:p>
+          <a:p>
+            <a:pPr algn="ctr"/>
+            <a:r>
+              <a:rPr lang="en-US" sz="1600" dirty="0"/>
+              <a:t>&lt;Tn&gt;Service</a:t>
+            </a:r>
+          </a:p>
+        </p:txBody>
+      </p:sp>
+      <p:sp>
+        <p:nvSpPr>
+          <p:cNvPr id="5" name="Rectangle 4"/>
+          <p:cNvSpPr/>
+          <p:nvPr/>
+        </p:nvSpPr>
+        <p:spPr>
+          <a:xfrm>
+            <a:off x="8499897" y="417543"/>
+            <a:ext cx="1494797" cy="991056"/>
+          </a:xfrm>
+          <a:prstGeom prst="rect">
+            <a:avLst/>
+          </a:prstGeom>
+          <a:solidFill>
+            <a:schemeClr val="accent6"/>
+          </a:solidFill>
+        </p:spPr>
+        <p:style>
+          <a:lnRef idx="2">
+            <a:schemeClr val="accent1">
+              <a:shade val="50000"/>
+            </a:schemeClr>
+          </a:lnRef>
+          <a:fillRef idx="1">
+            <a:schemeClr val="accent1"/>
+          </a:fillRef>
+          <a:effectRef idx="0">
+            <a:schemeClr val="accent1"/>
+          </a:effectRef>
+          <a:fontRef idx="minor">
+            <a:schemeClr val="lt1"/>
+          </a:fontRef>
+        </p:style>
+        <p:txBody>
+          <a:bodyPr rtlCol="0" anchor="ctr"/>
+          <a:lstStyle/>
+          <a:p>
+            <a:pPr algn="ctr"/>
+            <a:r>
+              <a:rPr lang="en-US" sz="1000" dirty="0" err="1" smtClean="0"/>
+              <a:t>com.amt.model</a:t>
+            </a:r>
+            <a:endParaRPr lang="en-US" sz="1000" dirty="0"/>
+          </a:p>
+          <a:p>
+            <a:pPr algn="ctr"/>
+            <a:r>
+              <a:rPr lang="en-US" dirty="0"/>
+              <a:t>&lt;T&gt;Model</a:t>
+            </a:r>
+          </a:p>
+        </p:txBody>
+      </p:sp>
+      <p:cxnSp>
+        <p:nvCxnSpPr>
+          <p:cNvPr id="9" name="Straight Arrow Connector 8"/>
+          <p:cNvCxnSpPr>
+            <a:cxnSpLocks/>
+            <a:stCxn id="20" idx="3"/>
+            <a:endCxn id="5" idx="1"/>
+          </p:cNvCxnSpPr>
+          <p:nvPr/>
+        </p:nvCxnSpPr>
+        <p:spPr>
+          <a:xfrm flipV="1">
+            <a:off x="6258426" y="913071"/>
+            <a:ext cx="2241471" cy="1554816"/>
+          </a:xfrm>
+          <a:prstGeom prst="straightConnector1">
+            <a:avLst/>
+          </a:prstGeom>
+          <a:ln>
+            <a:tailEnd type="triangle"/>
+          </a:ln>
+        </p:spPr>
+        <p:style>
+          <a:lnRef idx="1">
+            <a:schemeClr val="accent1"/>
+          </a:lnRef>
+          <a:fillRef idx="0">
+            <a:schemeClr val="accent1"/>
+          </a:fillRef>
+          <a:effectRef idx="0">
+            <a:schemeClr val="accent1"/>
+          </a:effectRef>
+          <a:fontRef idx="minor">
+            <a:schemeClr val="tx1"/>
+          </a:fontRef>
+        </p:style>
+      </p:cxnSp>
+      <p:sp>
+        <p:nvSpPr>
+          <p:cNvPr id="15" name="Rectangle 14"/>
+          <p:cNvSpPr/>
+          <p:nvPr/>
+        </p:nvSpPr>
+        <p:spPr>
+          <a:xfrm>
+            <a:off x="7433863" y="2809248"/>
+            <a:ext cx="1494797" cy="991056"/>
+          </a:xfrm>
+          <a:prstGeom prst="rect">
+            <a:avLst/>
+          </a:prstGeom>
+          <a:solidFill>
+            <a:schemeClr val="accent6"/>
+          </a:solidFill>
+        </p:spPr>
+        <p:style>
+          <a:lnRef idx="2">
+            <a:schemeClr val="accent1">
+              <a:shade val="50000"/>
+            </a:schemeClr>
+          </a:lnRef>
+          <a:fillRef idx="1">
+            <a:schemeClr val="accent1"/>
+          </a:fillRef>
+          <a:effectRef idx="0">
+            <a:schemeClr val="accent1"/>
+          </a:effectRef>
+          <a:fontRef idx="minor">
+            <a:schemeClr val="lt1"/>
+          </a:fontRef>
+        </p:style>
+        <p:txBody>
+          <a:bodyPr rtlCol="0" anchor="ctr"/>
+          <a:lstStyle/>
+          <a:p>
+            <a:pPr algn="ctr"/>
+            <a:r>
+              <a:rPr lang="en-US" sz="1000" dirty="0" err="1" smtClean="0"/>
+              <a:t>com.amt.dto</a:t>
+            </a:r>
+            <a:endParaRPr lang="en-US" sz="1000" dirty="0"/>
+          </a:p>
+          <a:p>
+            <a:pPr algn="ctr"/>
+            <a:r>
+              <a:rPr lang="en-US" sz="1200" dirty="0"/>
+              <a:t>Data Transfer Object</a:t>
+            </a:r>
+          </a:p>
+          <a:p>
+            <a:pPr algn="ctr"/>
+            <a:r>
+              <a:rPr lang="en-US" dirty="0"/>
+              <a:t>&lt;</a:t>
+            </a:r>
+            <a:r>
+              <a:rPr lang="en-US" dirty="0" smtClean="0"/>
+              <a:t>T&gt;</a:t>
+            </a:r>
+            <a:r>
+              <a:rPr lang="en-US" dirty="0" err="1" smtClean="0"/>
+              <a:t>AddDTO</a:t>
+            </a:r>
+            <a:endParaRPr lang="en-US" dirty="0"/>
+          </a:p>
+        </p:txBody>
+      </p:sp>
+      <p:sp>
+        <p:nvSpPr>
+          <p:cNvPr id="19" name="TextBox 18">
+            <a:extLst>
+              <a:ext uri="{FF2B5EF4-FFF2-40B4-BE49-F238E27FC236}">
+                <a16:creationId xmlns="" xmlns:a16="http://schemas.microsoft.com/office/drawing/2014/main" id="{E0BBD6C8-C8F2-40C5-AA64-85961A11ADC2}"/>
+              </a:ext>
+            </a:extLst>
+          </p:cNvPr>
+          <p:cNvSpPr txBox="1"/>
+          <p:nvPr/>
+        </p:nvSpPr>
+        <p:spPr>
+          <a:xfrm>
+            <a:off x="7207461" y="2088153"/>
+            <a:ext cx="728932" cy="276999"/>
+          </a:xfrm>
+          <a:prstGeom prst="rect">
+            <a:avLst/>
+          </a:prstGeom>
+          <a:noFill/>
+        </p:spPr>
+        <p:txBody>
+          <a:bodyPr wrap="square" rtlCol="0">
+            <a:spAutoFit/>
           </a:bodyPr>
           <a:lstStyle/>
           <a:p>
-            <a:pPr algn="l"/>
-            <a:r>
-              <a:rPr lang="en-US" sz="2800" dirty="0"/>
-              <a:t>Aromatic Mountain Technologies (AMT) Basic Requirements</a:t>
-            </a:r>
-          </a:p>
-        </p:txBody>
-      </p:sp>
-      <p:sp>
-        <p:nvSpPr>
-          <p:cNvPr id="3" name="Subtitle 2"/>
-          <p:cNvSpPr>
-            <a:spLocks noGrp="1"/>
-          </p:cNvSpPr>
-          <p:nvPr>
-            <p:ph type="subTitle" idx="1"/>
-          </p:nvPr>
+            <a:r>
+              <a:rPr lang="en-US" sz="1200" dirty="0"/>
+              <a:t>uses</a:t>
+            </a:r>
+          </a:p>
+        </p:txBody>
+      </p:sp>
+      <p:sp>
+        <p:nvSpPr>
+          <p:cNvPr id="20" name="Rectangle 19"/>
+          <p:cNvSpPr/>
+          <p:nvPr/>
         </p:nvSpPr>
         <p:spPr>
           <a:xfrm>
-            <a:off x="569447" y="819149"/>
-            <a:ext cx="9423247" cy="5953982"/>
-          </a:xfrm>
-        </p:spPr>
-        <p:txBody>
-          <a:bodyPr>
-            <a:normAutofit fontScale="70000" lnSpcReduction="20000"/>
+            <a:off x="4668504" y="1972359"/>
+            <a:ext cx="1589922" cy="991056"/>
+          </a:xfrm>
+          <a:prstGeom prst="rect">
+            <a:avLst/>
+          </a:prstGeom>
+          <a:solidFill>
+            <a:schemeClr val="accent6"/>
+          </a:solidFill>
+        </p:spPr>
+        <p:style>
+          <a:lnRef idx="2">
+            <a:schemeClr val="accent1">
+              <a:shade val="50000"/>
+            </a:schemeClr>
+          </a:lnRef>
+          <a:fillRef idx="1">
+            <a:schemeClr val="accent1"/>
+          </a:fillRef>
+          <a:effectRef idx="0">
+            <a:schemeClr val="accent1"/>
+          </a:effectRef>
+          <a:fontRef idx="minor">
+            <a:schemeClr val="lt1"/>
+          </a:fontRef>
+        </p:style>
+        <p:txBody>
+          <a:bodyPr rtlCol="0" anchor="ctr"/>
+          <a:lstStyle/>
+          <a:p>
+            <a:pPr algn="ctr"/>
+            <a:r>
+              <a:rPr lang="en-US" sz="1000" dirty="0" err="1" smtClean="0"/>
+              <a:t>com.amt.dao</a:t>
+            </a:r>
+            <a:endParaRPr lang="en-US" sz="1000" dirty="0"/>
+          </a:p>
+          <a:p>
+            <a:pPr algn="ctr"/>
+            <a:r>
+              <a:rPr lang="en-US" dirty="0"/>
+              <a:t>&lt;</a:t>
+            </a:r>
+            <a:r>
+              <a:rPr lang="en-US" dirty="0" smtClean="0"/>
+              <a:t>T&gt;DAO</a:t>
+            </a:r>
+            <a:endParaRPr lang="en-US" dirty="0"/>
+          </a:p>
+        </p:txBody>
+      </p:sp>
+      <p:sp>
+        <p:nvSpPr>
+          <p:cNvPr id="25" name="Flowchart: Magnetic Disk 24"/>
+          <p:cNvSpPr/>
+          <p:nvPr/>
+        </p:nvSpPr>
+        <p:spPr>
+          <a:xfrm>
+            <a:off x="7400487" y="158383"/>
+            <a:ext cx="653404" cy="1018434"/>
+          </a:xfrm>
+          <a:prstGeom prst="flowChartMagneticDisk">
+            <a:avLst/>
+          </a:prstGeom>
+          <a:solidFill>
+            <a:schemeClr val="accent3"/>
+          </a:solidFill>
+        </p:spPr>
+        <p:style>
+          <a:lnRef idx="2">
+            <a:schemeClr val="accent1">
+              <a:shade val="50000"/>
+            </a:schemeClr>
+          </a:lnRef>
+          <a:fillRef idx="1">
+            <a:schemeClr val="accent1"/>
+          </a:fillRef>
+          <a:effectRef idx="0">
+            <a:schemeClr val="accent1"/>
+          </a:effectRef>
+          <a:fontRef idx="minor">
+            <a:schemeClr val="lt1"/>
+          </a:fontRef>
+        </p:style>
+        <p:txBody>
+          <a:bodyPr rtlCol="0" anchor="ctr"/>
+          <a:lstStyle/>
+          <a:p>
+            <a:pPr algn="ctr"/>
+            <a:r>
+              <a:rPr lang="en-US" dirty="0" smtClean="0"/>
+              <a:t>AWS</a:t>
+            </a:r>
+          </a:p>
+          <a:p>
+            <a:pPr algn="ctr"/>
+            <a:r>
+              <a:rPr lang="en-US" dirty="0" smtClean="0"/>
+              <a:t>DB</a:t>
+            </a:r>
+            <a:endParaRPr lang="en-US" dirty="0"/>
+          </a:p>
+        </p:txBody>
+      </p:sp>
+      <p:cxnSp>
+        <p:nvCxnSpPr>
+          <p:cNvPr id="27" name="Straight Arrow Connector 26"/>
+          <p:cNvCxnSpPr>
+            <a:stCxn id="20" idx="3"/>
+            <a:endCxn id="25" idx="2"/>
+          </p:cNvCxnSpPr>
+          <p:nvPr/>
+        </p:nvCxnSpPr>
+        <p:spPr>
+          <a:xfrm flipV="1">
+            <a:off x="6258426" y="667600"/>
+            <a:ext cx="1142061" cy="1800287"/>
+          </a:xfrm>
+          <a:prstGeom prst="straightConnector1">
+            <a:avLst/>
+          </a:prstGeom>
+          <a:ln>
+            <a:tailEnd type="triangle"/>
+          </a:ln>
+        </p:spPr>
+        <p:style>
+          <a:lnRef idx="1">
+            <a:schemeClr val="accent1"/>
+          </a:lnRef>
+          <a:fillRef idx="0">
+            <a:schemeClr val="accent1"/>
+          </a:fillRef>
+          <a:effectRef idx="0">
+            <a:schemeClr val="accent1"/>
+          </a:effectRef>
+          <a:fontRef idx="minor">
+            <a:schemeClr val="tx1"/>
+          </a:fontRef>
+        </p:style>
+      </p:cxnSp>
+      <p:sp>
+        <p:nvSpPr>
+          <p:cNvPr id="28" name="TextBox 27">
+            <a:extLst>
+              <a:ext uri="{FF2B5EF4-FFF2-40B4-BE49-F238E27FC236}">
+                <a16:creationId xmlns="" xmlns:a16="http://schemas.microsoft.com/office/drawing/2014/main" id="{E0BBD6C8-C8F2-40C5-AA64-85961A11ADC2}"/>
+              </a:ext>
+            </a:extLst>
+          </p:cNvPr>
+          <p:cNvSpPr txBox="1"/>
+          <p:nvPr/>
+        </p:nvSpPr>
+        <p:spPr>
+          <a:xfrm>
+            <a:off x="6889602" y="1360525"/>
+            <a:ext cx="728932" cy="276999"/>
+          </a:xfrm>
+          <a:prstGeom prst="rect">
+            <a:avLst/>
+          </a:prstGeom>
+          <a:noFill/>
+        </p:spPr>
+        <p:txBody>
+          <a:bodyPr wrap="square" rtlCol="0">
+            <a:spAutoFit/>
           </a:bodyPr>
           <a:lstStyle/>
           <a:p>
-            <a:pPr marL="342900" indent="-342900" algn="l">
-              <a:buFont typeface="Arial" panose="020B0604020202020204" pitchFamily="34" charset="0"/>
-              <a:buChar char="•"/>
-            </a:pPr>
+            <a:r>
+              <a:rPr lang="en-US" sz="1200" dirty="0"/>
+              <a:t>access</a:t>
+            </a:r>
+          </a:p>
+        </p:txBody>
+      </p:sp>
+      <p:sp>
+        <p:nvSpPr>
+          <p:cNvPr id="29" name="Rectangle 28"/>
+          <p:cNvSpPr/>
+          <p:nvPr/>
+        </p:nvSpPr>
+        <p:spPr>
+          <a:xfrm>
+            <a:off x="4717928" y="4051852"/>
+            <a:ext cx="1494797" cy="991056"/>
+          </a:xfrm>
+          <a:prstGeom prst="rect">
+            <a:avLst/>
+          </a:prstGeom>
+          <a:solidFill>
+            <a:schemeClr val="accent6"/>
+          </a:solidFill>
+        </p:spPr>
+        <p:style>
+          <a:lnRef idx="2">
+            <a:schemeClr val="accent1">
+              <a:shade val="50000"/>
+            </a:schemeClr>
+          </a:lnRef>
+          <a:fillRef idx="1">
+            <a:schemeClr val="accent1"/>
+          </a:fillRef>
+          <a:effectRef idx="0">
+            <a:schemeClr val="accent1"/>
+          </a:effectRef>
+          <a:fontRef idx="minor">
+            <a:schemeClr val="lt1"/>
+          </a:fontRef>
+        </p:style>
+        <p:txBody>
+          <a:bodyPr rtlCol="0" anchor="ctr"/>
+          <a:lstStyle/>
+          <a:p>
+            <a:pPr algn="ctr"/>
+            <a:r>
+              <a:rPr lang="en-US" sz="1000" dirty="0" err="1" smtClean="0"/>
+              <a:t>com.amt.service</a:t>
+            </a:r>
+            <a:endParaRPr lang="en-US" sz="1000" dirty="0"/>
+          </a:p>
+          <a:p>
+            <a:pPr algn="ctr"/>
             <a:r>
               <a:rPr lang="en-US" dirty="0"/>
-              <a:t>Project 2 will be a group-based, full-stack application that you will be designing and implementing based on user stories of your own choosing.</a:t>
-            </a:r>
-          </a:p>
-          <a:p>
-            <a:pPr marL="342900" indent="-342900" algn="l">
-              <a:buFont typeface="Arial" panose="020B0604020202020204" pitchFamily="34" charset="0"/>
-              <a:buChar char="•"/>
-            </a:pPr>
-            <a:r>
-              <a:rPr lang="en-US" dirty="0"/>
-              <a:t>Backend</a:t>
-            </a:r>
-          </a:p>
-          <a:p>
-            <a:pPr marL="800100" lvl="1" indent="-342900" algn="l">
-              <a:buFont typeface="Arial" panose="020B0604020202020204" pitchFamily="34" charset="0"/>
-              <a:buChar char="•"/>
-            </a:pPr>
-            <a:r>
-              <a:rPr lang="en-US" dirty="0"/>
-              <a:t>The backend should be a RESTful API. However you can use </a:t>
-            </a:r>
-            <a:r>
-              <a:rPr lang="en-US" dirty="0" err="1"/>
-              <a:t>stateful</a:t>
-            </a:r>
-            <a:r>
-              <a:rPr lang="en-US" dirty="0"/>
-              <a:t> authentication through </a:t>
-            </a:r>
-            <a:r>
-              <a:rPr lang="en-US" dirty="0" err="1"/>
-              <a:t>HttpSessions</a:t>
-            </a:r>
-            <a:r>
-              <a:rPr lang="en-US" dirty="0"/>
-              <a:t> and not be totally stateless</a:t>
-            </a:r>
-          </a:p>
-          <a:p>
-            <a:pPr marL="1200150" lvl="2" indent="-285750" algn="l">
-              <a:buFont typeface="Arial" panose="020B0604020202020204" pitchFamily="34" charset="0"/>
-              <a:buChar char="•"/>
-            </a:pPr>
-            <a:r>
-              <a:rPr lang="en-US" dirty="0"/>
-              <a:t>Look into </a:t>
-            </a:r>
-            <a:r>
-              <a:rPr lang="en-US" dirty="0" err="1"/>
-              <a:t>Json</a:t>
-            </a:r>
-            <a:r>
-              <a:rPr lang="en-US" dirty="0"/>
-              <a:t> Web Tokens if you really want to achieve stateless authentication</a:t>
-            </a:r>
-          </a:p>
-          <a:p>
-            <a:pPr marL="800100" lvl="1" indent="-342900" algn="l">
-              <a:buFont typeface="Arial" panose="020B0604020202020204" pitchFamily="34" charset="0"/>
-              <a:buChar char="•"/>
-            </a:pPr>
-            <a:r>
-              <a:rPr lang="en-US" b="1" dirty="0"/>
-              <a:t>Spring Framework</a:t>
-            </a:r>
-          </a:p>
-          <a:p>
-            <a:pPr marL="1200150" lvl="2" indent="-285750" algn="l">
-              <a:buFont typeface="Arial" panose="020B0604020202020204" pitchFamily="34" charset="0"/>
-              <a:buChar char="•"/>
-            </a:pPr>
-            <a:r>
-              <a:rPr lang="en-US" dirty="0"/>
-              <a:t>Instead of utilizing </a:t>
-            </a:r>
-            <a:r>
-              <a:rPr lang="en-US" dirty="0" err="1"/>
-              <a:t>Javalin</a:t>
-            </a:r>
-            <a:r>
-              <a:rPr lang="en-US" dirty="0"/>
-              <a:t> for the backend, you will be using Spring Framework, which has a web module that allows for controllers to be built and mapped</a:t>
-            </a:r>
-          </a:p>
-          <a:p>
-            <a:pPr marL="1200150" lvl="2" indent="-285750" algn="l">
-              <a:buFont typeface="Arial" panose="020B0604020202020204" pitchFamily="34" charset="0"/>
-              <a:buChar char="•"/>
-            </a:pPr>
-            <a:r>
-              <a:rPr lang="en-US" dirty="0"/>
-              <a:t>Use Spring Web MVC to process HTTP Requests/Responses</a:t>
-            </a:r>
-          </a:p>
-          <a:p>
-            <a:pPr marL="800100" lvl="1" indent="-342900" algn="l">
-              <a:buFont typeface="Arial" panose="020B0604020202020204" pitchFamily="34" charset="0"/>
-              <a:buChar char="•"/>
-            </a:pPr>
+              <a:t>&lt;T&gt;Service</a:t>
+            </a:r>
+          </a:p>
+        </p:txBody>
+      </p:sp>
+      <p:cxnSp>
+        <p:nvCxnSpPr>
+          <p:cNvPr id="33" name="Straight Arrow Connector 32"/>
+          <p:cNvCxnSpPr>
+            <a:stCxn id="29" idx="0"/>
+            <a:endCxn id="20" idx="2"/>
+          </p:cNvCxnSpPr>
+          <p:nvPr/>
+        </p:nvCxnSpPr>
+        <p:spPr>
+          <a:xfrm flipH="1" flipV="1">
+            <a:off x="5463465" y="2963415"/>
+            <a:ext cx="1862" cy="1088437"/>
+          </a:xfrm>
+          <a:prstGeom prst="straightConnector1">
+            <a:avLst/>
+          </a:prstGeom>
+          <a:ln>
+            <a:tailEnd type="triangle"/>
+          </a:ln>
+        </p:spPr>
+        <p:style>
+          <a:lnRef idx="1">
+            <a:schemeClr val="accent1"/>
+          </a:lnRef>
+          <a:fillRef idx="0">
+            <a:schemeClr val="accent1"/>
+          </a:fillRef>
+          <a:effectRef idx="0">
+            <a:schemeClr val="accent1"/>
+          </a:effectRef>
+          <a:fontRef idx="minor">
+            <a:schemeClr val="tx1"/>
+          </a:fontRef>
+        </p:style>
+      </p:cxnSp>
+      <p:sp>
+        <p:nvSpPr>
+          <p:cNvPr id="34" name="TextBox 33">
+            <a:extLst>
+              <a:ext uri="{FF2B5EF4-FFF2-40B4-BE49-F238E27FC236}">
+                <a16:creationId xmlns="" xmlns:a16="http://schemas.microsoft.com/office/drawing/2014/main" id="{E0BBD6C8-C8F2-40C5-AA64-85961A11ADC2}"/>
+              </a:ext>
+            </a:extLst>
+          </p:cNvPr>
+          <p:cNvSpPr txBox="1"/>
+          <p:nvPr/>
+        </p:nvSpPr>
+        <p:spPr>
+          <a:xfrm>
+            <a:off x="5001782" y="3652968"/>
+            <a:ext cx="538098" cy="276999"/>
+          </a:xfrm>
+          <a:prstGeom prst="rect">
+            <a:avLst/>
+          </a:prstGeom>
+          <a:noFill/>
+        </p:spPr>
+        <p:txBody>
+          <a:bodyPr wrap="square" rtlCol="0">
+            <a:spAutoFit/>
+          </a:bodyPr>
+          <a:lstStyle/>
+          <a:p>
+            <a:r>
+              <a:rPr lang="en-US" sz="1200" dirty="0"/>
+              <a:t>uses</a:t>
+            </a:r>
+          </a:p>
+        </p:txBody>
+      </p:sp>
+      <p:sp>
+        <p:nvSpPr>
+          <p:cNvPr id="35" name="Rectangle 34"/>
+          <p:cNvSpPr/>
+          <p:nvPr/>
+        </p:nvSpPr>
+        <p:spPr>
+          <a:xfrm>
+            <a:off x="949569" y="2293030"/>
+            <a:ext cx="1998489" cy="657053"/>
+          </a:xfrm>
+          <a:prstGeom prst="rect">
+            <a:avLst/>
+          </a:prstGeom>
+          <a:solidFill>
+            <a:schemeClr val="accent6"/>
+          </a:solidFill>
+        </p:spPr>
+        <p:style>
+          <a:lnRef idx="2">
+            <a:schemeClr val="accent1">
+              <a:shade val="50000"/>
+            </a:schemeClr>
+          </a:lnRef>
+          <a:fillRef idx="1">
+            <a:schemeClr val="accent1"/>
+          </a:fillRef>
+          <a:effectRef idx="0">
+            <a:schemeClr val="accent1"/>
+          </a:effectRef>
+          <a:fontRef idx="minor">
+            <a:schemeClr val="lt1"/>
+          </a:fontRef>
+        </p:style>
+        <p:txBody>
+          <a:bodyPr rtlCol="0" anchor="ctr"/>
+          <a:lstStyle/>
+          <a:p>
+            <a:pPr algn="ctr"/>
+            <a:r>
+              <a:rPr lang="en-US" sz="1000" dirty="0" err="1" smtClean="0"/>
+              <a:t>com.amt.exception</a:t>
+            </a:r>
+            <a:endParaRPr lang="en-US" sz="1000" dirty="0"/>
+          </a:p>
+          <a:p>
+            <a:pPr algn="ctr"/>
+            <a:r>
+              <a:rPr lang="en-US" sz="1400" dirty="0" err="1"/>
+              <a:t>BadParameterException</a:t>
+            </a:r>
+            <a:endParaRPr lang="en-US" sz="1400" dirty="0"/>
+          </a:p>
+        </p:txBody>
+      </p:sp>
+      <p:cxnSp>
+        <p:nvCxnSpPr>
+          <p:cNvPr id="37" name="Straight Arrow Connector 36"/>
+          <p:cNvCxnSpPr>
+            <a:cxnSpLocks/>
+            <a:stCxn id="29" idx="1"/>
+            <a:endCxn id="35" idx="3"/>
+          </p:cNvCxnSpPr>
+          <p:nvPr/>
+        </p:nvCxnSpPr>
+        <p:spPr>
+          <a:xfrm flipH="1" flipV="1">
+            <a:off x="2948058" y="2621557"/>
+            <a:ext cx="1769870" cy="1925823"/>
+          </a:xfrm>
+          <a:prstGeom prst="straightConnector1">
+            <a:avLst/>
+          </a:prstGeom>
+          <a:ln>
+            <a:tailEnd type="triangle"/>
+          </a:ln>
+        </p:spPr>
+        <p:style>
+          <a:lnRef idx="1">
+            <a:schemeClr val="accent1"/>
+          </a:lnRef>
+          <a:fillRef idx="0">
+            <a:schemeClr val="accent1"/>
+          </a:fillRef>
+          <a:effectRef idx="0">
+            <a:schemeClr val="accent1"/>
+          </a:effectRef>
+          <a:fontRef idx="minor">
+            <a:schemeClr val="tx1"/>
+          </a:fontRef>
+        </p:style>
+      </p:cxnSp>
+      <p:sp>
+        <p:nvSpPr>
+          <p:cNvPr id="38" name="TextBox 37">
+            <a:extLst>
+              <a:ext uri="{FF2B5EF4-FFF2-40B4-BE49-F238E27FC236}">
+                <a16:creationId xmlns="" xmlns:a16="http://schemas.microsoft.com/office/drawing/2014/main" id="{E0BBD6C8-C8F2-40C5-AA64-85961A11ADC2}"/>
+              </a:ext>
+            </a:extLst>
+          </p:cNvPr>
+          <p:cNvSpPr txBox="1"/>
+          <p:nvPr/>
+        </p:nvSpPr>
+        <p:spPr>
+          <a:xfrm>
+            <a:off x="3673623" y="3721656"/>
+            <a:ext cx="728932" cy="276999"/>
+          </a:xfrm>
+          <a:prstGeom prst="rect">
+            <a:avLst/>
+          </a:prstGeom>
+          <a:noFill/>
+        </p:spPr>
+        <p:txBody>
+          <a:bodyPr wrap="square" rtlCol="0">
+            <a:spAutoFit/>
+          </a:bodyPr>
+          <a:lstStyle/>
+          <a:p>
+            <a:r>
+              <a:rPr lang="en-US" sz="1200" dirty="0"/>
+              <a:t>throws</a:t>
+            </a:r>
+          </a:p>
+        </p:txBody>
+      </p:sp>
+      <p:sp>
+        <p:nvSpPr>
+          <p:cNvPr id="39" name="Rectangle 38"/>
+          <p:cNvSpPr/>
+          <p:nvPr/>
+        </p:nvSpPr>
+        <p:spPr>
+          <a:xfrm>
+            <a:off x="4550736" y="360554"/>
+            <a:ext cx="1822194" cy="991056"/>
+          </a:xfrm>
+          <a:prstGeom prst="rect">
+            <a:avLst/>
+          </a:prstGeom>
+          <a:solidFill>
+            <a:schemeClr val="accent6"/>
+          </a:solidFill>
+        </p:spPr>
+        <p:style>
+          <a:lnRef idx="2">
+            <a:schemeClr val="accent1">
+              <a:shade val="50000"/>
+            </a:schemeClr>
+          </a:lnRef>
+          <a:fillRef idx="1">
+            <a:schemeClr val="accent1"/>
+          </a:fillRef>
+          <a:effectRef idx="0">
+            <a:schemeClr val="accent1"/>
+          </a:effectRef>
+          <a:fontRef idx="minor">
+            <a:schemeClr val="lt1"/>
+          </a:fontRef>
+        </p:style>
+        <p:txBody>
+          <a:bodyPr rtlCol="0" anchor="ctr"/>
+          <a:lstStyle/>
+          <a:p>
+            <a:pPr algn="ctr"/>
+            <a:r>
+              <a:rPr lang="en-US" sz="1000" dirty="0" err="1" smtClean="0"/>
+              <a:t>com.amt.utility</a:t>
+            </a:r>
+            <a:endParaRPr lang="en-US" sz="1000" dirty="0"/>
+          </a:p>
+          <a:p>
+            <a:pPr algn="ctr"/>
             <a:r>
               <a:rPr lang="en-US" dirty="0"/>
               <a:t>Hibernate</a:t>
             </a:r>
           </a:p>
           <a:p>
-            <a:pPr marL="800100" lvl="1" indent="-342900" algn="l">
-              <a:buFont typeface="Arial" panose="020B0604020202020204" pitchFamily="34" charset="0"/>
-              <a:buChar char="•"/>
-            </a:pPr>
-            <a:r>
-              <a:rPr lang="en-US" dirty="0" err="1"/>
-              <a:t>Logback</a:t>
+            <a:pPr algn="ctr"/>
+            <a:r>
+              <a:rPr lang="en-US" sz="1200" dirty="0" err="1"/>
+              <a:t>SessionFactorySingleton</a:t>
+            </a:r>
+            <a:endParaRPr lang="en-US" sz="1200" dirty="0"/>
+          </a:p>
+        </p:txBody>
+      </p:sp>
+      <p:cxnSp>
+        <p:nvCxnSpPr>
+          <p:cNvPr id="41" name="Straight Arrow Connector 40"/>
+          <p:cNvCxnSpPr>
+            <a:cxnSpLocks/>
+            <a:stCxn id="20" idx="0"/>
+            <a:endCxn id="39" idx="2"/>
+          </p:cNvCxnSpPr>
+          <p:nvPr/>
+        </p:nvCxnSpPr>
+        <p:spPr>
+          <a:xfrm flipH="1" flipV="1">
+            <a:off x="5461833" y="1351610"/>
+            <a:ext cx="1632" cy="620749"/>
+          </a:xfrm>
+          <a:prstGeom prst="straightConnector1">
+            <a:avLst/>
+          </a:prstGeom>
+          <a:ln>
+            <a:tailEnd type="triangle"/>
+          </a:ln>
+        </p:spPr>
+        <p:style>
+          <a:lnRef idx="1">
+            <a:schemeClr val="accent1"/>
+          </a:lnRef>
+          <a:fillRef idx="0">
+            <a:schemeClr val="accent1"/>
+          </a:fillRef>
+          <a:effectRef idx="0">
+            <a:schemeClr val="accent1"/>
+          </a:effectRef>
+          <a:fontRef idx="minor">
+            <a:schemeClr val="tx1"/>
+          </a:fontRef>
+        </p:style>
+      </p:cxnSp>
+      <p:cxnSp>
+        <p:nvCxnSpPr>
+          <p:cNvPr id="43" name="Straight Arrow Connector 42"/>
+          <p:cNvCxnSpPr>
+            <a:cxnSpLocks/>
+            <a:stCxn id="39" idx="3"/>
+            <a:endCxn id="25" idx="2"/>
+          </p:cNvCxnSpPr>
+          <p:nvPr/>
+        </p:nvCxnSpPr>
+        <p:spPr>
+          <a:xfrm flipV="1">
+            <a:off x="6372930" y="667600"/>
+            <a:ext cx="1027557" cy="188482"/>
+          </a:xfrm>
+          <a:prstGeom prst="straightConnector1">
+            <a:avLst/>
+          </a:prstGeom>
+          <a:ln>
+            <a:tailEnd type="triangle"/>
+          </a:ln>
+        </p:spPr>
+        <p:style>
+          <a:lnRef idx="1">
+            <a:schemeClr val="accent1"/>
+          </a:lnRef>
+          <a:fillRef idx="0">
+            <a:schemeClr val="accent1"/>
+          </a:fillRef>
+          <a:effectRef idx="0">
+            <a:schemeClr val="accent1"/>
+          </a:effectRef>
+          <a:fontRef idx="minor">
+            <a:schemeClr val="tx1"/>
+          </a:fontRef>
+        </p:style>
+      </p:cxnSp>
+      <p:sp>
+        <p:nvSpPr>
+          <p:cNvPr id="44" name="TextBox 43">
+            <a:extLst>
+              <a:ext uri="{FF2B5EF4-FFF2-40B4-BE49-F238E27FC236}">
+                <a16:creationId xmlns="" xmlns:a16="http://schemas.microsoft.com/office/drawing/2014/main" id="{E0BBD6C8-C8F2-40C5-AA64-85961A11ADC2}"/>
+              </a:ext>
+            </a:extLst>
+          </p:cNvPr>
+          <p:cNvSpPr txBox="1"/>
+          <p:nvPr/>
+        </p:nvSpPr>
+        <p:spPr>
+          <a:xfrm>
+            <a:off x="5450658" y="1491310"/>
+            <a:ext cx="728932" cy="276999"/>
+          </a:xfrm>
+          <a:prstGeom prst="rect">
+            <a:avLst/>
+          </a:prstGeom>
+          <a:noFill/>
+        </p:spPr>
+        <p:txBody>
+          <a:bodyPr wrap="square" rtlCol="0">
+            <a:spAutoFit/>
+          </a:bodyPr>
+          <a:lstStyle/>
+          <a:p>
+            <a:r>
+              <a:rPr lang="en-US" sz="1200" dirty="0"/>
+              <a:t>uses</a:t>
+            </a:r>
+          </a:p>
+        </p:txBody>
+      </p:sp>
+      <p:sp>
+        <p:nvSpPr>
+          <p:cNvPr id="45" name="TextBox 44">
+            <a:extLst>
+              <a:ext uri="{FF2B5EF4-FFF2-40B4-BE49-F238E27FC236}">
+                <a16:creationId xmlns="" xmlns:a16="http://schemas.microsoft.com/office/drawing/2014/main" id="{E0BBD6C8-C8F2-40C5-AA64-85961A11ADC2}"/>
+              </a:ext>
+            </a:extLst>
+          </p:cNvPr>
+          <p:cNvSpPr txBox="1"/>
+          <p:nvPr/>
+        </p:nvSpPr>
+        <p:spPr>
+          <a:xfrm>
+            <a:off x="6457552" y="622132"/>
+            <a:ext cx="864099" cy="646331"/>
+          </a:xfrm>
+          <a:prstGeom prst="rect">
+            <a:avLst/>
+          </a:prstGeom>
+          <a:noFill/>
+        </p:spPr>
+        <p:txBody>
+          <a:bodyPr wrap="square" rtlCol="0">
+            <a:spAutoFit/>
+          </a:bodyPr>
+          <a:lstStyle/>
+          <a:p>
+            <a:r>
+              <a:rPr lang="en-US" sz="1200" dirty="0"/>
+              <a:t>connects</a:t>
+            </a:r>
+          </a:p>
+          <a:p>
+            <a:r>
+              <a:rPr lang="en-US" sz="1200" dirty="0"/>
+              <a:t>creates</a:t>
+            </a:r>
+          </a:p>
+          <a:p>
+            <a:r>
+              <a:rPr lang="en-US" sz="1200" dirty="0"/>
+              <a:t>updates</a:t>
+            </a:r>
+          </a:p>
+        </p:txBody>
+      </p:sp>
+      <p:sp>
+        <p:nvSpPr>
+          <p:cNvPr id="26" name="TextBox 25">
+            <a:extLst>
+              <a:ext uri="{FF2B5EF4-FFF2-40B4-BE49-F238E27FC236}">
+                <a16:creationId xmlns="" xmlns:a16="http://schemas.microsoft.com/office/drawing/2014/main" id="{6C45E26E-8FEE-4439-A34B-789237C9C62C}"/>
+              </a:ext>
+            </a:extLst>
+          </p:cNvPr>
+          <p:cNvSpPr txBox="1"/>
+          <p:nvPr/>
+        </p:nvSpPr>
+        <p:spPr>
+          <a:xfrm>
+            <a:off x="0" y="30549"/>
+            <a:ext cx="4944934" cy="369332"/>
+          </a:xfrm>
+          <a:prstGeom prst="rect">
+            <a:avLst/>
+          </a:prstGeom>
+          <a:noFill/>
+        </p:spPr>
+        <p:txBody>
+          <a:bodyPr wrap="square" rtlCol="0">
+            <a:spAutoFit/>
+          </a:bodyPr>
+          <a:lstStyle/>
+          <a:p>
+            <a:r>
+              <a:rPr lang="en-US" dirty="0"/>
+              <a:t>AMT Project </a:t>
+            </a:r>
+            <a:r>
+              <a:rPr lang="en-US" dirty="0" smtClean="0"/>
+              <a:t>&lt;T</a:t>
+            </a:r>
+            <a:r>
+              <a:rPr lang="en-US" dirty="0"/>
+              <a:t>&gt; Process Flow Model</a:t>
+            </a:r>
+          </a:p>
+        </p:txBody>
+      </p:sp>
+      <p:sp>
+        <p:nvSpPr>
+          <p:cNvPr id="31" name="Rectangle 30">
+            <a:extLst>
+              <a:ext uri="{FF2B5EF4-FFF2-40B4-BE49-F238E27FC236}">
+                <a16:creationId xmlns="" xmlns:a16="http://schemas.microsoft.com/office/drawing/2014/main" id="{6D396BFC-10E0-4935-903B-EDC457BD1755}"/>
+              </a:ext>
+            </a:extLst>
+          </p:cNvPr>
+          <p:cNvSpPr/>
+          <p:nvPr/>
+        </p:nvSpPr>
+        <p:spPr>
+          <a:xfrm>
+            <a:off x="897901" y="3410601"/>
+            <a:ext cx="1621682" cy="657053"/>
+          </a:xfrm>
+          <a:prstGeom prst="rect">
+            <a:avLst/>
+          </a:prstGeom>
+          <a:solidFill>
+            <a:schemeClr val="accent6"/>
+          </a:solidFill>
+        </p:spPr>
+        <p:style>
+          <a:lnRef idx="2">
+            <a:schemeClr val="accent1">
+              <a:shade val="50000"/>
+            </a:schemeClr>
+          </a:lnRef>
+          <a:fillRef idx="1">
+            <a:schemeClr val="accent1"/>
+          </a:fillRef>
+          <a:effectRef idx="0">
+            <a:schemeClr val="accent1"/>
+          </a:effectRef>
+          <a:fontRef idx="minor">
+            <a:schemeClr val="lt1"/>
+          </a:fontRef>
+        </p:style>
+        <p:txBody>
+          <a:bodyPr rtlCol="0" anchor="ctr"/>
+          <a:lstStyle/>
+          <a:p>
+            <a:pPr algn="ctr"/>
+            <a:r>
+              <a:rPr lang="en-US" sz="1000" dirty="0" err="1" smtClean="0"/>
+              <a:t>com.amt.exception</a:t>
+            </a:r>
+            <a:endParaRPr lang="en-US" sz="1000" dirty="0"/>
+          </a:p>
+          <a:p>
+            <a:pPr algn="ctr"/>
+            <a:r>
+              <a:rPr lang="en-US" sz="1400" dirty="0" err="1"/>
+              <a:t>DatabaseException</a:t>
+            </a:r>
+            <a:endParaRPr lang="en-US" sz="1400" dirty="0"/>
+          </a:p>
+        </p:txBody>
+      </p:sp>
+      <p:sp>
+        <p:nvSpPr>
+          <p:cNvPr id="32" name="Rectangle 31">
+            <a:extLst>
+              <a:ext uri="{FF2B5EF4-FFF2-40B4-BE49-F238E27FC236}">
+                <a16:creationId xmlns="" xmlns:a16="http://schemas.microsoft.com/office/drawing/2014/main" id="{02A645C8-F11F-438D-92DC-F6FCCA5ECFB8}"/>
+              </a:ext>
+            </a:extLst>
+          </p:cNvPr>
+          <p:cNvSpPr/>
+          <p:nvPr/>
+        </p:nvSpPr>
+        <p:spPr>
+          <a:xfrm>
+            <a:off x="1302075" y="4606565"/>
+            <a:ext cx="2048896" cy="657053"/>
+          </a:xfrm>
+          <a:prstGeom prst="rect">
+            <a:avLst/>
+          </a:prstGeom>
+          <a:solidFill>
+            <a:schemeClr val="accent6"/>
+          </a:solidFill>
+        </p:spPr>
+        <p:style>
+          <a:lnRef idx="2">
+            <a:schemeClr val="accent1">
+              <a:shade val="50000"/>
+            </a:schemeClr>
+          </a:lnRef>
+          <a:fillRef idx="1">
+            <a:schemeClr val="accent1"/>
+          </a:fillRef>
+          <a:effectRef idx="0">
+            <a:schemeClr val="accent1"/>
+          </a:effectRef>
+          <a:fontRef idx="minor">
+            <a:schemeClr val="lt1"/>
+          </a:fontRef>
+        </p:style>
+        <p:txBody>
+          <a:bodyPr rtlCol="0" anchor="ctr"/>
+          <a:lstStyle/>
+          <a:p>
+            <a:pPr algn="ctr"/>
+            <a:r>
+              <a:rPr lang="en-US" sz="1000" dirty="0" err="1" smtClean="0"/>
+              <a:t>com.amt.exception</a:t>
+            </a:r>
+            <a:endParaRPr lang="en-US" sz="1000" dirty="0"/>
+          </a:p>
+          <a:p>
+            <a:pPr algn="ctr"/>
+            <a:r>
+              <a:rPr lang="en-US" sz="1300" dirty="0" err="1"/>
+              <a:t>RecordNotFoundException</a:t>
+            </a:r>
+            <a:endParaRPr lang="en-US" sz="1300" dirty="0"/>
+          </a:p>
+        </p:txBody>
+      </p:sp>
+      <p:cxnSp>
+        <p:nvCxnSpPr>
+          <p:cNvPr id="12" name="Straight Arrow Connector 11">
+            <a:extLst>
+              <a:ext uri="{FF2B5EF4-FFF2-40B4-BE49-F238E27FC236}">
+                <a16:creationId xmlns="" xmlns:a16="http://schemas.microsoft.com/office/drawing/2014/main" id="{FF2076CA-F897-4293-B6CD-7408EB452156}"/>
+              </a:ext>
+            </a:extLst>
+          </p:cNvPr>
+          <p:cNvCxnSpPr>
+            <a:cxnSpLocks/>
+            <a:stCxn id="29" idx="1"/>
+            <a:endCxn id="31" idx="3"/>
+          </p:cNvCxnSpPr>
+          <p:nvPr/>
+        </p:nvCxnSpPr>
+        <p:spPr>
+          <a:xfrm flipH="1" flipV="1">
+            <a:off x="2519583" y="3739128"/>
+            <a:ext cx="2198345" cy="808252"/>
+          </a:xfrm>
+          <a:prstGeom prst="straightConnector1">
+            <a:avLst/>
+          </a:prstGeom>
+          <a:ln>
+            <a:tailEnd type="triangle"/>
+          </a:ln>
+        </p:spPr>
+        <p:style>
+          <a:lnRef idx="1">
+            <a:schemeClr val="accent1"/>
+          </a:lnRef>
+          <a:fillRef idx="0">
+            <a:schemeClr val="accent1"/>
+          </a:fillRef>
+          <a:effectRef idx="0">
+            <a:schemeClr val="accent1"/>
+          </a:effectRef>
+          <a:fontRef idx="minor">
+            <a:schemeClr val="tx1"/>
+          </a:fontRef>
+        </p:style>
+      </p:cxnSp>
+      <p:cxnSp>
+        <p:nvCxnSpPr>
+          <p:cNvPr id="14" name="Straight Arrow Connector 13">
+            <a:extLst>
+              <a:ext uri="{FF2B5EF4-FFF2-40B4-BE49-F238E27FC236}">
+                <a16:creationId xmlns="" xmlns:a16="http://schemas.microsoft.com/office/drawing/2014/main" id="{5C625B7B-4A1E-46C5-9082-4FEC89B30DA9}"/>
+              </a:ext>
+            </a:extLst>
+          </p:cNvPr>
+          <p:cNvCxnSpPr>
+            <a:cxnSpLocks/>
+            <a:stCxn id="29" idx="1"/>
+            <a:endCxn id="32" idx="0"/>
+          </p:cNvCxnSpPr>
+          <p:nvPr/>
+        </p:nvCxnSpPr>
+        <p:spPr>
+          <a:xfrm flipH="1">
+            <a:off x="2326523" y="4547380"/>
+            <a:ext cx="2391405" cy="59185"/>
+          </a:xfrm>
+          <a:prstGeom prst="straightConnector1">
+            <a:avLst/>
+          </a:prstGeom>
+          <a:ln>
+            <a:tailEnd type="triangle"/>
+          </a:ln>
+        </p:spPr>
+        <p:style>
+          <a:lnRef idx="1">
+            <a:schemeClr val="accent1"/>
+          </a:lnRef>
+          <a:fillRef idx="0">
+            <a:schemeClr val="accent1"/>
+          </a:fillRef>
+          <a:effectRef idx="0">
+            <a:schemeClr val="accent1"/>
+          </a:effectRef>
+          <a:fontRef idx="minor">
+            <a:schemeClr val="tx1"/>
+          </a:fontRef>
+        </p:style>
+      </p:cxnSp>
+      <p:cxnSp>
+        <p:nvCxnSpPr>
+          <p:cNvPr id="65" name="Straight Arrow Connector 64">
+            <a:extLst>
+              <a:ext uri="{FF2B5EF4-FFF2-40B4-BE49-F238E27FC236}">
+                <a16:creationId xmlns="" xmlns:a16="http://schemas.microsoft.com/office/drawing/2014/main" id="{C1C9B843-1D11-4D9F-8CBF-AE00E90AA070}"/>
+              </a:ext>
+            </a:extLst>
+          </p:cNvPr>
+          <p:cNvCxnSpPr>
+            <a:stCxn id="25" idx="2"/>
+            <a:endCxn id="20" idx="3"/>
+          </p:cNvCxnSpPr>
+          <p:nvPr/>
+        </p:nvCxnSpPr>
+        <p:spPr>
+          <a:xfrm flipH="1">
+            <a:off x="6258426" y="667600"/>
+            <a:ext cx="1142061" cy="1800287"/>
+          </a:xfrm>
+          <a:prstGeom prst="straightConnector1">
+            <a:avLst/>
+          </a:prstGeom>
+          <a:ln>
+            <a:tailEnd type="triangle"/>
+          </a:ln>
+        </p:spPr>
+        <p:style>
+          <a:lnRef idx="1">
+            <a:schemeClr val="accent1"/>
+          </a:lnRef>
+          <a:fillRef idx="0">
+            <a:schemeClr val="accent1"/>
+          </a:fillRef>
+          <a:effectRef idx="0">
+            <a:schemeClr val="accent1"/>
+          </a:effectRef>
+          <a:fontRef idx="minor">
+            <a:schemeClr val="tx1"/>
+          </a:fontRef>
+        </p:style>
+      </p:cxnSp>
+      <p:sp>
+        <p:nvSpPr>
+          <p:cNvPr id="66" name="TextBox 65">
+            <a:extLst>
+              <a:ext uri="{FF2B5EF4-FFF2-40B4-BE49-F238E27FC236}">
+                <a16:creationId xmlns="" xmlns:a16="http://schemas.microsoft.com/office/drawing/2014/main" id="{5E4B2700-0522-40EF-B035-166AA1C17D76}"/>
+              </a:ext>
+            </a:extLst>
+          </p:cNvPr>
+          <p:cNvSpPr txBox="1"/>
+          <p:nvPr/>
+        </p:nvSpPr>
+        <p:spPr>
+          <a:xfrm>
+            <a:off x="7618534" y="1640699"/>
+            <a:ext cx="728932" cy="276999"/>
+          </a:xfrm>
+          <a:prstGeom prst="rect">
+            <a:avLst/>
+          </a:prstGeom>
+          <a:noFill/>
+        </p:spPr>
+        <p:txBody>
+          <a:bodyPr wrap="square" rtlCol="0">
+            <a:spAutoFit/>
+          </a:bodyPr>
+          <a:lstStyle/>
+          <a:p>
+            <a:r>
+              <a:rPr lang="en-US" sz="1200" dirty="0"/>
+              <a:t>returns</a:t>
+            </a:r>
+          </a:p>
+        </p:txBody>
+      </p:sp>
+      <p:sp>
+        <p:nvSpPr>
+          <p:cNvPr id="46" name="Rectangle 45"/>
+          <p:cNvSpPr/>
+          <p:nvPr/>
+        </p:nvSpPr>
+        <p:spPr>
+          <a:xfrm>
+            <a:off x="7361772" y="4678197"/>
+            <a:ext cx="1678916" cy="991056"/>
+          </a:xfrm>
+          <a:prstGeom prst="rect">
+            <a:avLst/>
+          </a:prstGeom>
+          <a:solidFill>
+            <a:schemeClr val="accent6"/>
+          </a:solidFill>
+        </p:spPr>
+        <p:style>
+          <a:lnRef idx="2">
+            <a:schemeClr val="accent1">
+              <a:shade val="50000"/>
+            </a:schemeClr>
+          </a:lnRef>
+          <a:fillRef idx="1">
+            <a:schemeClr val="accent1"/>
+          </a:fillRef>
+          <a:effectRef idx="0">
+            <a:schemeClr val="accent1"/>
+          </a:effectRef>
+          <a:fontRef idx="minor">
+            <a:schemeClr val="lt1"/>
+          </a:fontRef>
+        </p:style>
+        <p:txBody>
+          <a:bodyPr rtlCol="0" anchor="ctr"/>
+          <a:lstStyle/>
+          <a:p>
+            <a:pPr algn="ctr"/>
+            <a:r>
+              <a:rPr lang="en-US" sz="1000" dirty="0" err="1" smtClean="0"/>
+              <a:t>com.amt.controller</a:t>
+            </a:r>
+            <a:endParaRPr lang="en-US" sz="1000" dirty="0"/>
+          </a:p>
+          <a:p>
+            <a:pPr algn="ctr"/>
+            <a:r>
+              <a:rPr lang="en-US" dirty="0"/>
+              <a:t>&lt;T&gt;Controller</a:t>
+            </a:r>
+          </a:p>
+        </p:txBody>
+      </p:sp>
+      <p:cxnSp>
+        <p:nvCxnSpPr>
+          <p:cNvPr id="47" name="Straight Arrow Connector 46"/>
+          <p:cNvCxnSpPr>
+            <a:stCxn id="46" idx="1"/>
+            <a:endCxn id="29" idx="3"/>
+          </p:cNvCxnSpPr>
+          <p:nvPr/>
+        </p:nvCxnSpPr>
+        <p:spPr>
+          <a:xfrm flipH="1" flipV="1">
+            <a:off x="6212725" y="4547380"/>
+            <a:ext cx="1149047" cy="626345"/>
+          </a:xfrm>
+          <a:prstGeom prst="straightConnector1">
+            <a:avLst/>
+          </a:prstGeom>
+          <a:ln>
+            <a:tailEnd type="triangle"/>
+          </a:ln>
+        </p:spPr>
+        <p:style>
+          <a:lnRef idx="1">
+            <a:schemeClr val="accent1"/>
+          </a:lnRef>
+          <a:fillRef idx="0">
+            <a:schemeClr val="accent1"/>
+          </a:fillRef>
+          <a:effectRef idx="0">
+            <a:schemeClr val="accent1"/>
+          </a:effectRef>
+          <a:fontRef idx="minor">
+            <a:schemeClr val="tx1"/>
+          </a:fontRef>
+        </p:style>
+      </p:cxnSp>
+      <p:sp>
+        <p:nvSpPr>
+          <p:cNvPr id="48" name="TextBox 47">
+            <a:extLst>
+              <a:ext uri="{FF2B5EF4-FFF2-40B4-BE49-F238E27FC236}">
+                <a16:creationId xmlns="" xmlns:a16="http://schemas.microsoft.com/office/drawing/2014/main" id="{E0BBD6C8-C8F2-40C5-AA64-85961A11ADC2}"/>
+              </a:ext>
+            </a:extLst>
+          </p:cNvPr>
+          <p:cNvSpPr txBox="1"/>
+          <p:nvPr/>
+        </p:nvSpPr>
+        <p:spPr>
+          <a:xfrm>
+            <a:off x="6444271" y="4320994"/>
+            <a:ext cx="728932" cy="276999"/>
+          </a:xfrm>
+          <a:prstGeom prst="rect">
+            <a:avLst/>
+          </a:prstGeom>
+          <a:noFill/>
+        </p:spPr>
+        <p:txBody>
+          <a:bodyPr wrap="square" rtlCol="0">
+            <a:spAutoFit/>
+          </a:bodyPr>
+          <a:lstStyle/>
+          <a:p>
+            <a:r>
+              <a:rPr lang="en-US" sz="1200" dirty="0"/>
+              <a:t>controls</a:t>
+            </a:r>
+          </a:p>
+        </p:txBody>
+      </p:sp>
+      <p:sp>
+        <p:nvSpPr>
+          <p:cNvPr id="52" name="Rectangle 51">
+            <a:extLst>
+              <a:ext uri="{FF2B5EF4-FFF2-40B4-BE49-F238E27FC236}">
+                <a16:creationId xmlns="" xmlns:a16="http://schemas.microsoft.com/office/drawing/2014/main" id="{21B869D6-66CB-4B38-975F-B7FEB6AA9B13}"/>
+              </a:ext>
+            </a:extLst>
+          </p:cNvPr>
+          <p:cNvSpPr/>
+          <p:nvPr/>
+        </p:nvSpPr>
+        <p:spPr>
+          <a:xfrm>
+            <a:off x="9186924" y="4373707"/>
+            <a:ext cx="2844400" cy="224286"/>
+          </a:xfrm>
+          <a:prstGeom prst="rect">
+            <a:avLst/>
+          </a:prstGeom>
+        </p:spPr>
+        <p:style>
+          <a:lnRef idx="2">
+            <a:schemeClr val="accent3">
+              <a:shade val="50000"/>
+            </a:schemeClr>
+          </a:lnRef>
+          <a:fillRef idx="1">
+            <a:schemeClr val="accent3"/>
+          </a:fillRef>
+          <a:effectRef idx="0">
+            <a:schemeClr val="accent3"/>
+          </a:effectRef>
+          <a:fontRef idx="minor">
+            <a:schemeClr val="lt1"/>
+          </a:fontRef>
+        </p:style>
+        <p:txBody>
+          <a:bodyPr rtlCol="0" anchor="ctr"/>
+          <a:lstStyle/>
+          <a:p>
+            <a:pPr algn="ctr"/>
+            <a:r>
+              <a:rPr lang="en-US" dirty="0"/>
+              <a:t>HTTP Request / Response</a:t>
+            </a:r>
+          </a:p>
+        </p:txBody>
+      </p:sp>
+      <p:cxnSp>
+        <p:nvCxnSpPr>
+          <p:cNvPr id="51" name="Straight Arrow Connector 50"/>
+          <p:cNvCxnSpPr>
+            <a:cxnSpLocks/>
+            <a:stCxn id="46" idx="3"/>
+            <a:endCxn id="10" idx="1"/>
+          </p:cNvCxnSpPr>
+          <p:nvPr/>
+        </p:nvCxnSpPr>
+        <p:spPr>
+          <a:xfrm flipV="1">
+            <a:off x="9040688" y="5005031"/>
+            <a:ext cx="819490" cy="168694"/>
+          </a:xfrm>
+          <a:prstGeom prst="straightConnector1">
+            <a:avLst/>
+          </a:prstGeom>
+          <a:ln>
+            <a:tailEnd type="triangle"/>
+          </a:ln>
+        </p:spPr>
+        <p:style>
+          <a:lnRef idx="1">
+            <a:schemeClr val="accent1"/>
+          </a:lnRef>
+          <a:fillRef idx="0">
+            <a:schemeClr val="accent1"/>
+          </a:fillRef>
+          <a:effectRef idx="0">
+            <a:schemeClr val="accent1"/>
+          </a:effectRef>
+          <a:fontRef idx="minor">
+            <a:schemeClr val="tx1"/>
+          </a:fontRef>
+        </p:style>
+      </p:cxnSp>
+      <p:cxnSp>
+        <p:nvCxnSpPr>
+          <p:cNvPr id="55" name="Straight Arrow Connector 54"/>
+          <p:cNvCxnSpPr>
+            <a:cxnSpLocks/>
+            <a:stCxn id="10" idx="1"/>
+            <a:endCxn id="46" idx="3"/>
+          </p:cNvCxnSpPr>
+          <p:nvPr/>
+        </p:nvCxnSpPr>
+        <p:spPr>
+          <a:xfrm flipH="1">
+            <a:off x="9040688" y="5005031"/>
+            <a:ext cx="819490" cy="168694"/>
+          </a:xfrm>
+          <a:prstGeom prst="straightConnector1">
+            <a:avLst/>
+          </a:prstGeom>
+          <a:ln>
+            <a:tailEnd type="triangle"/>
+          </a:ln>
+        </p:spPr>
+        <p:style>
+          <a:lnRef idx="1">
+            <a:schemeClr val="accent1"/>
+          </a:lnRef>
+          <a:fillRef idx="0">
+            <a:schemeClr val="accent1"/>
+          </a:fillRef>
+          <a:effectRef idx="0">
+            <a:schemeClr val="accent1"/>
+          </a:effectRef>
+          <a:fontRef idx="minor">
+            <a:schemeClr val="tx1"/>
+          </a:fontRef>
+        </p:style>
+      </p:cxnSp>
+      <p:sp>
+        <p:nvSpPr>
+          <p:cNvPr id="58" name="TextBox 57">
+            <a:extLst>
+              <a:ext uri="{FF2B5EF4-FFF2-40B4-BE49-F238E27FC236}">
+                <a16:creationId xmlns="" xmlns:a16="http://schemas.microsoft.com/office/drawing/2014/main" id="{E0BBD6C8-C8F2-40C5-AA64-85961A11ADC2}"/>
+              </a:ext>
+            </a:extLst>
+          </p:cNvPr>
+          <p:cNvSpPr txBox="1"/>
+          <p:nvPr/>
+        </p:nvSpPr>
+        <p:spPr>
+          <a:xfrm>
+            <a:off x="9037345" y="4834624"/>
+            <a:ext cx="843694" cy="276999"/>
+          </a:xfrm>
+          <a:prstGeom prst="rect">
+            <a:avLst/>
+          </a:prstGeom>
+          <a:noFill/>
+        </p:spPr>
+        <p:txBody>
+          <a:bodyPr wrap="square" rtlCol="0">
+            <a:spAutoFit/>
+          </a:bodyPr>
+          <a:lstStyle/>
+          <a:p>
+            <a:r>
+              <a:rPr lang="en-US" sz="1200" dirty="0"/>
+              <a:t>processes</a:t>
+            </a:r>
+          </a:p>
+        </p:txBody>
+      </p:sp>
+      <p:cxnSp>
+        <p:nvCxnSpPr>
+          <p:cNvPr id="91" name="Straight Arrow Connector 90"/>
+          <p:cNvCxnSpPr>
+            <a:cxnSpLocks/>
+            <a:stCxn id="29" idx="3"/>
+            <a:endCxn id="15" idx="1"/>
+          </p:cNvCxnSpPr>
+          <p:nvPr/>
+        </p:nvCxnSpPr>
+        <p:spPr>
+          <a:xfrm flipV="1">
+            <a:off x="6212725" y="3304776"/>
+            <a:ext cx="1221138" cy="1242604"/>
+          </a:xfrm>
+          <a:prstGeom prst="straightConnector1">
+            <a:avLst/>
+          </a:prstGeom>
+          <a:ln>
+            <a:tailEnd type="triangle"/>
+          </a:ln>
+        </p:spPr>
+        <p:style>
+          <a:lnRef idx="1">
+            <a:schemeClr val="accent1"/>
+          </a:lnRef>
+          <a:fillRef idx="0">
+            <a:schemeClr val="accent1"/>
+          </a:fillRef>
+          <a:effectRef idx="0">
+            <a:schemeClr val="accent1"/>
+          </a:effectRef>
+          <a:fontRef idx="minor">
+            <a:schemeClr val="tx1"/>
+          </a:fontRef>
+        </p:style>
+      </p:cxnSp>
+      <p:cxnSp>
+        <p:nvCxnSpPr>
+          <p:cNvPr id="93" name="Straight Arrow Connector 92"/>
+          <p:cNvCxnSpPr>
+            <a:stCxn id="46" idx="0"/>
+            <a:endCxn id="15" idx="2"/>
+          </p:cNvCxnSpPr>
+          <p:nvPr/>
+        </p:nvCxnSpPr>
+        <p:spPr>
+          <a:xfrm flipH="1" flipV="1">
+            <a:off x="8181262" y="3800304"/>
+            <a:ext cx="19968" cy="877893"/>
+          </a:xfrm>
+          <a:prstGeom prst="straightConnector1">
+            <a:avLst/>
+          </a:prstGeom>
+          <a:ln>
+            <a:tailEnd type="triangle"/>
+          </a:ln>
+        </p:spPr>
+        <p:style>
+          <a:lnRef idx="1">
+            <a:schemeClr val="accent1"/>
+          </a:lnRef>
+          <a:fillRef idx="0">
+            <a:schemeClr val="accent1"/>
+          </a:fillRef>
+          <a:effectRef idx="0">
+            <a:schemeClr val="accent1"/>
+          </a:effectRef>
+          <a:fontRef idx="minor">
+            <a:schemeClr val="tx1"/>
+          </a:fontRef>
+        </p:style>
+      </p:cxnSp>
+      <p:sp>
+        <p:nvSpPr>
+          <p:cNvPr id="94" name="TextBox 93">
+            <a:extLst>
+              <a:ext uri="{FF2B5EF4-FFF2-40B4-BE49-F238E27FC236}">
+                <a16:creationId xmlns="" xmlns:a16="http://schemas.microsoft.com/office/drawing/2014/main" id="{E0BBD6C8-C8F2-40C5-AA64-85961A11ADC2}"/>
+              </a:ext>
+            </a:extLst>
+          </p:cNvPr>
+          <p:cNvSpPr txBox="1"/>
+          <p:nvPr/>
+        </p:nvSpPr>
+        <p:spPr>
+          <a:xfrm>
+            <a:off x="8161295" y="4358304"/>
+            <a:ext cx="490999" cy="276999"/>
+          </a:xfrm>
+          <a:prstGeom prst="rect">
+            <a:avLst/>
+          </a:prstGeom>
+          <a:noFill/>
+        </p:spPr>
+        <p:txBody>
+          <a:bodyPr wrap="square" rtlCol="0">
+            <a:spAutoFit/>
+          </a:bodyPr>
+          <a:lstStyle/>
+          <a:p>
+            <a:r>
+              <a:rPr lang="en-US" sz="1200" dirty="0"/>
+              <a:t>uses</a:t>
+            </a:r>
+          </a:p>
+        </p:txBody>
+      </p:sp>
+      <p:sp>
+        <p:nvSpPr>
+          <p:cNvPr id="95" name="TextBox 94">
+            <a:extLst>
+              <a:ext uri="{FF2B5EF4-FFF2-40B4-BE49-F238E27FC236}">
+                <a16:creationId xmlns="" xmlns:a16="http://schemas.microsoft.com/office/drawing/2014/main" id="{E0BBD6C8-C8F2-40C5-AA64-85961A11ADC2}"/>
+              </a:ext>
+            </a:extLst>
+          </p:cNvPr>
+          <p:cNvSpPr txBox="1"/>
+          <p:nvPr/>
+        </p:nvSpPr>
+        <p:spPr>
+          <a:xfrm>
+            <a:off x="6505919" y="3378345"/>
+            <a:ext cx="728932" cy="276999"/>
+          </a:xfrm>
+          <a:prstGeom prst="rect">
+            <a:avLst/>
+          </a:prstGeom>
+          <a:noFill/>
+        </p:spPr>
+        <p:txBody>
+          <a:bodyPr wrap="square" rtlCol="0">
+            <a:spAutoFit/>
+          </a:bodyPr>
+          <a:lstStyle/>
+          <a:p>
+            <a:r>
+              <a:rPr lang="en-US" sz="1200" dirty="0"/>
+              <a:t>uses</a:t>
+            </a:r>
+          </a:p>
+        </p:txBody>
+      </p:sp>
+      <p:sp>
+        <p:nvSpPr>
+          <p:cNvPr id="49" name="Rectangle 48">
+            <a:extLst>
+              <a:ext uri="{FF2B5EF4-FFF2-40B4-BE49-F238E27FC236}">
+                <a16:creationId xmlns="" xmlns:a16="http://schemas.microsoft.com/office/drawing/2014/main" id="{02A645C8-F11F-438D-92DC-F6FCCA5ECFB8}"/>
+              </a:ext>
+            </a:extLst>
+          </p:cNvPr>
+          <p:cNvSpPr/>
+          <p:nvPr/>
+        </p:nvSpPr>
+        <p:spPr>
+          <a:xfrm>
+            <a:off x="1582107" y="5802529"/>
+            <a:ext cx="2212030" cy="657053"/>
+          </a:xfrm>
+          <a:prstGeom prst="rect">
+            <a:avLst/>
+          </a:prstGeom>
+          <a:solidFill>
+            <a:schemeClr val="accent6"/>
+          </a:solidFill>
+        </p:spPr>
+        <p:style>
+          <a:lnRef idx="2">
+            <a:schemeClr val="accent1">
+              <a:shade val="50000"/>
+            </a:schemeClr>
+          </a:lnRef>
+          <a:fillRef idx="1">
+            <a:schemeClr val="accent1"/>
+          </a:fillRef>
+          <a:effectRef idx="0">
+            <a:schemeClr val="accent1"/>
+          </a:effectRef>
+          <a:fontRef idx="minor">
+            <a:schemeClr val="lt1"/>
+          </a:fontRef>
+        </p:style>
+        <p:txBody>
+          <a:bodyPr rtlCol="0" anchor="ctr"/>
+          <a:lstStyle/>
+          <a:p>
+            <a:pPr algn="ctr"/>
+            <a:r>
+              <a:rPr lang="en-US" sz="1000" dirty="0" err="1" smtClean="0"/>
+              <a:t>com.amt.exception</a:t>
+            </a:r>
+            <a:endParaRPr lang="en-US" sz="1000" dirty="0"/>
+          </a:p>
+          <a:p>
+            <a:pPr algn="ctr"/>
+            <a:r>
+              <a:rPr lang="en-US" sz="1200" dirty="0" err="1"/>
+              <a:t>AuthenticationFailureException</a:t>
+            </a:r>
+            <a:endParaRPr lang="en-US" sz="1200" dirty="0"/>
+          </a:p>
+        </p:txBody>
+      </p:sp>
+      <p:cxnSp>
+        <p:nvCxnSpPr>
+          <p:cNvPr id="6" name="Straight Arrow Connector 5"/>
+          <p:cNvCxnSpPr>
+            <a:cxnSpLocks/>
+            <a:stCxn id="29" idx="1"/>
+            <a:endCxn id="49" idx="3"/>
+          </p:cNvCxnSpPr>
+          <p:nvPr/>
+        </p:nvCxnSpPr>
+        <p:spPr>
+          <a:xfrm flipH="1">
+            <a:off x="3794137" y="4547380"/>
+            <a:ext cx="923791" cy="1583676"/>
+          </a:xfrm>
+          <a:prstGeom prst="straightConnector1">
+            <a:avLst/>
+          </a:prstGeom>
+          <a:ln>
+            <a:tailEnd type="triangle"/>
+          </a:ln>
+        </p:spPr>
+        <p:style>
+          <a:lnRef idx="1">
+            <a:schemeClr val="accent1"/>
+          </a:lnRef>
+          <a:fillRef idx="0">
+            <a:schemeClr val="accent1"/>
+          </a:fillRef>
+          <a:effectRef idx="0">
+            <a:schemeClr val="accent1"/>
+          </a:effectRef>
+          <a:fontRef idx="minor">
+            <a:schemeClr val="tx1"/>
+          </a:fontRef>
+        </p:style>
+      </p:cxnSp>
+      <p:sp>
+        <p:nvSpPr>
+          <p:cNvPr id="53" name="Rectangle 52"/>
+          <p:cNvSpPr/>
+          <p:nvPr/>
+        </p:nvSpPr>
+        <p:spPr>
+          <a:xfrm>
+            <a:off x="1633317" y="618764"/>
+            <a:ext cx="1494797" cy="991056"/>
+          </a:xfrm>
+          <a:prstGeom prst="rect">
+            <a:avLst/>
+          </a:prstGeom>
+          <a:solidFill>
+            <a:schemeClr val="accent6"/>
+          </a:solidFill>
+        </p:spPr>
+        <p:style>
+          <a:lnRef idx="2">
+            <a:schemeClr val="accent1">
+              <a:shade val="50000"/>
+            </a:schemeClr>
+          </a:lnRef>
+          <a:fillRef idx="1">
+            <a:schemeClr val="accent1"/>
+          </a:fillRef>
+          <a:effectRef idx="0">
+            <a:schemeClr val="accent1"/>
+          </a:effectRef>
+          <a:fontRef idx="minor">
+            <a:schemeClr val="lt1"/>
+          </a:fontRef>
+        </p:style>
+        <p:txBody>
+          <a:bodyPr rtlCol="0" anchor="ctr"/>
+          <a:lstStyle/>
+          <a:p>
+            <a:pPr algn="ctr"/>
+            <a:r>
+              <a:rPr lang="en-US" sz="1000" dirty="0" err="1" smtClean="0"/>
+              <a:t>com.amt.dto</a:t>
+            </a:r>
+            <a:endParaRPr lang="en-US" sz="1000" dirty="0"/>
+          </a:p>
+          <a:p>
+            <a:pPr algn="ctr"/>
+            <a:r>
+              <a:rPr lang="en-US" dirty="0"/>
+              <a:t>&lt;</a:t>
+            </a:r>
+            <a:r>
+              <a:rPr lang="en-US" dirty="0" smtClean="0"/>
+              <a:t>T&gt;DTO</a:t>
             </a:r>
             <a:endParaRPr lang="en-US" dirty="0"/>
           </a:p>
-          <a:p>
-            <a:pPr marL="1200150" lvl="2" indent="-285750" algn="l">
-              <a:buFont typeface="Arial" panose="020B0604020202020204" pitchFamily="34" charset="0"/>
-              <a:buChar char="•"/>
-            </a:pPr>
-            <a:r>
-              <a:rPr lang="en-US" dirty="0"/>
-              <a:t>Should have a logback.xml configuration file</a:t>
-            </a:r>
-          </a:p>
-          <a:p>
-            <a:pPr marL="800100" lvl="1" indent="-342900" algn="l">
-              <a:buFont typeface="Arial" panose="020B0604020202020204" pitchFamily="34" charset="0"/>
-              <a:buChar char="•"/>
-            </a:pPr>
-            <a:r>
-              <a:rPr lang="en-US" dirty="0"/>
-              <a:t>JUnit tests</a:t>
-            </a:r>
-          </a:p>
-          <a:p>
-            <a:pPr marL="1200150" lvl="2" indent="-285750" algn="l">
-              <a:buFont typeface="Arial" panose="020B0604020202020204" pitchFamily="34" charset="0"/>
-              <a:buChar char="•"/>
-            </a:pPr>
-            <a:r>
-              <a:rPr lang="en-US" dirty="0"/>
-              <a:t>You should look into how to generate code coverage reports using </a:t>
-            </a:r>
-            <a:r>
-              <a:rPr lang="en-US" dirty="0" err="1"/>
-              <a:t>SonarCloud</a:t>
+        </p:txBody>
+      </p:sp>
+      <p:cxnSp>
+        <p:nvCxnSpPr>
+          <p:cNvPr id="3" name="Straight Arrow Connector 2"/>
+          <p:cNvCxnSpPr>
+            <a:stCxn id="29" idx="0"/>
+            <a:endCxn id="53" idx="2"/>
+          </p:cNvCxnSpPr>
+          <p:nvPr/>
+        </p:nvCxnSpPr>
+        <p:spPr>
+          <a:xfrm flipH="1" flipV="1">
+            <a:off x="2380716" y="1609820"/>
+            <a:ext cx="3084611" cy="2442032"/>
+          </a:xfrm>
+          <a:prstGeom prst="straightConnector1">
+            <a:avLst/>
+          </a:prstGeom>
+          <a:ln>
+            <a:tailEnd type="triangle"/>
+          </a:ln>
+        </p:spPr>
+        <p:style>
+          <a:lnRef idx="1">
+            <a:schemeClr val="accent1"/>
+          </a:lnRef>
+          <a:fillRef idx="0">
+            <a:schemeClr val="accent1"/>
+          </a:fillRef>
+          <a:effectRef idx="0">
+            <a:schemeClr val="accent1"/>
+          </a:effectRef>
+          <a:fontRef idx="minor">
+            <a:schemeClr val="tx1"/>
+          </a:fontRef>
+        </p:style>
+      </p:cxnSp>
+      <p:cxnSp>
+        <p:nvCxnSpPr>
+          <p:cNvPr id="8" name="Straight Arrow Connector 7"/>
+          <p:cNvCxnSpPr>
+            <a:stCxn id="20" idx="1"/>
+            <a:endCxn id="53" idx="3"/>
+          </p:cNvCxnSpPr>
+          <p:nvPr/>
+        </p:nvCxnSpPr>
+        <p:spPr>
+          <a:xfrm flipH="1" flipV="1">
+            <a:off x="3128114" y="1114292"/>
+            <a:ext cx="1540390" cy="1353595"/>
+          </a:xfrm>
+          <a:prstGeom prst="straightConnector1">
+            <a:avLst/>
+          </a:prstGeom>
+          <a:ln>
+            <a:tailEnd type="triangle"/>
+          </a:ln>
+        </p:spPr>
+        <p:style>
+          <a:lnRef idx="1">
+            <a:schemeClr val="accent1"/>
+          </a:lnRef>
+          <a:fillRef idx="0">
+            <a:schemeClr val="accent1"/>
+          </a:fillRef>
+          <a:effectRef idx="0">
+            <a:schemeClr val="accent1"/>
+          </a:effectRef>
+          <a:fontRef idx="minor">
+            <a:schemeClr val="tx1"/>
+          </a:fontRef>
+        </p:style>
+      </p:cxnSp>
+      <p:sp>
+        <p:nvSpPr>
+          <p:cNvPr id="63" name="TextBox 62">
+            <a:extLst>
+              <a:ext uri="{FF2B5EF4-FFF2-40B4-BE49-F238E27FC236}">
+                <a16:creationId xmlns="" xmlns:a16="http://schemas.microsoft.com/office/drawing/2014/main" id="{E0BBD6C8-C8F2-40C5-AA64-85961A11ADC2}"/>
+              </a:ext>
+            </a:extLst>
+          </p:cNvPr>
+          <p:cNvSpPr txBox="1"/>
+          <p:nvPr/>
+        </p:nvSpPr>
+        <p:spPr>
+          <a:xfrm>
+            <a:off x="3754203" y="1551979"/>
+            <a:ext cx="728932" cy="276999"/>
+          </a:xfrm>
+          <a:prstGeom prst="rect">
+            <a:avLst/>
+          </a:prstGeom>
+          <a:noFill/>
+        </p:spPr>
+        <p:txBody>
+          <a:bodyPr wrap="square" rtlCol="0">
+            <a:spAutoFit/>
+          </a:bodyPr>
+          <a:lstStyle/>
+          <a:p>
+            <a:r>
+              <a:rPr lang="en-US" sz="1200" dirty="0"/>
+              <a:t>uses</a:t>
+            </a:r>
+          </a:p>
+        </p:txBody>
+      </p:sp>
+      <p:sp>
+        <p:nvSpPr>
+          <p:cNvPr id="72" name="Rectangle 71"/>
+          <p:cNvSpPr/>
+          <p:nvPr/>
+        </p:nvSpPr>
+        <p:spPr>
+          <a:xfrm>
+            <a:off x="10251672" y="2293030"/>
+            <a:ext cx="1494797" cy="991056"/>
+          </a:xfrm>
+          <a:prstGeom prst="rect">
+            <a:avLst/>
+          </a:prstGeom>
+          <a:solidFill>
+            <a:schemeClr val="accent2"/>
+          </a:solidFill>
+        </p:spPr>
+        <p:style>
+          <a:lnRef idx="2">
+            <a:schemeClr val="accent1">
+              <a:shade val="50000"/>
+            </a:schemeClr>
+          </a:lnRef>
+          <a:fillRef idx="1">
+            <a:schemeClr val="accent1"/>
+          </a:fillRef>
+          <a:effectRef idx="0">
+            <a:schemeClr val="accent1"/>
+          </a:effectRef>
+          <a:fontRef idx="minor">
+            <a:schemeClr val="lt1"/>
+          </a:fontRef>
+        </p:style>
+        <p:txBody>
+          <a:bodyPr rtlCol="0" anchor="ctr"/>
+          <a:lstStyle/>
+          <a:p>
+            <a:pPr algn="ctr"/>
+            <a:r>
+              <a:rPr lang="en-US" dirty="0" smtClean="0"/>
+              <a:t>Angular</a:t>
+            </a:r>
+          </a:p>
+          <a:p>
+            <a:pPr algn="ctr"/>
+            <a:r>
+              <a:rPr lang="en-US" dirty="0" smtClean="0"/>
+              <a:t>Client</a:t>
             </a:r>
             <a:endParaRPr lang="en-US" dirty="0"/>
           </a:p>
-          <a:p>
-            <a:pPr marL="1200150" lvl="2" indent="-285750" algn="l">
-              <a:buFont typeface="Arial" panose="020B0604020202020204" pitchFamily="34" charset="0"/>
-              <a:buChar char="•"/>
-            </a:pPr>
-            <a:r>
-              <a:rPr lang="en-US" dirty="0"/>
-              <a:t>3 person teams</a:t>
-            </a:r>
-          </a:p>
-          <a:p>
-            <a:pPr marL="1657350" lvl="3" indent="-285750" algn="l">
-              <a:buFont typeface="Arial" panose="020B0604020202020204" pitchFamily="34" charset="0"/>
-              <a:buChar char="•"/>
-            </a:pPr>
-            <a:r>
-              <a:rPr lang="en-US" dirty="0"/>
-              <a:t>Minimum of 30% overall code coverage</a:t>
-            </a:r>
-          </a:p>
-          <a:p>
-            <a:pPr marL="1657350" lvl="3" indent="-285750" algn="l">
-              <a:buFont typeface="Arial" panose="020B0604020202020204" pitchFamily="34" charset="0"/>
-              <a:buChar char="•"/>
-            </a:pPr>
-            <a:r>
-              <a:rPr lang="en-US" dirty="0"/>
-              <a:t>Minimum of 70% service layer code coverage</a:t>
-            </a:r>
-          </a:p>
-          <a:p>
-            <a:pPr marL="1200150" lvl="2" indent="-285750" algn="l">
-              <a:buFont typeface="Arial" panose="020B0604020202020204" pitchFamily="34" charset="0"/>
-              <a:buChar char="•"/>
-            </a:pPr>
-            <a:r>
-              <a:rPr lang="en-US" dirty="0"/>
-              <a:t>4 person teams</a:t>
-            </a:r>
-          </a:p>
-          <a:p>
-            <a:pPr marL="1657350" lvl="3" indent="-285750" algn="l">
-              <a:buFont typeface="Arial" panose="020B0604020202020204" pitchFamily="34" charset="0"/>
-              <a:buChar char="•"/>
-            </a:pPr>
-            <a:r>
-              <a:rPr lang="en-US" dirty="0"/>
-              <a:t>Minimum of 50% overall code coverage</a:t>
-            </a:r>
-          </a:p>
-          <a:p>
-            <a:pPr marL="1657350" lvl="3" indent="-285750" algn="l">
-              <a:buFont typeface="Arial" panose="020B0604020202020204" pitchFamily="34" charset="0"/>
-              <a:buChar char="•"/>
-            </a:pPr>
-            <a:r>
-              <a:rPr lang="en-US" dirty="0"/>
-              <a:t>Minimum of 80% service layer code coverage</a:t>
-            </a:r>
-          </a:p>
-          <a:p>
-            <a:pPr marL="1200150" lvl="2" indent="-285750" algn="l">
-              <a:buFont typeface="Arial" panose="020B0604020202020204" pitchFamily="34" charset="0"/>
-              <a:buChar char="•"/>
-            </a:pPr>
-            <a:r>
-              <a:rPr lang="en-US" dirty="0"/>
-              <a:t>Use </a:t>
-            </a:r>
-            <a:r>
-              <a:rPr lang="en-US" dirty="0" err="1"/>
-              <a:t>Mockito</a:t>
-            </a:r>
-            <a:r>
-              <a:rPr lang="en-US" dirty="0"/>
-              <a:t> as necessary in order to mock the DAO layer, etc.</a:t>
-            </a:r>
-          </a:p>
-          <a:p>
-            <a:pPr marL="800100" lvl="1" indent="-342900" algn="l">
-              <a:buFont typeface="Arial" panose="020B0604020202020204" pitchFamily="34" charset="0"/>
-              <a:buChar char="•"/>
-            </a:pPr>
-            <a:r>
-              <a:rPr lang="en-US" dirty="0"/>
-              <a:t>Selenium Tests (End-to-end (E2E) tests)</a:t>
-            </a:r>
-          </a:p>
-          <a:p>
-            <a:pPr marL="1200150" lvl="2" indent="-285750" algn="l">
-              <a:buFont typeface="Arial" panose="020B0604020202020204" pitchFamily="34" charset="0"/>
-              <a:buChar char="•"/>
-            </a:pPr>
-            <a:r>
-              <a:rPr lang="en-US" dirty="0"/>
-              <a:t>For 3 person teams</a:t>
-            </a:r>
-          </a:p>
-          <a:p>
-            <a:pPr marL="1657350" lvl="3" indent="-285750" algn="l">
-              <a:buFont typeface="Arial" panose="020B0604020202020204" pitchFamily="34" charset="0"/>
-              <a:buChar char="•"/>
-            </a:pPr>
-            <a:r>
-              <a:rPr lang="en-US" dirty="0"/>
-              <a:t>You should have at least 2 Selenium tests</a:t>
-            </a:r>
-          </a:p>
-          <a:p>
-            <a:pPr marL="1200150" lvl="2" indent="-285750" algn="l">
-              <a:buFont typeface="Arial" panose="020B0604020202020204" pitchFamily="34" charset="0"/>
-              <a:buChar char="•"/>
-            </a:pPr>
-            <a:r>
-              <a:rPr lang="en-US" dirty="0"/>
-              <a:t>For 4 person teams</a:t>
-            </a:r>
-          </a:p>
-          <a:p>
-            <a:pPr marL="1657350" lvl="3" indent="-285750" algn="l">
-              <a:buFont typeface="Arial" panose="020B0604020202020204" pitchFamily="34" charset="0"/>
-              <a:buChar char="•"/>
-            </a:pPr>
-            <a:r>
-              <a:rPr lang="en-US" dirty="0"/>
-              <a:t>You should have at least 4 Selenium tests</a:t>
-            </a:r>
-          </a:p>
-          <a:p>
-            <a:pPr marL="1200150" lvl="2" indent="-285750" algn="l">
-              <a:buFont typeface="Arial" panose="020B0604020202020204" pitchFamily="34" charset="0"/>
-              <a:buChar char="•"/>
-            </a:pPr>
-            <a:r>
-              <a:rPr lang="en-US" dirty="0"/>
-              <a:t>E2E tests don't contribute to code coverage since we are automating actual browser actions and not running tests that are directly interacting with our code like in the case of integration or unit tests</a:t>
-            </a:r>
-          </a:p>
-        </p:txBody>
-      </p:sp>
+        </p:txBody>
+      </p:sp>
+      <p:cxnSp>
+        <p:nvCxnSpPr>
+          <p:cNvPr id="68" name="Straight Arrow Connector 67"/>
+          <p:cNvCxnSpPr>
+            <a:stCxn id="72" idx="2"/>
+            <a:endCxn id="52" idx="0"/>
+          </p:cNvCxnSpPr>
+          <p:nvPr/>
+        </p:nvCxnSpPr>
+        <p:spPr>
+          <a:xfrm flipH="1">
+            <a:off x="10609124" y="3284086"/>
+            <a:ext cx="389947" cy="1089621"/>
+          </a:xfrm>
+          <a:prstGeom prst="straightConnector1">
+            <a:avLst/>
+          </a:prstGeom>
+          <a:ln>
+            <a:tailEnd type="triangle"/>
+          </a:ln>
+        </p:spPr>
+        <p:style>
+          <a:lnRef idx="1">
+            <a:schemeClr val="accent1"/>
+          </a:lnRef>
+          <a:fillRef idx="0">
+            <a:schemeClr val="accent1"/>
+          </a:fillRef>
+          <a:effectRef idx="0">
+            <a:schemeClr val="accent1"/>
+          </a:effectRef>
+          <a:fontRef idx="minor">
+            <a:schemeClr val="tx1"/>
+          </a:fontRef>
+        </p:style>
+      </p:cxnSp>
+      <p:cxnSp>
+        <p:nvCxnSpPr>
+          <p:cNvPr id="70" name="Straight Arrow Connector 69"/>
+          <p:cNvCxnSpPr>
+            <a:stCxn id="52" idx="0"/>
+            <a:endCxn id="72" idx="2"/>
+          </p:cNvCxnSpPr>
+          <p:nvPr/>
+        </p:nvCxnSpPr>
+        <p:spPr>
+          <a:xfrm flipV="1">
+            <a:off x="10609124" y="3284086"/>
+            <a:ext cx="389947" cy="1089621"/>
+          </a:xfrm>
+          <a:prstGeom prst="straightConnector1">
+            <a:avLst/>
+          </a:prstGeom>
+          <a:ln>
+            <a:tailEnd type="triangle"/>
+          </a:ln>
+        </p:spPr>
+        <p:style>
+          <a:lnRef idx="1">
+            <a:schemeClr val="accent1"/>
+          </a:lnRef>
+          <a:fillRef idx="0">
+            <a:schemeClr val="accent1"/>
+          </a:fillRef>
+          <a:effectRef idx="0">
+            <a:schemeClr val="accent1"/>
+          </a:effectRef>
+          <a:fontRef idx="minor">
+            <a:schemeClr val="tx1"/>
+          </a:fontRef>
+        </p:style>
+      </p:cxnSp>
     </p:spTree>
     <p:extLst>
       <p:ext uri="{BB962C8B-B14F-4D97-AF65-F5344CB8AC3E}">
-        <p14:creationId xmlns:p14="http://schemas.microsoft.com/office/powerpoint/2010/main" val="1840996563"/>
+        <p14:creationId xmlns:p14="http://schemas.microsoft.com/office/powerpoint/2010/main" val="512867154"/>
       </p:ext>
     </p:extLst>
   </p:cSld>
@@ -4263,266 +6338,89 @@
           <a:chExt cx="0" cy="0"/>
         </a:xfrm>
       </p:grpSpPr>
-      <p:sp>
-        <p:nvSpPr>
-          <p:cNvPr id="2" name="Title 1"/>
-          <p:cNvSpPr>
-            <a:spLocks noGrp="1"/>
+      <p:pic>
+        <p:nvPicPr>
+          <p:cNvPr id="3" name="Picture 2">
+            <a:extLst>
+              <a:ext uri="{FF2B5EF4-FFF2-40B4-BE49-F238E27FC236}">
+                <a16:creationId xmlns="" xmlns:a16="http://schemas.microsoft.com/office/drawing/2014/main" id="{BCACFD1F-11E8-40B5-B568-577D22A77F87}"/>
+              </a:ext>
+            </a:extLst>
+          </p:cNvPr>
+          <p:cNvPicPr>
+            <a:picLocks noChangeAspect="1"/>
+          </p:cNvPicPr>
+          <p:nvPr/>
+        </p:nvPicPr>
+        <p:blipFill>
+          <a:blip r:embed="rId2"/>
+          <a:stretch>
+            <a:fillRect/>
+          </a:stretch>
+        </p:blipFill>
+        <p:spPr>
+          <a:xfrm>
+            <a:off x="1204597" y="1094275"/>
+            <a:ext cx="7139987" cy="5599675"/>
+          </a:xfrm>
+          <a:prstGeom prst="rect">
+            <a:avLst/>
+          </a:prstGeom>
+        </p:spPr>
+      </p:pic>
+      <p:sp>
+        <p:nvSpPr>
+          <p:cNvPr id="4" name="Title 1"/>
+          <p:cNvSpPr txBox="1">
+            <a:spLocks/>
           </p:cNvSpPr>
-          <p:nvPr>
-            <p:ph type="ctrTitle"/>
-          </p:nvPr>
+          <p:nvPr/>
         </p:nvSpPr>
         <p:spPr>
           <a:xfrm>
             <a:off x="166088" y="120357"/>
-            <a:ext cx="10910746" cy="698793"/>
-          </a:xfrm>
+            <a:ext cx="9755425" cy="698793"/>
+          </a:xfrm>
+          <a:prstGeom prst="rect">
+            <a:avLst/>
+          </a:prstGeom>
         </p:spPr>
         <p:txBody>
           <a:bodyPr>
             <a:noAutofit/>
           </a:bodyPr>
-          <a:lstStyle/>
-          <a:p>
-            <a:pPr algn="l"/>
-            <a:r>
-              <a:rPr lang="en-US" sz="2800" dirty="0"/>
-              <a:t>Aromatic Mountain Technologies (AMT) Basic Requirements Continued</a:t>
-            </a:r>
-          </a:p>
-        </p:txBody>
-      </p:sp>
-      <p:sp>
-        <p:nvSpPr>
-          <p:cNvPr id="3" name="Subtitle 2"/>
-          <p:cNvSpPr>
-            <a:spLocks noGrp="1"/>
-          </p:cNvSpPr>
-          <p:nvPr>
-            <p:ph type="subTitle" idx="1"/>
-          </p:nvPr>
-        </p:nvSpPr>
-        <p:spPr>
-          <a:xfrm>
-            <a:off x="569447" y="819149"/>
-            <a:ext cx="9423247" cy="5953982"/>
-          </a:xfrm>
-        </p:spPr>
-        <p:txBody>
-          <a:bodyPr>
-            <a:normAutofit fontScale="92500" lnSpcReduction="20000"/>
-          </a:bodyPr>
-          <a:lstStyle/>
-          <a:p>
-            <a:pPr marL="342900" indent="-342900" algn="l">
-              <a:buFont typeface="Arial" panose="020B0604020202020204" pitchFamily="34" charset="0"/>
-              <a:buChar char="•"/>
-            </a:pPr>
-            <a:r>
-              <a:rPr lang="en-US" dirty="0"/>
-              <a:t>Project 2 will be a group-based, full-stack application that you will be designing and implementing based on user stories of your own choosing.</a:t>
-            </a:r>
-          </a:p>
-          <a:p>
-            <a:pPr marL="342900" indent="-342900" algn="l">
-              <a:buFont typeface="Arial" panose="020B0604020202020204" pitchFamily="34" charset="0"/>
-              <a:buChar char="•"/>
-            </a:pPr>
-            <a:r>
-              <a:rPr lang="en-US" dirty="0"/>
-              <a:t>Frontend</a:t>
-            </a:r>
-          </a:p>
-          <a:p>
-            <a:pPr marL="800100" lvl="1" indent="-342900" algn="l">
-              <a:buFont typeface="Arial" panose="020B0604020202020204" pitchFamily="34" charset="0"/>
-              <a:buChar char="•"/>
-            </a:pPr>
-            <a:r>
-              <a:rPr lang="en-US" dirty="0"/>
-              <a:t>You </a:t>
-            </a:r>
-            <a:r>
-              <a:rPr lang="en-US" b="1" dirty="0"/>
-              <a:t>should</a:t>
-            </a:r>
-            <a:r>
-              <a:rPr lang="en-US" dirty="0"/>
-              <a:t> be using </a:t>
-            </a:r>
-            <a:r>
-              <a:rPr lang="en-US" b="1" dirty="0"/>
-              <a:t>Angular</a:t>
-            </a:r>
-            <a:endParaRPr lang="en-US" dirty="0"/>
-          </a:p>
-          <a:p>
-            <a:pPr marL="800100" lvl="1" indent="-342900" algn="l">
-              <a:buFont typeface="Arial" panose="020B0604020202020204" pitchFamily="34" charset="0"/>
-              <a:buChar char="•"/>
-            </a:pPr>
-            <a:r>
-              <a:rPr lang="en-US" dirty="0"/>
-              <a:t>You </a:t>
-            </a:r>
-            <a:r>
-              <a:rPr lang="en-US" b="1" dirty="0"/>
-              <a:t>must</a:t>
-            </a:r>
-            <a:r>
-              <a:rPr lang="en-US" dirty="0"/>
-              <a:t> consume your RESTful API backend</a:t>
-            </a:r>
-          </a:p>
-          <a:p>
-            <a:pPr marL="800100" lvl="1" indent="-342900" algn="l">
-              <a:buFont typeface="Arial" panose="020B0604020202020204" pitchFamily="34" charset="0"/>
-              <a:buChar char="•"/>
-            </a:pPr>
-            <a:r>
-              <a:rPr lang="en-US" b="1" dirty="0"/>
-              <a:t>You must also consume a second, external REST API</a:t>
-            </a:r>
-            <a:endParaRPr lang="en-US" dirty="0"/>
-          </a:p>
-          <a:p>
-            <a:pPr marL="1200150" lvl="2" indent="-285750" algn="l">
-              <a:buFont typeface="Arial" panose="020B0604020202020204" pitchFamily="34" charset="0"/>
-              <a:buChar char="•"/>
-            </a:pPr>
-            <a:r>
-              <a:rPr lang="en-US" dirty="0"/>
-              <a:t>Please make sure the API you want to use is free and working</a:t>
-            </a:r>
-          </a:p>
-          <a:p>
-            <a:pPr marL="1200150" lvl="2" indent="-285750" algn="l">
-              <a:buFont typeface="Arial" panose="020B0604020202020204" pitchFamily="34" charset="0"/>
-              <a:buChar char="•"/>
-            </a:pPr>
-            <a:r>
-              <a:rPr lang="en-US" dirty="0"/>
-              <a:t>That way, you do not scramble to revise your project idea when you realize the API either does not work or costs money to use</a:t>
-            </a:r>
-          </a:p>
-          <a:p>
-            <a:pPr marL="342900" indent="-342900" algn="l">
-              <a:buFont typeface="Arial" panose="020B0604020202020204" pitchFamily="34" charset="0"/>
-              <a:buChar char="•"/>
-            </a:pPr>
-            <a:r>
-              <a:rPr lang="en-US" dirty="0"/>
-              <a:t>AWS Deployment (Frontend + Backend)</a:t>
-            </a:r>
-          </a:p>
-          <a:p>
-            <a:pPr marL="800100" lvl="1" indent="-342900" algn="l">
-              <a:buFont typeface="Arial" panose="020B0604020202020204" pitchFamily="34" charset="0"/>
-              <a:buChar char="•"/>
-            </a:pPr>
-            <a:r>
-              <a:rPr lang="en-US" dirty="0"/>
-              <a:t>The frontend and backend </a:t>
-            </a:r>
-            <a:r>
-              <a:rPr lang="en-US" b="1" dirty="0"/>
-              <a:t>should</a:t>
-            </a:r>
-            <a:r>
-              <a:rPr lang="en-US" dirty="0"/>
-              <a:t> be deployed on your EC2 instance</a:t>
-            </a:r>
-          </a:p>
-          <a:p>
-            <a:pPr marL="800100" lvl="1" indent="-342900" algn="l">
-              <a:buFont typeface="Arial" panose="020B0604020202020204" pitchFamily="34" charset="0"/>
-              <a:buChar char="•"/>
-            </a:pPr>
-            <a:r>
-              <a:rPr lang="en-US" dirty="0"/>
-              <a:t>You can utilize the Tomcat server that you set-up on your EC2 to host your backend Spring Framework application</a:t>
-            </a:r>
-          </a:p>
-          <a:p>
-            <a:pPr marL="800100" lvl="1" indent="-342900" algn="l">
-              <a:buFont typeface="Arial" panose="020B0604020202020204" pitchFamily="34" charset="0"/>
-              <a:buChar char="•"/>
-            </a:pPr>
-            <a:r>
-              <a:rPr lang="en-US" dirty="0"/>
-              <a:t>You can also deploy static files (.html, .</a:t>
-            </a:r>
-            <a:r>
-              <a:rPr lang="en-US" dirty="0" err="1"/>
-              <a:t>js</a:t>
-            </a:r>
-            <a:r>
-              <a:rPr lang="en-US" dirty="0"/>
-              <a:t>) containing your Angular frontend through Tomcat as well</a:t>
-            </a:r>
-          </a:p>
-          <a:p>
-            <a:pPr marL="342900" indent="-342900" algn="l">
-              <a:buFont typeface="Arial" panose="020B0604020202020204" pitchFamily="34" charset="0"/>
-              <a:buChar char="•"/>
-            </a:pPr>
-            <a:r>
-              <a:rPr lang="en-US" dirty="0"/>
-              <a:t>DevOps Pipeline</a:t>
-            </a:r>
-          </a:p>
-          <a:p>
-            <a:pPr marL="800100" lvl="1" indent="-342900" algn="l">
-              <a:buFont typeface="Arial" panose="020B0604020202020204" pitchFamily="34" charset="0"/>
-              <a:buChar char="•"/>
-            </a:pPr>
-            <a:r>
-              <a:rPr lang="en-US" dirty="0"/>
-              <a:t>This requirement should likely be saved towards the end, when you have already finished the other requirements</a:t>
-            </a:r>
-          </a:p>
-          <a:p>
-            <a:pPr marL="800100" lvl="1" indent="-342900" algn="l">
-              <a:buFont typeface="Arial" panose="020B0604020202020204" pitchFamily="34" charset="0"/>
-              <a:buChar char="•"/>
-            </a:pPr>
-            <a:r>
-              <a:rPr lang="en-US" dirty="0"/>
-              <a:t>You should have a </a:t>
-            </a:r>
-            <a:r>
-              <a:rPr lang="en-US" b="1" dirty="0"/>
-              <a:t>Jenkins</a:t>
-            </a:r>
-            <a:r>
-              <a:rPr lang="en-US" dirty="0"/>
-              <a:t> pipeline set-up for automated building and deployment of your backend</a:t>
-            </a:r>
-          </a:p>
-          <a:p>
-            <a:pPr marL="800100" lvl="1" indent="-342900" algn="l">
-              <a:buFont typeface="Arial" panose="020B0604020202020204" pitchFamily="34" charset="0"/>
-              <a:buChar char="•"/>
-            </a:pPr>
-            <a:r>
-              <a:rPr lang="en-US" dirty="0"/>
-              <a:t>You can also choose to do the same for your frontend</a:t>
-            </a:r>
-          </a:p>
-          <a:p>
-            <a:pPr marL="342900" indent="-342900" algn="l">
-              <a:buFont typeface="Arial" panose="020B0604020202020204" pitchFamily="34" charset="0"/>
-              <a:buChar char="•"/>
-            </a:pPr>
-            <a:endParaRPr lang="en-US" dirty="0"/>
+          <a:lstStyle>
+            <a:lvl1pPr algn="l" defTabSz="914400" rtl="0" eaLnBrk="1" latinLnBrk="0" hangingPunct="1">
+              <a:lnSpc>
+                <a:spcPct val="90000"/>
+              </a:lnSpc>
+              <a:spcBef>
+                <a:spcPct val="0"/>
+              </a:spcBef>
+              <a:buNone/>
+              <a:defRPr sz="4400" kern="1200">
+                <a:solidFill>
+                  <a:schemeClr val="tx1"/>
+                </a:solidFill>
+                <a:latin typeface="+mj-lt"/>
+                <a:ea typeface="+mj-ea"/>
+                <a:cs typeface="+mj-cs"/>
+              </a:defRPr>
+            </a:lvl1pPr>
+          </a:lstStyle>
+          <a:p>
+            <a:r>
+              <a:rPr lang="en-US" sz="2800" dirty="0" smtClean="0"/>
+              <a:t>Aromatic Mountain Technologies (AMT) Physical Data Model</a:t>
+            </a:r>
+            <a:endParaRPr lang="en-US" sz="2800" dirty="0"/>
           </a:p>
         </p:txBody>
       </p:sp>
     </p:spTree>
     <p:extLst>
       <p:ext uri="{BB962C8B-B14F-4D97-AF65-F5344CB8AC3E}">
-        <p14:creationId xmlns:p14="http://schemas.microsoft.com/office/powerpoint/2010/main" val="1305640323"/>
+        <p14:creationId xmlns:p14="http://schemas.microsoft.com/office/powerpoint/2010/main" val="1811668767"/>
       </p:ext>
     </p:extLst>
   </p:cSld>
@@ -4562,7 +6460,7 @@
         <p:spPr>
           <a:xfrm>
             <a:off x="166088" y="120357"/>
-            <a:ext cx="11419962" cy="698793"/>
+            <a:ext cx="9755425" cy="698793"/>
           </a:xfrm>
         </p:spPr>
         <p:txBody>
@@ -4573,9 +6471,14 @@
           <a:p>
             <a:pPr algn="l"/>
             <a:r>
-              <a:rPr lang="en-US" sz="2800" dirty="0"/>
-              <a:t>Aromatic Mountain Technologies (AMT) Basic Requirements Continued</a:t>
-            </a:r>
+              <a:rPr lang="en-US" sz="3600" dirty="0"/>
+              <a:t>Aromatic Mountain Technologies (AMT</a:t>
+            </a:r>
+            <a:r>
+              <a:rPr lang="en-US" sz="3600" dirty="0" smtClean="0"/>
+              <a:t>) Summary</a:t>
+            </a:r>
+            <a:endParaRPr lang="en-US" sz="3600" dirty="0"/>
           </a:p>
         </p:txBody>
       </p:sp>
@@ -4597,7 +6500,7 @@
         </p:spPr>
         <p:txBody>
           <a:bodyPr>
-            <a:normAutofit lnSpcReduction="10000"/>
+            <a:normAutofit/>
           </a:bodyPr>
           <a:lstStyle/>
           <a:p>
@@ -4606,8 +6509,16 @@
               <a:buChar char="•"/>
             </a:pPr>
             <a:r>
-              <a:rPr lang="en-US" b="1" dirty="0"/>
-              <a:t>Steps Each Team Should Complete</a:t>
+              <a:rPr lang="en-US" dirty="0" smtClean="0"/>
+              <a:t>Started with a </a:t>
+            </a:r>
+            <a:r>
+              <a:rPr lang="en-US" dirty="0" err="1" smtClean="0"/>
+              <a:t>Javalin</a:t>
+            </a:r>
+            <a:r>
+              <a:rPr lang="en-US" dirty="0" smtClean="0"/>
+              <a:t> version of AMT</a:t>
             </a:r>
           </a:p>
           <a:p>
@@ -4616,8 +6527,36 @@
               <a:buChar char="•"/>
             </a:pPr>
             <a:r>
-              <a:rPr lang="en-US" dirty="0"/>
-              <a:t>As a team, you must</a:t>
+              <a:rPr lang="en-US" dirty="0" smtClean="0"/>
+              <a:t>Using a deployed database on AWS RDB</a:t>
+            </a:r>
+          </a:p>
+          <a:p>
+            <a:pPr marL="342900" indent="-342900" algn="l">
+              <a:buFont typeface="Arial" panose="020B0604020202020204" pitchFamily="34" charset="0"/>
+              <a:buChar char="•"/>
+            </a:pPr>
+            <a:r>
+              <a:rPr lang="en-US" dirty="0" smtClean="0"/>
+              <a:t>Progressed to an IDE AMT-MVC </a:t>
+            </a:r>
+            <a:r>
+              <a:rPr lang="en-US" dirty="0" err="1" smtClean="0"/>
+              <a:t>Springframe</a:t>
+            </a:r>
+            <a:r>
+              <a:rPr lang="en-US" dirty="0" smtClean="0"/>
+              <a:t> on Tomcat in the IDE</a:t>
+            </a:r>
+          </a:p>
+          <a:p>
+            <a:pPr marL="342900" indent="-342900" algn="l">
+              <a:buFont typeface="Arial" panose="020B0604020202020204" pitchFamily="34" charset="0"/>
+              <a:buChar char="•"/>
+            </a:pPr>
+            <a:r>
+              <a:rPr lang="en-US" dirty="0" smtClean="0"/>
+              <a:t>Installed localhost version of Tomcat all Postman tests passed</a:t>
             </a:r>
           </a:p>
           <a:p>
@@ -4626,8 +6565,56 @@
               <a:buChar char="•"/>
             </a:pPr>
             <a:r>
-              <a:rPr lang="en-US" b="1" dirty="0"/>
-              <a:t>Decide a project idea to design and implement</a:t>
+              <a:rPr lang="en-US" dirty="0" smtClean="0"/>
+              <a:t>This morning issue with localhost version of Tomcat</a:t>
+            </a:r>
+          </a:p>
+          <a:p>
+            <a:pPr marL="1257300" lvl="2" indent="-342900" algn="l">
+              <a:buFont typeface="Arial" panose="020B0604020202020204" pitchFamily="34" charset="0"/>
+              <a:buChar char="•"/>
+            </a:pPr>
+            <a:r>
+              <a:rPr lang="en-US" dirty="0" smtClean="0"/>
+              <a:t>First it complained about a semi-colon in the CATALINA_HOME variable</a:t>
+            </a:r>
+          </a:p>
+          <a:p>
+            <a:pPr marL="1257300" lvl="2" indent="-342900" algn="l">
+              <a:buFont typeface="Arial" panose="020B0604020202020204" pitchFamily="34" charset="0"/>
+              <a:buChar char="•"/>
+            </a:pPr>
+            <a:r>
+              <a:rPr lang="en-US" dirty="0" smtClean="0"/>
+              <a:t>Once resolved would not actually bring up the web app</a:t>
+            </a:r>
+          </a:p>
+          <a:p>
+            <a:pPr marL="1257300" lvl="2" indent="-342900" algn="l">
+              <a:buFont typeface="Arial" panose="020B0604020202020204" pitchFamily="34" charset="0"/>
+              <a:buChar char="•"/>
+            </a:pPr>
+            <a:r>
+              <a:rPr lang="en-US" dirty="0" smtClean="0"/>
+              <a:t>Discovered the issue was using Linux .</a:t>
+            </a:r>
+            <a:r>
+              <a:rPr lang="en-US" dirty="0" err="1" smtClean="0"/>
+              <a:t>sh</a:t>
+            </a:r>
+            <a:r>
+              <a:rPr lang="en-US" dirty="0" smtClean="0"/>
+              <a:t> and not Window .bat files</a:t>
+            </a:r>
+          </a:p>
+          <a:p>
+            <a:pPr marL="342900" indent="-342900" algn="l">
+              <a:buFont typeface="Arial" panose="020B0604020202020204" pitchFamily="34" charset="0"/>
+              <a:buChar char="•"/>
+            </a:pPr>
+            <a:r>
+              <a:rPr lang="en-US" dirty="0" smtClean="0"/>
+              <a:t>Built EC2 instance installing Tomcat and a working version of AMT-MVC</a:t>
             </a:r>
           </a:p>
           <a:p>
@@ -4636,12 +6623,24 @@
               <a:buChar char="•"/>
             </a:pPr>
             <a:r>
-              <a:rPr lang="en-US" b="1" dirty="0"/>
-              <a:t>Have a name for your project </a:t>
-            </a:r>
-            <a:r>
-              <a:rPr lang="en-US" dirty="0"/>
-              <a:t>(very important for your portfolio, be creative with your project name)</a:t>
+              <a:rPr lang="en-US" dirty="0" smtClean="0"/>
+              <a:t>Encountered </a:t>
+            </a:r>
+            <a:r>
+              <a:rPr lang="en-US" dirty="0" err="1" smtClean="0"/>
+              <a:t>cors</a:t>
+            </a:r>
+            <a:r>
+              <a:rPr lang="en-US" dirty="0" smtClean="0"/>
+              <a:t> issue with the EC2 </a:t>
+            </a:r>
+            <a:r>
+              <a:rPr lang="en-US" dirty="0" err="1" smtClean="0"/>
+              <a:t>amt-mvc</a:t>
+            </a:r>
+            <a:r>
+              <a:rPr lang="en-US" dirty="0" smtClean="0"/>
+              <a:t> program</a:t>
             </a:r>
           </a:p>
           <a:p>
@@ -4650,12 +6649,20 @@
               <a:buChar char="•"/>
             </a:pPr>
             <a:r>
-              <a:rPr lang="en-US" b="1" dirty="0"/>
-              <a:t>Have a team name </a:t>
-            </a:r>
-            <a:r>
               <a:rPr lang="en-US" dirty="0"/>
-              <a:t>(be creative with this one as well)</a:t>
+              <a:t>@</a:t>
+            </a:r>
+            <a:r>
+              <a:rPr lang="en-US" dirty="0" err="1"/>
+              <a:t>CrossOrigin</a:t>
+            </a:r>
+            <a:r>
+              <a:rPr lang="en-US" dirty="0"/>
+              <a:t>("http://localhost:4201</a:t>
+            </a:r>
+            <a:r>
+              <a:rPr lang="en-US" dirty="0" smtClean="0"/>
+              <a:t>") still using localhost</a:t>
             </a:r>
           </a:p>
           <a:p>
@@ -4664,12 +6671,40 @@
               <a:buChar char="•"/>
             </a:pPr>
             <a:r>
-              <a:rPr lang="en-US" b="1" dirty="0"/>
-              <a:t>Have a description of the Project </a:t>
+              <a:rPr lang="en-US" dirty="0" smtClean="0"/>
+              <a:t>Changed to </a:t>
             </a:r>
             <a:r>
               <a:rPr lang="en-US" dirty="0"/>
-              <a:t>(very important for your portfolio)</a:t>
+              <a:t>@</a:t>
+            </a:r>
+            <a:r>
+              <a:rPr lang="en-US" dirty="0" err="1"/>
+              <a:t>CrossOrigin</a:t>
+            </a:r>
+            <a:r>
+              <a:rPr lang="en-US" dirty="0"/>
+              <a:t>(</a:t>
+            </a:r>
+            <a:r>
+              <a:rPr lang="en-US" dirty="0" err="1"/>
+              <a:t>originPatterns</a:t>
+            </a:r>
+            <a:r>
+              <a:rPr lang="en-US" dirty="0"/>
+              <a:t> = "*", </a:t>
+            </a:r>
+            <a:r>
+              <a:rPr lang="en-US" dirty="0" err="1"/>
+              <a:t>allowCredentials</a:t>
+            </a:r>
+            <a:r>
+              <a:rPr lang="en-US" dirty="0"/>
+              <a:t> = "true</a:t>
+            </a:r>
+            <a:r>
+              <a:rPr lang="en-US" dirty="0" smtClean="0"/>
+              <a:t>")</a:t>
             </a:r>
           </a:p>
           <a:p>
@@ -4678,68 +6713,36 @@
               <a:buChar char="•"/>
             </a:pPr>
             <a:r>
-              <a:rPr lang="en-US" dirty="0"/>
-              <a:t>Professionally worded and phrased</a:t>
-            </a:r>
-          </a:p>
-          <a:p>
-            <a:pPr marL="800100" lvl="1" indent="-342900" algn="l">
+              <a:rPr lang="en-US" dirty="0" smtClean="0"/>
+              <a:t>Redeployed on EC2.</a:t>
+            </a:r>
+          </a:p>
+          <a:p>
+            <a:pPr marL="1257300" lvl="2" indent="-342900" algn="l">
               <a:buFont typeface="Arial" panose="020B0604020202020204" pitchFamily="34" charset="0"/>
               <a:buChar char="•"/>
             </a:pPr>
             <a:r>
               <a:rPr lang="en-US" dirty="0"/>
-              <a:t>Have several </a:t>
-            </a:r>
-            <a:r>
-              <a:rPr lang="en-US" b="1" dirty="0"/>
-              <a:t>user stories </a:t>
-            </a:r>
-            <a:r>
-              <a:rPr lang="en-US" dirty="0"/>
-              <a:t>in the format we have described when talking about agile/scrum</a:t>
-            </a:r>
-          </a:p>
-          <a:p>
-            <a:pPr marL="800100" lvl="1" indent="-342900" algn="l">
+              <a:t>D</a:t>
+            </a:r>
+            <a:r>
+              <a:rPr lang="en-US" dirty="0" smtClean="0"/>
+              <a:t>id not resolve the issue, tried other patterns</a:t>
+            </a:r>
+          </a:p>
+          <a:p>
+            <a:pPr marL="1257300" lvl="2" indent="-342900" algn="l">
               <a:buFont typeface="Arial" panose="020B0604020202020204" pitchFamily="34" charset="0"/>
               <a:buChar char="•"/>
             </a:pPr>
             <a:r>
-              <a:rPr lang="en-US" dirty="0"/>
-              <a:t>A list of the technologies you will be using (should be utilizing all of the technologies we have learned (minus </a:t>
-            </a:r>
-            <a:r>
-              <a:rPr lang="en-US" dirty="0" err="1"/>
-              <a:t>Javalin</a:t>
-            </a:r>
-            <a:r>
-              <a:rPr lang="en-US" dirty="0"/>
-              <a:t>), but it is best to rearticulate this so that you can really drive in the point)</a:t>
-            </a:r>
-          </a:p>
-          <a:p>
-            <a:pPr marL="800100" lvl="1" indent="-342900" algn="l">
-              <a:buFont typeface="Arial" panose="020B0604020202020204" pitchFamily="34" charset="0"/>
-              <a:buChar char="•"/>
-            </a:pPr>
-            <a:r>
-              <a:rPr lang="en-US" b="1" dirty="0"/>
-              <a:t>Please create a document containing all of the above information and have one person from the team email it to me</a:t>
-            </a:r>
-            <a:r>
-              <a:rPr lang="en-US" dirty="0"/>
-              <a:t>. After that point, there will be time to meet me in a breakout so that I can confirm and give the all clear for your project.</a:t>
-            </a:r>
-          </a:p>
-          <a:p>
-            <a:pPr marL="800100" lvl="1" indent="-342900" algn="l">
-              <a:buFont typeface="Arial" panose="020B0604020202020204" pitchFamily="34" charset="0"/>
-              <a:buChar char="•"/>
-            </a:pPr>
-            <a:r>
-              <a:rPr lang="en-US" dirty="0"/>
-              <a:t>The sooner the above steps are completed, the sooner you can start with the project.</a:t>
+              <a:rPr lang="en-US" dirty="0" smtClean="0"/>
+              <a:t>Eventually corrupted Tomcat on </a:t>
+            </a:r>
+            <a:r>
+              <a:rPr lang="en-US" dirty="0" smtClean="0"/>
+              <a:t>EC2</a:t>
             </a:r>
           </a:p>
           <a:p>
@@ -4748,19 +6751,10 @@
               <a:buChar char="•"/>
             </a:pPr>
             <a:r>
-              <a:rPr lang="en-US" b="1" dirty="0"/>
-              <a:t>Project Due Date</a:t>
-            </a:r>
-          </a:p>
-          <a:p>
-            <a:pPr marL="800100" lvl="1" indent="-342900" algn="l">
-              <a:buFont typeface="Arial" panose="020B0604020202020204" pitchFamily="34" charset="0"/>
-              <a:buChar char="•"/>
-            </a:pPr>
-            <a:r>
-              <a:rPr lang="en-US" dirty="0"/>
-              <a:t>September 13th, 2021</a:t>
-            </a:r>
+              <a:rPr lang="en-US" dirty="0" smtClean="0"/>
+              <a:t>Angular learning curve</a:t>
+            </a:r>
+            <a:endParaRPr lang="en-US" dirty="0" smtClean="0"/>
           </a:p>
           <a:p>
             <a:pPr marL="342900" indent="-342900" algn="l">
@@ -4770,2834 +6764,22 @@
             <a:endParaRPr lang="en-US" dirty="0"/>
           </a:p>
           <a:p>
+            <a:pPr marL="800100" lvl="1" indent="-342900" algn="l">
+              <a:buFont typeface="Arial" panose="020B0604020202020204" pitchFamily="34" charset="0"/>
+              <a:buChar char="•"/>
+            </a:pPr>
+            <a:endParaRPr lang="en-US" dirty="0"/>
+          </a:p>
+          <a:p>
             <a:pPr marL="342900" indent="-342900" algn="l">
               <a:buFont typeface="Arial" panose="020B0604020202020204" pitchFamily="34" charset="0"/>
               <a:buChar char="•"/>
             </a:pPr>
             <a:endParaRPr lang="en-US" dirty="0"/>
           </a:p>
-        </p:txBody>
-      </p:sp>
-    </p:spTree>
-    <p:extLst>
-      <p:ext uri="{BB962C8B-B14F-4D97-AF65-F5344CB8AC3E}">
-        <p14:creationId xmlns:p14="http://schemas.microsoft.com/office/powerpoint/2010/main" val="1222964998"/>
-      </p:ext>
-    </p:extLst>
-  </p:cSld>
-  <p:clrMapOvr>
-    <a:masterClrMapping/>
-  </p:clrMapOvr>
-</p:sld>
-</file>
-
-<file path=ppt/slides/slide6.xml><?xml version="1.0" encoding="utf-8"?>
-<p:sld xmlns:a="http://schemas.openxmlformats.org/drawingml/2006/main" xmlns:r="http://schemas.openxmlformats.org/officeDocument/2006/relationships" xmlns:p="http://schemas.openxmlformats.org/presentationml/2006/main">
-  <p:cSld>
-    <p:bg>
-      <p:bgPr>
-        <a:solidFill>
-          <a:schemeClr val="bg1"/>
-        </a:solidFill>
-        <a:effectLst/>
-      </p:bgPr>
-    </p:bg>
-    <p:spTree>
-      <p:nvGrpSpPr>
-        <p:cNvPr id="1" name=""/>
-        <p:cNvGrpSpPr/>
-        <p:nvPr/>
-      </p:nvGrpSpPr>
-      <p:grpSpPr>
-        <a:xfrm>
-          <a:off x="0" y="0"/>
-          <a:ext cx="0" cy="0"/>
-          <a:chOff x="0" y="0"/>
-          <a:chExt cx="0" cy="0"/>
-        </a:xfrm>
-      </p:grpSpPr>
-      <p:sp>
-        <p:nvSpPr>
-          <p:cNvPr id="7" name="Title 1"/>
-          <p:cNvSpPr txBox="1">
-            <a:spLocks/>
-          </p:cNvSpPr>
-          <p:nvPr/>
-        </p:nvSpPr>
-        <p:spPr>
-          <a:xfrm>
-            <a:off x="838200" y="171162"/>
-            <a:ext cx="2840182" cy="2371148"/>
-          </a:xfrm>
-          <a:prstGeom prst="rect">
-            <a:avLst/>
-          </a:prstGeom>
-        </p:spPr>
-        <p:txBody>
-          <a:bodyPr vert="horz" lIns="91440" tIns="45720" rIns="91440" bIns="45720" rtlCol="0" anchor="ctr">
-            <a:normAutofit/>
-          </a:bodyPr>
-          <a:lstStyle>
-            <a:lvl1pPr algn="l" defTabSz="914400" rtl="0" eaLnBrk="1" latinLnBrk="0" hangingPunct="1">
-              <a:lnSpc>
-                <a:spcPct val="90000"/>
-              </a:lnSpc>
-              <a:spcBef>
-                <a:spcPct val="0"/>
-              </a:spcBef>
-              <a:buNone/>
-              <a:defRPr sz="4400" kern="1200">
-                <a:solidFill>
-                  <a:schemeClr val="tx1"/>
-                </a:solidFill>
-                <a:latin typeface="+mj-lt"/>
-                <a:ea typeface="+mj-ea"/>
-                <a:cs typeface="+mj-cs"/>
-              </a:defRPr>
-            </a:lvl1pPr>
-          </a:lstStyle>
-          <a:p>
-            <a:pPr>
-              <a:spcAft>
-                <a:spcPts val="600"/>
-              </a:spcAft>
-            </a:pPr>
-            <a:r>
-              <a:rPr lang="en-US" sz="3200" kern="1200">
-                <a:solidFill>
-                  <a:srgbClr val="FFFFFF"/>
-                </a:solidFill>
-                <a:latin typeface="+mj-lt"/>
-                <a:ea typeface="+mj-ea"/>
-                <a:cs typeface="+mj-cs"/>
-              </a:rPr>
-              <a:t>AMT Preliminary Data Model</a:t>
-            </a:r>
-          </a:p>
-        </p:txBody>
-      </p:sp>
-      <p:pic>
-        <p:nvPicPr>
-          <p:cNvPr id="6" name="Picture 5" descr="Diagram&#10;&#10;Description automatically generated">
-            <a:extLst>
-              <a:ext uri="{FF2B5EF4-FFF2-40B4-BE49-F238E27FC236}">
-                <a16:creationId xmlns:a16="http://schemas.microsoft.com/office/drawing/2014/main" id="{2240CCAE-7096-461B-89B9-44FA286898DB}"/>
-              </a:ext>
-            </a:extLst>
-          </p:cNvPr>
-          <p:cNvPicPr>
-            <a:picLocks noChangeAspect="1"/>
-          </p:cNvPicPr>
-          <p:nvPr/>
-        </p:nvPicPr>
-        <p:blipFill>
-          <a:blip r:embed="rId2"/>
-          <a:stretch>
-            <a:fillRect/>
-          </a:stretch>
-        </p:blipFill>
-        <p:spPr>
-          <a:xfrm>
-            <a:off x="838200" y="102151"/>
-            <a:ext cx="8469702" cy="6627541"/>
-          </a:xfrm>
-          <a:prstGeom prst="rect">
-            <a:avLst/>
-          </a:prstGeom>
-        </p:spPr>
-      </p:pic>
-    </p:spTree>
-    <p:extLst>
-      <p:ext uri="{BB962C8B-B14F-4D97-AF65-F5344CB8AC3E}">
-        <p14:creationId xmlns:p14="http://schemas.microsoft.com/office/powerpoint/2010/main" val="806997856"/>
-      </p:ext>
-    </p:extLst>
-  </p:cSld>
-  <p:clrMapOvr>
-    <a:masterClrMapping/>
-  </p:clrMapOvr>
-</p:sld>
-</file>
-
-<file path=ppt/slides/slide7.xml><?xml version="1.0" encoding="utf-8"?>
-<p:sld xmlns:a="http://schemas.openxmlformats.org/drawingml/2006/main" xmlns:r="http://schemas.openxmlformats.org/officeDocument/2006/relationships" xmlns:p="http://schemas.openxmlformats.org/presentationml/2006/main">
-  <p:cSld>
-    <p:spTree>
-      <p:nvGrpSpPr>
-        <p:cNvPr id="1" name=""/>
-        <p:cNvGrpSpPr/>
-        <p:nvPr/>
-      </p:nvGrpSpPr>
-      <p:grpSpPr>
-        <a:xfrm>
-          <a:off x="0" y="0"/>
-          <a:ext cx="0" cy="0"/>
-          <a:chOff x="0" y="0"/>
-          <a:chExt cx="0" cy="0"/>
-        </a:xfrm>
-      </p:grpSpPr>
-      <p:pic>
-        <p:nvPicPr>
-          <p:cNvPr id="3" name="Picture 2">
-            <a:extLst>
-              <a:ext uri="{FF2B5EF4-FFF2-40B4-BE49-F238E27FC236}">
-                <a16:creationId xmlns:a16="http://schemas.microsoft.com/office/drawing/2014/main" id="{BCACFD1F-11E8-40B5-B568-577D22A77F87}"/>
-              </a:ext>
-            </a:extLst>
-          </p:cNvPr>
-          <p:cNvPicPr>
-            <a:picLocks noChangeAspect="1"/>
-          </p:cNvPicPr>
-          <p:nvPr/>
-        </p:nvPicPr>
-        <p:blipFill>
-          <a:blip r:embed="rId2"/>
-          <a:stretch>
-            <a:fillRect/>
-          </a:stretch>
-        </p:blipFill>
-        <p:spPr>
-          <a:xfrm>
-            <a:off x="1857375" y="104775"/>
-            <a:ext cx="8477250" cy="6648450"/>
-          </a:xfrm>
-          <a:prstGeom prst="rect">
-            <a:avLst/>
-          </a:prstGeom>
-        </p:spPr>
-      </p:pic>
-    </p:spTree>
-    <p:extLst>
-      <p:ext uri="{BB962C8B-B14F-4D97-AF65-F5344CB8AC3E}">
-        <p14:creationId xmlns:p14="http://schemas.microsoft.com/office/powerpoint/2010/main" val="1811668767"/>
-      </p:ext>
-    </p:extLst>
-  </p:cSld>
-  <p:clrMapOvr>
-    <a:masterClrMapping/>
-  </p:clrMapOvr>
-</p:sld>
-</file>
-
-<file path=ppt/slides/slide8.xml><?xml version="1.0" encoding="utf-8"?>
-<p:sld xmlns:a="http://schemas.openxmlformats.org/drawingml/2006/main" xmlns:r="http://schemas.openxmlformats.org/officeDocument/2006/relationships" xmlns:p="http://schemas.openxmlformats.org/presentationml/2006/main">
-  <p:cSld>
-    <p:spTree>
-      <p:nvGrpSpPr>
-        <p:cNvPr id="1" name=""/>
-        <p:cNvGrpSpPr/>
-        <p:nvPr/>
-      </p:nvGrpSpPr>
-      <p:grpSpPr>
-        <a:xfrm>
-          <a:off x="0" y="0"/>
-          <a:ext cx="0" cy="0"/>
-          <a:chOff x="0" y="0"/>
-          <a:chExt cx="0" cy="0"/>
-        </a:xfrm>
-      </p:grpSpPr>
-      <p:sp>
-        <p:nvSpPr>
-          <p:cNvPr id="89" name="Rectangle 88">
-            <a:extLst>
-              <a:ext uri="{FF2B5EF4-FFF2-40B4-BE49-F238E27FC236}">
-                <a16:creationId xmlns:a16="http://schemas.microsoft.com/office/drawing/2014/main" id="{EED827AB-78FC-41AC-8676-30DA25D7C5FC}"/>
-              </a:ext>
-            </a:extLst>
-          </p:cNvPr>
-          <p:cNvSpPr/>
-          <p:nvPr/>
-        </p:nvSpPr>
-        <p:spPr>
-          <a:xfrm>
-            <a:off x="7544214" y="3326408"/>
-            <a:ext cx="1494797" cy="991056"/>
-          </a:xfrm>
-          <a:prstGeom prst="rect">
-            <a:avLst/>
-          </a:prstGeom>
-          <a:solidFill>
-            <a:schemeClr val="accent6"/>
-          </a:solidFill>
-        </p:spPr>
-        <p:style>
-          <a:lnRef idx="2">
-            <a:schemeClr val="accent1">
-              <a:shade val="50000"/>
-            </a:schemeClr>
-          </a:lnRef>
-          <a:fillRef idx="1">
-            <a:schemeClr val="accent1"/>
-          </a:fillRef>
-          <a:effectRef idx="0">
-            <a:schemeClr val="accent1"/>
-          </a:effectRef>
-          <a:fontRef idx="minor">
-            <a:schemeClr val="lt1"/>
-          </a:fontRef>
-        </p:style>
-        <p:txBody>
-          <a:bodyPr rtlCol="0" anchor="ctr"/>
-          <a:lstStyle/>
-          <a:p>
-            <a:pPr algn="ctr"/>
-            <a:r>
-              <a:rPr lang="en-US" sz="1000" dirty="0"/>
-              <a:t>com.tlw8253.dto</a:t>
-            </a:r>
-          </a:p>
-          <a:p>
-            <a:pPr algn="ctr"/>
-            <a:r>
-              <a:rPr lang="en-US" sz="1200" dirty="0"/>
-              <a:t>Data Transfer Object</a:t>
-            </a:r>
-          </a:p>
-          <a:p>
-            <a:pPr algn="ctr"/>
-            <a:r>
-              <a:rPr lang="en-US" dirty="0"/>
-              <a:t>&lt;Tn&gt;DTO</a:t>
-            </a:r>
-          </a:p>
-          <a:p>
-            <a:pPr algn="ctr"/>
-            <a:r>
-              <a:rPr lang="en-US" sz="1200" dirty="0"/>
-              <a:t>&lt;Tn&gt;</a:t>
-            </a:r>
-            <a:r>
-              <a:rPr lang="en-US" sz="1200" dirty="0" err="1"/>
-              <a:t>AddOrEditDTO</a:t>
-            </a:r>
-            <a:endParaRPr lang="en-US" sz="1200" dirty="0"/>
-          </a:p>
-        </p:txBody>
-      </p:sp>
-      <p:sp>
-        <p:nvSpPr>
-          <p:cNvPr id="62" name="Rectangle 61">
-            <a:extLst>
-              <a:ext uri="{FF2B5EF4-FFF2-40B4-BE49-F238E27FC236}">
-                <a16:creationId xmlns:a16="http://schemas.microsoft.com/office/drawing/2014/main" id="{C3FE7107-D2B1-4448-B03A-F2CE9B45CFD6}"/>
-              </a:ext>
-            </a:extLst>
-          </p:cNvPr>
-          <p:cNvSpPr/>
-          <p:nvPr/>
-        </p:nvSpPr>
-        <p:spPr>
-          <a:xfrm>
-            <a:off x="4733154" y="2531096"/>
-            <a:ext cx="1589922" cy="991056"/>
-          </a:xfrm>
-          <a:prstGeom prst="rect">
-            <a:avLst/>
-          </a:prstGeom>
-          <a:solidFill>
-            <a:schemeClr val="accent6"/>
-          </a:solidFill>
-        </p:spPr>
-        <p:style>
-          <a:lnRef idx="2">
-            <a:schemeClr val="accent1">
-              <a:shade val="50000"/>
-            </a:schemeClr>
-          </a:lnRef>
-          <a:fillRef idx="1">
-            <a:schemeClr val="accent1"/>
-          </a:fillRef>
-          <a:effectRef idx="0">
-            <a:schemeClr val="accent1"/>
-          </a:effectRef>
-          <a:fontRef idx="minor">
-            <a:schemeClr val="lt1"/>
-          </a:fontRef>
-        </p:style>
-        <p:txBody>
-          <a:bodyPr rtlCol="0" anchor="ctr"/>
-          <a:lstStyle/>
-          <a:p>
-            <a:pPr algn="ctr"/>
-            <a:r>
-              <a:rPr lang="en-US" sz="1000" dirty="0"/>
-              <a:t>com.tlw8253.dao</a:t>
-            </a:r>
-          </a:p>
-          <a:p>
-            <a:pPr algn="ctr"/>
-            <a:r>
-              <a:rPr lang="en-US" dirty="0"/>
-              <a:t>&lt;Tn&gt;</a:t>
-            </a:r>
-            <a:r>
-              <a:rPr lang="en-US" dirty="0" err="1"/>
-              <a:t>DAOImpl</a:t>
-            </a:r>
+          <a:p>
+            <a:pPr lvl="1" algn="l"/>
             <a:endParaRPr lang="en-US" dirty="0"/>
-          </a:p>
-        </p:txBody>
-      </p:sp>
-      <p:sp>
-        <p:nvSpPr>
-          <p:cNvPr id="61" name="Rectangle 60">
-            <a:extLst>
-              <a:ext uri="{FF2B5EF4-FFF2-40B4-BE49-F238E27FC236}">
-                <a16:creationId xmlns:a16="http://schemas.microsoft.com/office/drawing/2014/main" id="{2F7B40FD-C5BA-431D-AE99-1CB70F1BAB88}"/>
-              </a:ext>
-            </a:extLst>
-          </p:cNvPr>
-          <p:cNvSpPr/>
-          <p:nvPr/>
-        </p:nvSpPr>
-        <p:spPr>
-          <a:xfrm>
-            <a:off x="8635143" y="972118"/>
-            <a:ext cx="1494797" cy="991056"/>
-          </a:xfrm>
-          <a:prstGeom prst="rect">
-            <a:avLst/>
-          </a:prstGeom>
-          <a:solidFill>
-            <a:schemeClr val="accent6"/>
-          </a:solidFill>
-        </p:spPr>
-        <p:style>
-          <a:lnRef idx="2">
-            <a:schemeClr val="accent1">
-              <a:shade val="50000"/>
-            </a:schemeClr>
-          </a:lnRef>
-          <a:fillRef idx="1">
-            <a:schemeClr val="accent1"/>
-          </a:fillRef>
-          <a:effectRef idx="0">
-            <a:schemeClr val="accent1"/>
-          </a:effectRef>
-          <a:fontRef idx="minor">
-            <a:schemeClr val="lt1"/>
-          </a:fontRef>
-        </p:style>
-        <p:txBody>
-          <a:bodyPr rtlCol="0" anchor="ctr"/>
-          <a:lstStyle/>
-          <a:p>
-            <a:pPr algn="ctr"/>
-            <a:r>
-              <a:rPr lang="en-US" sz="1000" dirty="0"/>
-              <a:t>com.tlw8253.model</a:t>
-            </a:r>
-          </a:p>
-          <a:p>
-            <a:pPr algn="ctr"/>
-            <a:r>
-              <a:rPr lang="en-US" dirty="0"/>
-              <a:t>&lt;Tn&gt;Model</a:t>
-            </a:r>
-          </a:p>
-        </p:txBody>
-      </p:sp>
-      <p:sp>
-        <p:nvSpPr>
-          <p:cNvPr id="60" name="Rectangle 59">
-            <a:extLst>
-              <a:ext uri="{FF2B5EF4-FFF2-40B4-BE49-F238E27FC236}">
-                <a16:creationId xmlns:a16="http://schemas.microsoft.com/office/drawing/2014/main" id="{CF3E4DE9-C6F2-4C11-BE7F-2753CDEFE535}"/>
-              </a:ext>
-            </a:extLst>
-          </p:cNvPr>
-          <p:cNvSpPr/>
-          <p:nvPr/>
-        </p:nvSpPr>
-        <p:spPr>
-          <a:xfrm>
-            <a:off x="7508008" y="5195357"/>
-            <a:ext cx="1678916" cy="991056"/>
-          </a:xfrm>
-          <a:prstGeom prst="rect">
-            <a:avLst/>
-          </a:prstGeom>
-          <a:solidFill>
-            <a:schemeClr val="accent6"/>
-          </a:solidFill>
-        </p:spPr>
-        <p:style>
-          <a:lnRef idx="2">
-            <a:schemeClr val="accent1">
-              <a:shade val="50000"/>
-            </a:schemeClr>
-          </a:lnRef>
-          <a:fillRef idx="1">
-            <a:schemeClr val="accent1"/>
-          </a:fillRef>
-          <a:effectRef idx="0">
-            <a:schemeClr val="accent1"/>
-          </a:effectRef>
-          <a:fontRef idx="minor">
-            <a:schemeClr val="lt1"/>
-          </a:fontRef>
-        </p:style>
-        <p:txBody>
-          <a:bodyPr rtlCol="0" anchor="ctr"/>
-          <a:lstStyle/>
-          <a:p>
-            <a:pPr algn="ctr"/>
-            <a:r>
-              <a:rPr lang="en-US" sz="1000" dirty="0"/>
-              <a:t>com.tlw8253.controller</a:t>
-            </a:r>
-          </a:p>
-          <a:p>
-            <a:pPr algn="ctr"/>
-            <a:r>
-              <a:rPr lang="en-US" dirty="0"/>
-              <a:t>&lt;Tn&gt;Controller</a:t>
-            </a:r>
-          </a:p>
-        </p:txBody>
-      </p:sp>
-      <p:sp>
-        <p:nvSpPr>
-          <p:cNvPr id="36" name="Rectangle 35"/>
-          <p:cNvSpPr/>
-          <p:nvPr/>
-        </p:nvSpPr>
-        <p:spPr>
-          <a:xfrm>
-            <a:off x="4779362" y="4590037"/>
-            <a:ext cx="1519176" cy="991056"/>
-          </a:xfrm>
-          <a:prstGeom prst="rect">
-            <a:avLst/>
-          </a:prstGeom>
-          <a:solidFill>
-            <a:schemeClr val="accent6"/>
-          </a:solidFill>
-        </p:spPr>
-        <p:style>
-          <a:lnRef idx="2">
-            <a:schemeClr val="accent1">
-              <a:shade val="50000"/>
-            </a:schemeClr>
-          </a:lnRef>
-          <a:fillRef idx="1">
-            <a:schemeClr val="accent1"/>
-          </a:fillRef>
-          <a:effectRef idx="0">
-            <a:schemeClr val="accent1"/>
-          </a:effectRef>
-          <a:fontRef idx="minor">
-            <a:schemeClr val="lt1"/>
-          </a:fontRef>
-        </p:style>
-        <p:txBody>
-          <a:bodyPr rtlCol="0" anchor="ctr"/>
-          <a:lstStyle/>
-          <a:p>
-            <a:pPr algn="ctr"/>
-            <a:r>
-              <a:rPr lang="en-US" sz="1000" dirty="0"/>
-              <a:t>com.tlw8253.service</a:t>
-            </a:r>
-          </a:p>
-          <a:p>
-            <a:pPr algn="ctr"/>
-            <a:r>
-              <a:rPr lang="en-US" sz="1600" dirty="0"/>
-              <a:t>&lt;Tn&gt;Service</a:t>
-            </a:r>
-          </a:p>
-        </p:txBody>
-      </p:sp>
-      <p:sp>
-        <p:nvSpPr>
-          <p:cNvPr id="4" name="Rectangle 3"/>
-          <p:cNvSpPr/>
-          <p:nvPr/>
-        </p:nvSpPr>
-        <p:spPr>
-          <a:xfrm>
-            <a:off x="806450" y="754828"/>
-            <a:ext cx="1690400" cy="1169222"/>
-          </a:xfrm>
-          <a:prstGeom prst="rect">
-            <a:avLst/>
-          </a:prstGeom>
-          <a:solidFill>
-            <a:schemeClr val="accent2"/>
-          </a:solidFill>
-        </p:spPr>
-        <p:style>
-          <a:lnRef idx="2">
-            <a:schemeClr val="accent1">
-              <a:shade val="50000"/>
-            </a:schemeClr>
-          </a:lnRef>
-          <a:fillRef idx="1">
-            <a:schemeClr val="accent1"/>
-          </a:fillRef>
-          <a:effectRef idx="0">
-            <a:schemeClr val="accent1"/>
-          </a:effectRef>
-          <a:fontRef idx="minor">
-            <a:schemeClr val="lt1"/>
-          </a:fontRef>
-        </p:style>
-        <p:txBody>
-          <a:bodyPr rtlCol="0" anchor="ctr"/>
-          <a:lstStyle/>
-          <a:p>
-            <a:pPr algn="ctr"/>
-            <a:r>
-              <a:rPr lang="en-US" sz="1000" dirty="0"/>
-              <a:t>com.tlw8253.dao</a:t>
-            </a:r>
-          </a:p>
-          <a:p>
-            <a:pPr algn="ctr"/>
-            <a:r>
-              <a:rPr lang="en-US" sz="1000" dirty="0"/>
-              <a:t>&lt;&lt; interface &gt;&gt;</a:t>
-            </a:r>
-          </a:p>
-          <a:p>
-            <a:pPr algn="ctr"/>
-            <a:r>
-              <a:rPr lang="en-US" sz="1400" dirty="0"/>
-              <a:t>Data Access Object</a:t>
-            </a:r>
-          </a:p>
-          <a:p>
-            <a:pPr algn="ctr"/>
-            <a:r>
-              <a:rPr lang="en-US" sz="1400" dirty="0" err="1"/>
-              <a:t>GenericDAO</a:t>
-            </a:r>
-            <a:r>
-              <a:rPr lang="en-US" sz="1400" dirty="0"/>
-              <a:t>&lt;T&gt;</a:t>
-            </a:r>
-          </a:p>
-        </p:txBody>
-      </p:sp>
-      <p:sp>
-        <p:nvSpPr>
-          <p:cNvPr id="5" name="Rectangle 4"/>
-          <p:cNvSpPr/>
-          <p:nvPr/>
-        </p:nvSpPr>
-        <p:spPr>
-          <a:xfrm>
-            <a:off x="8499897" y="417543"/>
-            <a:ext cx="1494797" cy="991056"/>
-          </a:xfrm>
-          <a:prstGeom prst="rect">
-            <a:avLst/>
-          </a:prstGeom>
-          <a:solidFill>
-            <a:schemeClr val="accent6"/>
-          </a:solidFill>
-        </p:spPr>
-        <p:style>
-          <a:lnRef idx="2">
-            <a:schemeClr val="accent1">
-              <a:shade val="50000"/>
-            </a:schemeClr>
-          </a:lnRef>
-          <a:fillRef idx="1">
-            <a:schemeClr val="accent1"/>
-          </a:fillRef>
-          <a:effectRef idx="0">
-            <a:schemeClr val="accent1"/>
-          </a:effectRef>
-          <a:fontRef idx="minor">
-            <a:schemeClr val="lt1"/>
-          </a:fontRef>
-        </p:style>
-        <p:txBody>
-          <a:bodyPr rtlCol="0" anchor="ctr"/>
-          <a:lstStyle/>
-          <a:p>
-            <a:pPr algn="ctr"/>
-            <a:r>
-              <a:rPr lang="en-US" sz="1000" dirty="0"/>
-              <a:t>com.tlw8253.model</a:t>
-            </a:r>
-          </a:p>
-          <a:p>
-            <a:pPr algn="ctr"/>
-            <a:r>
-              <a:rPr lang="en-US" dirty="0"/>
-              <a:t>&lt;T&gt;Model</a:t>
-            </a:r>
-          </a:p>
-        </p:txBody>
-      </p:sp>
-      <p:cxnSp>
-        <p:nvCxnSpPr>
-          <p:cNvPr id="9" name="Straight Arrow Connector 8"/>
-          <p:cNvCxnSpPr>
-            <a:cxnSpLocks/>
-            <a:stCxn id="20" idx="3"/>
-            <a:endCxn id="5" idx="1"/>
-          </p:cNvCxnSpPr>
-          <p:nvPr/>
-        </p:nvCxnSpPr>
-        <p:spPr>
-          <a:xfrm flipV="1">
-            <a:off x="6258426" y="913071"/>
-            <a:ext cx="2241471" cy="1554816"/>
-          </a:xfrm>
-          <a:prstGeom prst="straightConnector1">
-            <a:avLst/>
-          </a:prstGeom>
-          <a:ln>
-            <a:tailEnd type="triangle"/>
-          </a:ln>
-        </p:spPr>
-        <p:style>
-          <a:lnRef idx="1">
-            <a:schemeClr val="accent1"/>
-          </a:lnRef>
-          <a:fillRef idx="0">
-            <a:schemeClr val="accent1"/>
-          </a:fillRef>
-          <a:effectRef idx="0">
-            <a:schemeClr val="accent1"/>
-          </a:effectRef>
-          <a:fontRef idx="minor">
-            <a:schemeClr val="tx1"/>
-          </a:fontRef>
-        </p:style>
-      </p:cxnSp>
-      <p:sp>
-        <p:nvSpPr>
-          <p:cNvPr id="15" name="Rectangle 14"/>
-          <p:cNvSpPr/>
-          <p:nvPr/>
-        </p:nvSpPr>
-        <p:spPr>
-          <a:xfrm>
-            <a:off x="7433863" y="2809248"/>
-            <a:ext cx="1494797" cy="991056"/>
-          </a:xfrm>
-          <a:prstGeom prst="rect">
-            <a:avLst/>
-          </a:prstGeom>
-          <a:solidFill>
-            <a:schemeClr val="accent6"/>
-          </a:solidFill>
-        </p:spPr>
-        <p:style>
-          <a:lnRef idx="2">
-            <a:schemeClr val="accent1">
-              <a:shade val="50000"/>
-            </a:schemeClr>
-          </a:lnRef>
-          <a:fillRef idx="1">
-            <a:schemeClr val="accent1"/>
-          </a:fillRef>
-          <a:effectRef idx="0">
-            <a:schemeClr val="accent1"/>
-          </a:effectRef>
-          <a:fontRef idx="minor">
-            <a:schemeClr val="lt1"/>
-          </a:fontRef>
-        </p:style>
-        <p:txBody>
-          <a:bodyPr rtlCol="0" anchor="ctr"/>
-          <a:lstStyle/>
-          <a:p>
-            <a:pPr algn="ctr"/>
-            <a:r>
-              <a:rPr lang="en-US" sz="1000" dirty="0"/>
-              <a:t>com.tlw8253.dto</a:t>
-            </a:r>
-          </a:p>
-          <a:p>
-            <a:pPr algn="ctr"/>
-            <a:r>
-              <a:rPr lang="en-US" sz="1200" dirty="0"/>
-              <a:t>Data Transfer Object</a:t>
-            </a:r>
-          </a:p>
-          <a:p>
-            <a:pPr algn="ctr"/>
-            <a:r>
-              <a:rPr lang="en-US" dirty="0"/>
-              <a:t>&lt;T&gt;DTO</a:t>
-            </a:r>
-          </a:p>
-          <a:p>
-            <a:pPr algn="ctr"/>
-            <a:r>
-              <a:rPr lang="en-US" sz="1200" dirty="0"/>
-              <a:t>&lt;T&gt;</a:t>
-            </a:r>
-            <a:r>
-              <a:rPr lang="en-US" sz="1200" dirty="0" err="1"/>
-              <a:t>AddOrEditDTO</a:t>
-            </a:r>
-            <a:endParaRPr lang="en-US" sz="1200" dirty="0"/>
-          </a:p>
-        </p:txBody>
-      </p:sp>
-      <p:cxnSp>
-        <p:nvCxnSpPr>
-          <p:cNvPr id="17" name="Straight Arrow Connector 16"/>
-          <p:cNvCxnSpPr>
-            <a:cxnSpLocks/>
-            <a:stCxn id="20" idx="3"/>
-            <a:endCxn id="57" idx="1"/>
-          </p:cNvCxnSpPr>
-          <p:nvPr/>
-        </p:nvCxnSpPr>
-        <p:spPr>
-          <a:xfrm flipV="1">
-            <a:off x="6258426" y="2308389"/>
-            <a:ext cx="4048574" cy="159498"/>
-          </a:xfrm>
-          <a:prstGeom prst="straightConnector1">
-            <a:avLst/>
-          </a:prstGeom>
-          <a:ln>
-            <a:tailEnd type="triangle"/>
-          </a:ln>
-        </p:spPr>
-        <p:style>
-          <a:lnRef idx="1">
-            <a:schemeClr val="accent1"/>
-          </a:lnRef>
-          <a:fillRef idx="0">
-            <a:schemeClr val="accent1"/>
-          </a:fillRef>
-          <a:effectRef idx="0">
-            <a:schemeClr val="accent1"/>
-          </a:effectRef>
-          <a:fontRef idx="minor">
-            <a:schemeClr val="tx1"/>
-          </a:fontRef>
-        </p:style>
-      </p:cxnSp>
-      <p:sp>
-        <p:nvSpPr>
-          <p:cNvPr id="19" name="TextBox 18">
-            <a:extLst>
-              <a:ext uri="{FF2B5EF4-FFF2-40B4-BE49-F238E27FC236}">
-                <a16:creationId xmlns:a16="http://schemas.microsoft.com/office/drawing/2014/main" id="{E0BBD6C8-C8F2-40C5-AA64-85961A11ADC2}"/>
-              </a:ext>
-            </a:extLst>
-          </p:cNvPr>
-          <p:cNvSpPr txBox="1"/>
-          <p:nvPr/>
-        </p:nvSpPr>
-        <p:spPr>
-          <a:xfrm>
-            <a:off x="7207461" y="2088153"/>
-            <a:ext cx="728932" cy="276999"/>
-          </a:xfrm>
-          <a:prstGeom prst="rect">
-            <a:avLst/>
-          </a:prstGeom>
-          <a:noFill/>
-        </p:spPr>
-        <p:txBody>
-          <a:bodyPr wrap="square" rtlCol="0">
-            <a:spAutoFit/>
-          </a:bodyPr>
-          <a:lstStyle/>
-          <a:p>
-            <a:r>
-              <a:rPr lang="en-US" sz="1200" dirty="0"/>
-              <a:t>uses</a:t>
-            </a:r>
-          </a:p>
-        </p:txBody>
-      </p:sp>
-      <p:sp>
-        <p:nvSpPr>
-          <p:cNvPr id="20" name="Rectangle 19"/>
-          <p:cNvSpPr/>
-          <p:nvPr/>
-        </p:nvSpPr>
-        <p:spPr>
-          <a:xfrm>
-            <a:off x="4668504" y="1972359"/>
-            <a:ext cx="1589922" cy="991056"/>
-          </a:xfrm>
-          <a:prstGeom prst="rect">
-            <a:avLst/>
-          </a:prstGeom>
-          <a:solidFill>
-            <a:schemeClr val="accent6"/>
-          </a:solidFill>
-        </p:spPr>
-        <p:style>
-          <a:lnRef idx="2">
-            <a:schemeClr val="accent1">
-              <a:shade val="50000"/>
-            </a:schemeClr>
-          </a:lnRef>
-          <a:fillRef idx="1">
-            <a:schemeClr val="accent1"/>
-          </a:fillRef>
-          <a:effectRef idx="0">
-            <a:schemeClr val="accent1"/>
-          </a:effectRef>
-          <a:fontRef idx="minor">
-            <a:schemeClr val="lt1"/>
-          </a:fontRef>
-        </p:style>
-        <p:txBody>
-          <a:bodyPr rtlCol="0" anchor="ctr"/>
-          <a:lstStyle/>
-          <a:p>
-            <a:pPr algn="ctr"/>
-            <a:r>
-              <a:rPr lang="en-US" sz="1000" dirty="0"/>
-              <a:t>com.tlw8253.dao</a:t>
-            </a:r>
-          </a:p>
-          <a:p>
-            <a:pPr algn="ctr"/>
-            <a:r>
-              <a:rPr lang="en-US" dirty="0"/>
-              <a:t>&lt;T&gt;</a:t>
-            </a:r>
-            <a:r>
-              <a:rPr lang="en-US" dirty="0" err="1"/>
-              <a:t>DAOImpl</a:t>
-            </a:r>
-            <a:endParaRPr lang="en-US" dirty="0"/>
-          </a:p>
-        </p:txBody>
-      </p:sp>
-      <p:cxnSp>
-        <p:nvCxnSpPr>
-          <p:cNvPr id="22" name="Straight Arrow Connector 21"/>
-          <p:cNvCxnSpPr>
-            <a:cxnSpLocks/>
-            <a:stCxn id="20" idx="1"/>
-            <a:endCxn id="4" idx="3"/>
-          </p:cNvCxnSpPr>
-          <p:nvPr/>
-        </p:nvCxnSpPr>
-        <p:spPr>
-          <a:xfrm flipH="1" flipV="1">
-            <a:off x="2496850" y="1339439"/>
-            <a:ext cx="2171654" cy="1128448"/>
-          </a:xfrm>
-          <a:prstGeom prst="straightConnector1">
-            <a:avLst/>
-          </a:prstGeom>
-          <a:ln>
-            <a:tailEnd type="triangle"/>
-          </a:ln>
-        </p:spPr>
-        <p:style>
-          <a:lnRef idx="1">
-            <a:schemeClr val="accent1"/>
-          </a:lnRef>
-          <a:fillRef idx="0">
-            <a:schemeClr val="accent1"/>
-          </a:fillRef>
-          <a:effectRef idx="0">
-            <a:schemeClr val="accent1"/>
-          </a:effectRef>
-          <a:fontRef idx="minor">
-            <a:schemeClr val="tx1"/>
-          </a:fontRef>
-        </p:style>
-      </p:cxnSp>
-      <p:sp>
-        <p:nvSpPr>
-          <p:cNvPr id="23" name="TextBox 22">
-            <a:extLst>
-              <a:ext uri="{FF2B5EF4-FFF2-40B4-BE49-F238E27FC236}">
-                <a16:creationId xmlns:a16="http://schemas.microsoft.com/office/drawing/2014/main" id="{E0BBD6C8-C8F2-40C5-AA64-85961A11ADC2}"/>
-              </a:ext>
-            </a:extLst>
-          </p:cNvPr>
-          <p:cNvSpPr txBox="1"/>
-          <p:nvPr/>
-        </p:nvSpPr>
-        <p:spPr>
-          <a:xfrm>
-            <a:off x="3112152" y="1408599"/>
-            <a:ext cx="1063847" cy="276999"/>
-          </a:xfrm>
-          <a:prstGeom prst="rect">
-            <a:avLst/>
-          </a:prstGeom>
-          <a:noFill/>
-        </p:spPr>
-        <p:txBody>
-          <a:bodyPr wrap="square" rtlCol="0">
-            <a:spAutoFit/>
-          </a:bodyPr>
-          <a:lstStyle/>
-          <a:p>
-            <a:r>
-              <a:rPr lang="en-US" sz="1200" dirty="0"/>
-              <a:t>implements</a:t>
-            </a:r>
-          </a:p>
-        </p:txBody>
-      </p:sp>
-      <p:sp>
-        <p:nvSpPr>
-          <p:cNvPr id="25" name="Flowchart: Magnetic Disk 24"/>
-          <p:cNvSpPr/>
-          <p:nvPr/>
-        </p:nvSpPr>
-        <p:spPr>
-          <a:xfrm>
-            <a:off x="7400487" y="158383"/>
-            <a:ext cx="653404" cy="1018434"/>
-          </a:xfrm>
-          <a:prstGeom prst="flowChartMagneticDisk">
-            <a:avLst/>
-          </a:prstGeom>
-          <a:solidFill>
-            <a:schemeClr val="accent3"/>
-          </a:solidFill>
-        </p:spPr>
-        <p:style>
-          <a:lnRef idx="2">
-            <a:schemeClr val="accent1">
-              <a:shade val="50000"/>
-            </a:schemeClr>
-          </a:lnRef>
-          <a:fillRef idx="1">
-            <a:schemeClr val="accent1"/>
-          </a:fillRef>
-          <a:effectRef idx="0">
-            <a:schemeClr val="accent1"/>
-          </a:effectRef>
-          <a:fontRef idx="minor">
-            <a:schemeClr val="lt1"/>
-          </a:fontRef>
-        </p:style>
-        <p:txBody>
-          <a:bodyPr rtlCol="0" anchor="ctr"/>
-          <a:lstStyle/>
-          <a:p>
-            <a:pPr algn="ctr"/>
-            <a:r>
-              <a:rPr lang="en-US" dirty="0"/>
-              <a:t>DB</a:t>
-            </a:r>
-          </a:p>
-        </p:txBody>
-      </p:sp>
-      <p:cxnSp>
-        <p:nvCxnSpPr>
-          <p:cNvPr id="27" name="Straight Arrow Connector 26"/>
-          <p:cNvCxnSpPr>
-            <a:stCxn id="20" idx="3"/>
-            <a:endCxn id="25" idx="2"/>
-          </p:cNvCxnSpPr>
-          <p:nvPr/>
-        </p:nvCxnSpPr>
-        <p:spPr>
-          <a:xfrm flipV="1">
-            <a:off x="6258426" y="667600"/>
-            <a:ext cx="1142061" cy="1800287"/>
-          </a:xfrm>
-          <a:prstGeom prst="straightConnector1">
-            <a:avLst/>
-          </a:prstGeom>
-          <a:ln>
-            <a:tailEnd type="triangle"/>
-          </a:ln>
-        </p:spPr>
-        <p:style>
-          <a:lnRef idx="1">
-            <a:schemeClr val="accent1"/>
-          </a:lnRef>
-          <a:fillRef idx="0">
-            <a:schemeClr val="accent1"/>
-          </a:fillRef>
-          <a:effectRef idx="0">
-            <a:schemeClr val="accent1"/>
-          </a:effectRef>
-          <a:fontRef idx="minor">
-            <a:schemeClr val="tx1"/>
-          </a:fontRef>
-        </p:style>
-      </p:cxnSp>
-      <p:sp>
-        <p:nvSpPr>
-          <p:cNvPr id="28" name="TextBox 27">
-            <a:extLst>
-              <a:ext uri="{FF2B5EF4-FFF2-40B4-BE49-F238E27FC236}">
-                <a16:creationId xmlns:a16="http://schemas.microsoft.com/office/drawing/2014/main" id="{E0BBD6C8-C8F2-40C5-AA64-85961A11ADC2}"/>
-              </a:ext>
-            </a:extLst>
-          </p:cNvPr>
-          <p:cNvSpPr txBox="1"/>
-          <p:nvPr/>
-        </p:nvSpPr>
-        <p:spPr>
-          <a:xfrm>
-            <a:off x="6889602" y="1360525"/>
-            <a:ext cx="728932" cy="276999"/>
-          </a:xfrm>
-          <a:prstGeom prst="rect">
-            <a:avLst/>
-          </a:prstGeom>
-          <a:noFill/>
-        </p:spPr>
-        <p:txBody>
-          <a:bodyPr wrap="square" rtlCol="0">
-            <a:spAutoFit/>
-          </a:bodyPr>
-          <a:lstStyle/>
-          <a:p>
-            <a:r>
-              <a:rPr lang="en-US" sz="1200" dirty="0"/>
-              <a:t>access</a:t>
-            </a:r>
-          </a:p>
-        </p:txBody>
-      </p:sp>
-      <p:sp>
-        <p:nvSpPr>
-          <p:cNvPr id="29" name="Rectangle 28"/>
-          <p:cNvSpPr/>
-          <p:nvPr/>
-        </p:nvSpPr>
-        <p:spPr>
-          <a:xfrm>
-            <a:off x="4717928" y="4051852"/>
-            <a:ext cx="1494797" cy="991056"/>
-          </a:xfrm>
-          <a:prstGeom prst="rect">
-            <a:avLst/>
-          </a:prstGeom>
-          <a:solidFill>
-            <a:schemeClr val="accent6"/>
-          </a:solidFill>
-        </p:spPr>
-        <p:style>
-          <a:lnRef idx="2">
-            <a:schemeClr val="accent1">
-              <a:shade val="50000"/>
-            </a:schemeClr>
-          </a:lnRef>
-          <a:fillRef idx="1">
-            <a:schemeClr val="accent1"/>
-          </a:fillRef>
-          <a:effectRef idx="0">
-            <a:schemeClr val="accent1"/>
-          </a:effectRef>
-          <a:fontRef idx="minor">
-            <a:schemeClr val="lt1"/>
-          </a:fontRef>
-        </p:style>
-        <p:txBody>
-          <a:bodyPr rtlCol="0" anchor="ctr"/>
-          <a:lstStyle/>
-          <a:p>
-            <a:pPr algn="ctr"/>
-            <a:r>
-              <a:rPr lang="en-US" sz="1000" dirty="0"/>
-              <a:t>com.tlw8253.service</a:t>
-            </a:r>
-          </a:p>
-          <a:p>
-            <a:pPr algn="ctr"/>
-            <a:r>
-              <a:rPr lang="en-US" dirty="0"/>
-              <a:t>&lt;T&gt;Service</a:t>
-            </a:r>
-          </a:p>
-        </p:txBody>
-      </p:sp>
-      <p:cxnSp>
-        <p:nvCxnSpPr>
-          <p:cNvPr id="33" name="Straight Arrow Connector 32"/>
-          <p:cNvCxnSpPr>
-            <a:stCxn id="29" idx="0"/>
-            <a:endCxn id="20" idx="2"/>
-          </p:cNvCxnSpPr>
-          <p:nvPr/>
-        </p:nvCxnSpPr>
-        <p:spPr>
-          <a:xfrm flipH="1" flipV="1">
-            <a:off x="5463465" y="2963415"/>
-            <a:ext cx="1862" cy="1088437"/>
-          </a:xfrm>
-          <a:prstGeom prst="straightConnector1">
-            <a:avLst/>
-          </a:prstGeom>
-          <a:ln>
-            <a:tailEnd type="triangle"/>
-          </a:ln>
-        </p:spPr>
-        <p:style>
-          <a:lnRef idx="1">
-            <a:schemeClr val="accent1"/>
-          </a:lnRef>
-          <a:fillRef idx="0">
-            <a:schemeClr val="accent1"/>
-          </a:fillRef>
-          <a:effectRef idx="0">
-            <a:schemeClr val="accent1"/>
-          </a:effectRef>
-          <a:fontRef idx="minor">
-            <a:schemeClr val="tx1"/>
-          </a:fontRef>
-        </p:style>
-      </p:cxnSp>
-      <p:sp>
-        <p:nvSpPr>
-          <p:cNvPr id="34" name="TextBox 33">
-            <a:extLst>
-              <a:ext uri="{FF2B5EF4-FFF2-40B4-BE49-F238E27FC236}">
-                <a16:creationId xmlns:a16="http://schemas.microsoft.com/office/drawing/2014/main" id="{E0BBD6C8-C8F2-40C5-AA64-85961A11ADC2}"/>
-              </a:ext>
-            </a:extLst>
-          </p:cNvPr>
-          <p:cNvSpPr txBox="1"/>
-          <p:nvPr/>
-        </p:nvSpPr>
-        <p:spPr>
-          <a:xfrm>
-            <a:off x="5001782" y="3652968"/>
-            <a:ext cx="538098" cy="276999"/>
-          </a:xfrm>
-          <a:prstGeom prst="rect">
-            <a:avLst/>
-          </a:prstGeom>
-          <a:noFill/>
-        </p:spPr>
-        <p:txBody>
-          <a:bodyPr wrap="square" rtlCol="0">
-            <a:spAutoFit/>
-          </a:bodyPr>
-          <a:lstStyle/>
-          <a:p>
-            <a:r>
-              <a:rPr lang="en-US" sz="1200" dirty="0"/>
-              <a:t>uses</a:t>
-            </a:r>
-          </a:p>
-        </p:txBody>
-      </p:sp>
-      <p:sp>
-        <p:nvSpPr>
-          <p:cNvPr id="35" name="Rectangle 34"/>
-          <p:cNvSpPr/>
-          <p:nvPr/>
-        </p:nvSpPr>
-        <p:spPr>
-          <a:xfrm>
-            <a:off x="949569" y="2293030"/>
-            <a:ext cx="1998489" cy="657053"/>
-          </a:xfrm>
-          <a:prstGeom prst="rect">
-            <a:avLst/>
-          </a:prstGeom>
-          <a:solidFill>
-            <a:schemeClr val="accent6"/>
-          </a:solidFill>
-        </p:spPr>
-        <p:style>
-          <a:lnRef idx="2">
-            <a:schemeClr val="accent1">
-              <a:shade val="50000"/>
-            </a:schemeClr>
-          </a:lnRef>
-          <a:fillRef idx="1">
-            <a:schemeClr val="accent1"/>
-          </a:fillRef>
-          <a:effectRef idx="0">
-            <a:schemeClr val="accent1"/>
-          </a:effectRef>
-          <a:fontRef idx="minor">
-            <a:schemeClr val="lt1"/>
-          </a:fontRef>
-        </p:style>
-        <p:txBody>
-          <a:bodyPr rtlCol="0" anchor="ctr"/>
-          <a:lstStyle/>
-          <a:p>
-            <a:pPr algn="ctr"/>
-            <a:r>
-              <a:rPr lang="en-US" sz="1000" dirty="0"/>
-              <a:t>com.tlw8253.exception</a:t>
-            </a:r>
-          </a:p>
-          <a:p>
-            <a:pPr algn="ctr"/>
-            <a:r>
-              <a:rPr lang="en-US" sz="1400" dirty="0" err="1"/>
-              <a:t>BadParameterException</a:t>
-            </a:r>
-            <a:endParaRPr lang="en-US" sz="1400" dirty="0"/>
-          </a:p>
-        </p:txBody>
-      </p:sp>
-      <p:cxnSp>
-        <p:nvCxnSpPr>
-          <p:cNvPr id="37" name="Straight Arrow Connector 36"/>
-          <p:cNvCxnSpPr>
-            <a:cxnSpLocks/>
-            <a:stCxn id="29" idx="1"/>
-            <a:endCxn id="35" idx="3"/>
-          </p:cNvCxnSpPr>
-          <p:nvPr/>
-        </p:nvCxnSpPr>
-        <p:spPr>
-          <a:xfrm flipH="1" flipV="1">
-            <a:off x="2948058" y="2621557"/>
-            <a:ext cx="1769870" cy="1925823"/>
-          </a:xfrm>
-          <a:prstGeom prst="straightConnector1">
-            <a:avLst/>
-          </a:prstGeom>
-          <a:ln>
-            <a:tailEnd type="triangle"/>
-          </a:ln>
-        </p:spPr>
-        <p:style>
-          <a:lnRef idx="1">
-            <a:schemeClr val="accent1"/>
-          </a:lnRef>
-          <a:fillRef idx="0">
-            <a:schemeClr val="accent1"/>
-          </a:fillRef>
-          <a:effectRef idx="0">
-            <a:schemeClr val="accent1"/>
-          </a:effectRef>
-          <a:fontRef idx="minor">
-            <a:schemeClr val="tx1"/>
-          </a:fontRef>
-        </p:style>
-      </p:cxnSp>
-      <p:sp>
-        <p:nvSpPr>
-          <p:cNvPr id="38" name="TextBox 37">
-            <a:extLst>
-              <a:ext uri="{FF2B5EF4-FFF2-40B4-BE49-F238E27FC236}">
-                <a16:creationId xmlns:a16="http://schemas.microsoft.com/office/drawing/2014/main" id="{E0BBD6C8-C8F2-40C5-AA64-85961A11ADC2}"/>
-              </a:ext>
-            </a:extLst>
-          </p:cNvPr>
-          <p:cNvSpPr txBox="1"/>
-          <p:nvPr/>
-        </p:nvSpPr>
-        <p:spPr>
-          <a:xfrm>
-            <a:off x="3673623" y="3721656"/>
-            <a:ext cx="728932" cy="276999"/>
-          </a:xfrm>
-          <a:prstGeom prst="rect">
-            <a:avLst/>
-          </a:prstGeom>
-          <a:noFill/>
-        </p:spPr>
-        <p:txBody>
-          <a:bodyPr wrap="square" rtlCol="0">
-            <a:spAutoFit/>
-          </a:bodyPr>
-          <a:lstStyle/>
-          <a:p>
-            <a:r>
-              <a:rPr lang="en-US" sz="1200" dirty="0"/>
-              <a:t>throws</a:t>
-            </a:r>
-          </a:p>
-        </p:txBody>
-      </p:sp>
-      <p:sp>
-        <p:nvSpPr>
-          <p:cNvPr id="39" name="Rectangle 38"/>
-          <p:cNvSpPr/>
-          <p:nvPr/>
-        </p:nvSpPr>
-        <p:spPr>
-          <a:xfrm>
-            <a:off x="4550736" y="360554"/>
-            <a:ext cx="1822194" cy="991056"/>
-          </a:xfrm>
-          <a:prstGeom prst="rect">
-            <a:avLst/>
-          </a:prstGeom>
-          <a:solidFill>
-            <a:schemeClr val="accent6"/>
-          </a:solidFill>
-        </p:spPr>
-        <p:style>
-          <a:lnRef idx="2">
-            <a:schemeClr val="accent1">
-              <a:shade val="50000"/>
-            </a:schemeClr>
-          </a:lnRef>
-          <a:fillRef idx="1">
-            <a:schemeClr val="accent1"/>
-          </a:fillRef>
-          <a:effectRef idx="0">
-            <a:schemeClr val="accent1"/>
-          </a:effectRef>
-          <a:fontRef idx="minor">
-            <a:schemeClr val="lt1"/>
-          </a:fontRef>
-        </p:style>
-        <p:txBody>
-          <a:bodyPr rtlCol="0" anchor="ctr"/>
-          <a:lstStyle/>
-          <a:p>
-            <a:pPr algn="ctr"/>
-            <a:r>
-              <a:rPr lang="en-US" sz="1000" dirty="0"/>
-              <a:t>com.tlw8253.utility</a:t>
-            </a:r>
-          </a:p>
-          <a:p>
-            <a:pPr algn="ctr"/>
-            <a:r>
-              <a:rPr lang="en-US" dirty="0"/>
-              <a:t>Hibernate</a:t>
-            </a:r>
-          </a:p>
-          <a:p>
-            <a:pPr algn="ctr"/>
-            <a:r>
-              <a:rPr lang="en-US" sz="1200" dirty="0" err="1"/>
-              <a:t>SessionFactorySingleton</a:t>
-            </a:r>
-            <a:endParaRPr lang="en-US" sz="1200" dirty="0"/>
-          </a:p>
-        </p:txBody>
-      </p:sp>
-      <p:cxnSp>
-        <p:nvCxnSpPr>
-          <p:cNvPr id="41" name="Straight Arrow Connector 40"/>
-          <p:cNvCxnSpPr>
-            <a:cxnSpLocks/>
-            <a:stCxn id="20" idx="0"/>
-            <a:endCxn id="39" idx="2"/>
-          </p:cNvCxnSpPr>
-          <p:nvPr/>
-        </p:nvCxnSpPr>
-        <p:spPr>
-          <a:xfrm flipH="1" flipV="1">
-            <a:off x="5461833" y="1351610"/>
-            <a:ext cx="1632" cy="620749"/>
-          </a:xfrm>
-          <a:prstGeom prst="straightConnector1">
-            <a:avLst/>
-          </a:prstGeom>
-          <a:ln>
-            <a:tailEnd type="triangle"/>
-          </a:ln>
-        </p:spPr>
-        <p:style>
-          <a:lnRef idx="1">
-            <a:schemeClr val="accent1"/>
-          </a:lnRef>
-          <a:fillRef idx="0">
-            <a:schemeClr val="accent1"/>
-          </a:fillRef>
-          <a:effectRef idx="0">
-            <a:schemeClr val="accent1"/>
-          </a:effectRef>
-          <a:fontRef idx="minor">
-            <a:schemeClr val="tx1"/>
-          </a:fontRef>
-        </p:style>
-      </p:cxnSp>
-      <p:cxnSp>
-        <p:nvCxnSpPr>
-          <p:cNvPr id="43" name="Straight Arrow Connector 42"/>
-          <p:cNvCxnSpPr>
-            <a:cxnSpLocks/>
-            <a:stCxn id="39" idx="3"/>
-            <a:endCxn id="25" idx="2"/>
-          </p:cNvCxnSpPr>
-          <p:nvPr/>
-        </p:nvCxnSpPr>
-        <p:spPr>
-          <a:xfrm flipV="1">
-            <a:off x="6372930" y="667600"/>
-            <a:ext cx="1027557" cy="188482"/>
-          </a:xfrm>
-          <a:prstGeom prst="straightConnector1">
-            <a:avLst/>
-          </a:prstGeom>
-          <a:ln>
-            <a:tailEnd type="triangle"/>
-          </a:ln>
-        </p:spPr>
-        <p:style>
-          <a:lnRef idx="1">
-            <a:schemeClr val="accent1"/>
-          </a:lnRef>
-          <a:fillRef idx="0">
-            <a:schemeClr val="accent1"/>
-          </a:fillRef>
-          <a:effectRef idx="0">
-            <a:schemeClr val="accent1"/>
-          </a:effectRef>
-          <a:fontRef idx="minor">
-            <a:schemeClr val="tx1"/>
-          </a:fontRef>
-        </p:style>
-      </p:cxnSp>
-      <p:sp>
-        <p:nvSpPr>
-          <p:cNvPr id="44" name="TextBox 43">
-            <a:extLst>
-              <a:ext uri="{FF2B5EF4-FFF2-40B4-BE49-F238E27FC236}">
-                <a16:creationId xmlns:a16="http://schemas.microsoft.com/office/drawing/2014/main" id="{E0BBD6C8-C8F2-40C5-AA64-85961A11ADC2}"/>
-              </a:ext>
-            </a:extLst>
-          </p:cNvPr>
-          <p:cNvSpPr txBox="1"/>
-          <p:nvPr/>
-        </p:nvSpPr>
-        <p:spPr>
-          <a:xfrm>
-            <a:off x="5450658" y="1491310"/>
-            <a:ext cx="728932" cy="276999"/>
-          </a:xfrm>
-          <a:prstGeom prst="rect">
-            <a:avLst/>
-          </a:prstGeom>
-          <a:noFill/>
-        </p:spPr>
-        <p:txBody>
-          <a:bodyPr wrap="square" rtlCol="0">
-            <a:spAutoFit/>
-          </a:bodyPr>
-          <a:lstStyle/>
-          <a:p>
-            <a:r>
-              <a:rPr lang="en-US" sz="1200" dirty="0"/>
-              <a:t>uses</a:t>
-            </a:r>
-          </a:p>
-        </p:txBody>
-      </p:sp>
-      <p:sp>
-        <p:nvSpPr>
-          <p:cNvPr id="45" name="TextBox 44">
-            <a:extLst>
-              <a:ext uri="{FF2B5EF4-FFF2-40B4-BE49-F238E27FC236}">
-                <a16:creationId xmlns:a16="http://schemas.microsoft.com/office/drawing/2014/main" id="{E0BBD6C8-C8F2-40C5-AA64-85961A11ADC2}"/>
-              </a:ext>
-            </a:extLst>
-          </p:cNvPr>
-          <p:cNvSpPr txBox="1"/>
-          <p:nvPr/>
-        </p:nvSpPr>
-        <p:spPr>
-          <a:xfrm>
-            <a:off x="6457552" y="622132"/>
-            <a:ext cx="864099" cy="646331"/>
-          </a:xfrm>
-          <a:prstGeom prst="rect">
-            <a:avLst/>
-          </a:prstGeom>
-          <a:noFill/>
-        </p:spPr>
-        <p:txBody>
-          <a:bodyPr wrap="square" rtlCol="0">
-            <a:spAutoFit/>
-          </a:bodyPr>
-          <a:lstStyle/>
-          <a:p>
-            <a:r>
-              <a:rPr lang="en-US" sz="1200" dirty="0"/>
-              <a:t>connects</a:t>
-            </a:r>
-          </a:p>
-          <a:p>
-            <a:r>
-              <a:rPr lang="en-US" sz="1200" dirty="0"/>
-              <a:t>creates</a:t>
-            </a:r>
-          </a:p>
-          <a:p>
-            <a:r>
-              <a:rPr lang="en-US" sz="1200" dirty="0"/>
-              <a:t>updates</a:t>
-            </a:r>
-          </a:p>
-        </p:txBody>
-      </p:sp>
-      <p:sp>
-        <p:nvSpPr>
-          <p:cNvPr id="26" name="TextBox 25">
-            <a:extLst>
-              <a:ext uri="{FF2B5EF4-FFF2-40B4-BE49-F238E27FC236}">
-                <a16:creationId xmlns:a16="http://schemas.microsoft.com/office/drawing/2014/main" id="{6C45E26E-8FEE-4439-A34B-789237C9C62C}"/>
-              </a:ext>
-            </a:extLst>
-          </p:cNvPr>
-          <p:cNvSpPr txBox="1"/>
-          <p:nvPr/>
-        </p:nvSpPr>
-        <p:spPr>
-          <a:xfrm>
-            <a:off x="0" y="30549"/>
-            <a:ext cx="4944934" cy="369332"/>
-          </a:xfrm>
-          <a:prstGeom prst="rect">
-            <a:avLst/>
-          </a:prstGeom>
-          <a:noFill/>
-        </p:spPr>
-        <p:txBody>
-          <a:bodyPr wrap="square" rtlCol="0">
-            <a:spAutoFit/>
-          </a:bodyPr>
-          <a:lstStyle/>
-          <a:p>
-            <a:r>
-              <a:rPr lang="en-US" dirty="0"/>
-              <a:t>AMT Project Generic&lt;T&gt; Process Flow Model</a:t>
-            </a:r>
-          </a:p>
-        </p:txBody>
-      </p:sp>
-      <p:sp>
-        <p:nvSpPr>
-          <p:cNvPr id="31" name="Rectangle 30">
-            <a:extLst>
-              <a:ext uri="{FF2B5EF4-FFF2-40B4-BE49-F238E27FC236}">
-                <a16:creationId xmlns:a16="http://schemas.microsoft.com/office/drawing/2014/main" id="{6D396BFC-10E0-4935-903B-EDC457BD1755}"/>
-              </a:ext>
-            </a:extLst>
-          </p:cNvPr>
-          <p:cNvSpPr/>
-          <p:nvPr/>
-        </p:nvSpPr>
-        <p:spPr>
-          <a:xfrm>
-            <a:off x="897901" y="3410601"/>
-            <a:ext cx="1621682" cy="657053"/>
-          </a:xfrm>
-          <a:prstGeom prst="rect">
-            <a:avLst/>
-          </a:prstGeom>
-          <a:solidFill>
-            <a:schemeClr val="accent6"/>
-          </a:solidFill>
-        </p:spPr>
-        <p:style>
-          <a:lnRef idx="2">
-            <a:schemeClr val="accent1">
-              <a:shade val="50000"/>
-            </a:schemeClr>
-          </a:lnRef>
-          <a:fillRef idx="1">
-            <a:schemeClr val="accent1"/>
-          </a:fillRef>
-          <a:effectRef idx="0">
-            <a:schemeClr val="accent1"/>
-          </a:effectRef>
-          <a:fontRef idx="minor">
-            <a:schemeClr val="lt1"/>
-          </a:fontRef>
-        </p:style>
-        <p:txBody>
-          <a:bodyPr rtlCol="0" anchor="ctr"/>
-          <a:lstStyle/>
-          <a:p>
-            <a:pPr algn="ctr"/>
-            <a:r>
-              <a:rPr lang="en-US" sz="1000" dirty="0"/>
-              <a:t>com.tlw8253.exception</a:t>
-            </a:r>
-          </a:p>
-          <a:p>
-            <a:pPr algn="ctr"/>
-            <a:r>
-              <a:rPr lang="en-US" sz="1400" dirty="0" err="1"/>
-              <a:t>DatabaseException</a:t>
-            </a:r>
-            <a:endParaRPr lang="en-US" sz="1400" dirty="0"/>
-          </a:p>
-        </p:txBody>
-      </p:sp>
-      <p:sp>
-        <p:nvSpPr>
-          <p:cNvPr id="32" name="Rectangle 31">
-            <a:extLst>
-              <a:ext uri="{FF2B5EF4-FFF2-40B4-BE49-F238E27FC236}">
-                <a16:creationId xmlns:a16="http://schemas.microsoft.com/office/drawing/2014/main" id="{02A645C8-F11F-438D-92DC-F6FCCA5ECFB8}"/>
-              </a:ext>
-            </a:extLst>
-          </p:cNvPr>
-          <p:cNvSpPr/>
-          <p:nvPr/>
-        </p:nvSpPr>
-        <p:spPr>
-          <a:xfrm>
-            <a:off x="1302075" y="4606565"/>
-            <a:ext cx="2048896" cy="657053"/>
-          </a:xfrm>
-          <a:prstGeom prst="rect">
-            <a:avLst/>
-          </a:prstGeom>
-          <a:solidFill>
-            <a:schemeClr val="accent6"/>
-          </a:solidFill>
-        </p:spPr>
-        <p:style>
-          <a:lnRef idx="2">
-            <a:schemeClr val="accent1">
-              <a:shade val="50000"/>
-            </a:schemeClr>
-          </a:lnRef>
-          <a:fillRef idx="1">
-            <a:schemeClr val="accent1"/>
-          </a:fillRef>
-          <a:effectRef idx="0">
-            <a:schemeClr val="accent1"/>
-          </a:effectRef>
-          <a:fontRef idx="minor">
-            <a:schemeClr val="lt1"/>
-          </a:fontRef>
-        </p:style>
-        <p:txBody>
-          <a:bodyPr rtlCol="0" anchor="ctr"/>
-          <a:lstStyle/>
-          <a:p>
-            <a:pPr algn="ctr"/>
-            <a:r>
-              <a:rPr lang="en-US" sz="1000" dirty="0"/>
-              <a:t>com.tlw8253.exception</a:t>
-            </a:r>
-          </a:p>
-          <a:p>
-            <a:pPr algn="ctr"/>
-            <a:r>
-              <a:rPr lang="en-US" sz="1300" dirty="0" err="1"/>
-              <a:t>RecordNotFoundException</a:t>
-            </a:r>
-            <a:endParaRPr lang="en-US" sz="1300" dirty="0"/>
-          </a:p>
-        </p:txBody>
-      </p:sp>
-      <p:cxnSp>
-        <p:nvCxnSpPr>
-          <p:cNvPr id="12" name="Straight Arrow Connector 11">
-            <a:extLst>
-              <a:ext uri="{FF2B5EF4-FFF2-40B4-BE49-F238E27FC236}">
-                <a16:creationId xmlns:a16="http://schemas.microsoft.com/office/drawing/2014/main" id="{FF2076CA-F897-4293-B6CD-7408EB452156}"/>
-              </a:ext>
-            </a:extLst>
-          </p:cNvPr>
-          <p:cNvCxnSpPr>
-            <a:cxnSpLocks/>
-            <a:stCxn id="29" idx="1"/>
-            <a:endCxn id="31" idx="3"/>
-          </p:cNvCxnSpPr>
-          <p:nvPr/>
-        </p:nvCxnSpPr>
-        <p:spPr>
-          <a:xfrm flipH="1" flipV="1">
-            <a:off x="2519583" y="3739128"/>
-            <a:ext cx="2198345" cy="808252"/>
-          </a:xfrm>
-          <a:prstGeom prst="straightConnector1">
-            <a:avLst/>
-          </a:prstGeom>
-          <a:ln>
-            <a:tailEnd type="triangle"/>
-          </a:ln>
-        </p:spPr>
-        <p:style>
-          <a:lnRef idx="1">
-            <a:schemeClr val="accent1"/>
-          </a:lnRef>
-          <a:fillRef idx="0">
-            <a:schemeClr val="accent1"/>
-          </a:fillRef>
-          <a:effectRef idx="0">
-            <a:schemeClr val="accent1"/>
-          </a:effectRef>
-          <a:fontRef idx="minor">
-            <a:schemeClr val="tx1"/>
-          </a:fontRef>
-        </p:style>
-      </p:cxnSp>
-      <p:cxnSp>
-        <p:nvCxnSpPr>
-          <p:cNvPr id="14" name="Straight Arrow Connector 13">
-            <a:extLst>
-              <a:ext uri="{FF2B5EF4-FFF2-40B4-BE49-F238E27FC236}">
-                <a16:creationId xmlns:a16="http://schemas.microsoft.com/office/drawing/2014/main" id="{5C625B7B-4A1E-46C5-9082-4FEC89B30DA9}"/>
-              </a:ext>
-            </a:extLst>
-          </p:cNvPr>
-          <p:cNvCxnSpPr>
-            <a:cxnSpLocks/>
-            <a:stCxn id="29" idx="1"/>
-            <a:endCxn id="32" idx="0"/>
-          </p:cNvCxnSpPr>
-          <p:nvPr/>
-        </p:nvCxnSpPr>
-        <p:spPr>
-          <a:xfrm flipH="1">
-            <a:off x="2326523" y="4547380"/>
-            <a:ext cx="2391405" cy="59185"/>
-          </a:xfrm>
-          <a:prstGeom prst="straightConnector1">
-            <a:avLst/>
-          </a:prstGeom>
-          <a:ln>
-            <a:tailEnd type="triangle"/>
-          </a:ln>
-        </p:spPr>
-        <p:style>
-          <a:lnRef idx="1">
-            <a:schemeClr val="accent1"/>
-          </a:lnRef>
-          <a:fillRef idx="0">
-            <a:schemeClr val="accent1"/>
-          </a:fillRef>
-          <a:effectRef idx="0">
-            <a:schemeClr val="accent1"/>
-          </a:effectRef>
-          <a:fontRef idx="minor">
-            <a:schemeClr val="tx1"/>
-          </a:fontRef>
-        </p:style>
-      </p:cxnSp>
-      <p:cxnSp>
-        <p:nvCxnSpPr>
-          <p:cNvPr id="65" name="Straight Arrow Connector 64">
-            <a:extLst>
-              <a:ext uri="{FF2B5EF4-FFF2-40B4-BE49-F238E27FC236}">
-                <a16:creationId xmlns:a16="http://schemas.microsoft.com/office/drawing/2014/main" id="{C1C9B843-1D11-4D9F-8CBF-AE00E90AA070}"/>
-              </a:ext>
-            </a:extLst>
-          </p:cNvPr>
-          <p:cNvCxnSpPr>
-            <a:stCxn id="25" idx="2"/>
-            <a:endCxn id="20" idx="3"/>
-          </p:cNvCxnSpPr>
-          <p:nvPr/>
-        </p:nvCxnSpPr>
-        <p:spPr>
-          <a:xfrm flipH="1">
-            <a:off x="6258426" y="667600"/>
-            <a:ext cx="1142061" cy="1800287"/>
-          </a:xfrm>
-          <a:prstGeom prst="straightConnector1">
-            <a:avLst/>
-          </a:prstGeom>
-          <a:ln>
-            <a:tailEnd type="triangle"/>
-          </a:ln>
-        </p:spPr>
-        <p:style>
-          <a:lnRef idx="1">
-            <a:schemeClr val="accent1"/>
-          </a:lnRef>
-          <a:fillRef idx="0">
-            <a:schemeClr val="accent1"/>
-          </a:fillRef>
-          <a:effectRef idx="0">
-            <a:schemeClr val="accent1"/>
-          </a:effectRef>
-          <a:fontRef idx="minor">
-            <a:schemeClr val="tx1"/>
-          </a:fontRef>
-        </p:style>
-      </p:cxnSp>
-      <p:sp>
-        <p:nvSpPr>
-          <p:cNvPr id="66" name="TextBox 65">
-            <a:extLst>
-              <a:ext uri="{FF2B5EF4-FFF2-40B4-BE49-F238E27FC236}">
-                <a16:creationId xmlns:a16="http://schemas.microsoft.com/office/drawing/2014/main" id="{5E4B2700-0522-40EF-B035-166AA1C17D76}"/>
-              </a:ext>
-            </a:extLst>
-          </p:cNvPr>
-          <p:cNvSpPr txBox="1"/>
-          <p:nvPr/>
-        </p:nvSpPr>
-        <p:spPr>
-          <a:xfrm>
-            <a:off x="7618534" y="1640699"/>
-            <a:ext cx="728932" cy="276999"/>
-          </a:xfrm>
-          <a:prstGeom prst="rect">
-            <a:avLst/>
-          </a:prstGeom>
-          <a:noFill/>
-        </p:spPr>
-        <p:txBody>
-          <a:bodyPr wrap="square" rtlCol="0">
-            <a:spAutoFit/>
-          </a:bodyPr>
-          <a:lstStyle/>
-          <a:p>
-            <a:r>
-              <a:rPr lang="en-US" sz="1200" dirty="0"/>
-              <a:t>returns</a:t>
-            </a:r>
-          </a:p>
-        </p:txBody>
-      </p:sp>
-      <p:sp>
-        <p:nvSpPr>
-          <p:cNvPr id="46" name="Rectangle 45"/>
-          <p:cNvSpPr/>
-          <p:nvPr/>
-        </p:nvSpPr>
-        <p:spPr>
-          <a:xfrm>
-            <a:off x="7361772" y="4678197"/>
-            <a:ext cx="1678916" cy="991056"/>
-          </a:xfrm>
-          <a:prstGeom prst="rect">
-            <a:avLst/>
-          </a:prstGeom>
-          <a:solidFill>
-            <a:schemeClr val="accent6"/>
-          </a:solidFill>
-        </p:spPr>
-        <p:style>
-          <a:lnRef idx="2">
-            <a:schemeClr val="accent1">
-              <a:shade val="50000"/>
-            </a:schemeClr>
-          </a:lnRef>
-          <a:fillRef idx="1">
-            <a:schemeClr val="accent1"/>
-          </a:fillRef>
-          <a:effectRef idx="0">
-            <a:schemeClr val="accent1"/>
-          </a:effectRef>
-          <a:fontRef idx="minor">
-            <a:schemeClr val="lt1"/>
-          </a:fontRef>
-        </p:style>
-        <p:txBody>
-          <a:bodyPr rtlCol="0" anchor="ctr"/>
-          <a:lstStyle/>
-          <a:p>
-            <a:pPr algn="ctr"/>
-            <a:r>
-              <a:rPr lang="en-US" sz="1000" dirty="0"/>
-              <a:t>com.tlw8253.controller</a:t>
-            </a:r>
-          </a:p>
-          <a:p>
-            <a:pPr algn="ctr"/>
-            <a:r>
-              <a:rPr lang="en-US" dirty="0"/>
-              <a:t>&lt;T&gt;Controller</a:t>
-            </a:r>
-          </a:p>
-        </p:txBody>
-      </p:sp>
-      <p:cxnSp>
-        <p:nvCxnSpPr>
-          <p:cNvPr id="47" name="Straight Arrow Connector 46"/>
-          <p:cNvCxnSpPr>
-            <a:stCxn id="46" idx="1"/>
-            <a:endCxn id="29" idx="3"/>
-          </p:cNvCxnSpPr>
-          <p:nvPr/>
-        </p:nvCxnSpPr>
-        <p:spPr>
-          <a:xfrm flipH="1" flipV="1">
-            <a:off x="6212725" y="4547380"/>
-            <a:ext cx="1149047" cy="626345"/>
-          </a:xfrm>
-          <a:prstGeom prst="straightConnector1">
-            <a:avLst/>
-          </a:prstGeom>
-          <a:ln>
-            <a:tailEnd type="triangle"/>
-          </a:ln>
-        </p:spPr>
-        <p:style>
-          <a:lnRef idx="1">
-            <a:schemeClr val="accent1"/>
-          </a:lnRef>
-          <a:fillRef idx="0">
-            <a:schemeClr val="accent1"/>
-          </a:fillRef>
-          <a:effectRef idx="0">
-            <a:schemeClr val="accent1"/>
-          </a:effectRef>
-          <a:fontRef idx="minor">
-            <a:schemeClr val="tx1"/>
-          </a:fontRef>
-        </p:style>
-      </p:cxnSp>
-      <p:sp>
-        <p:nvSpPr>
-          <p:cNvPr id="48" name="TextBox 47">
-            <a:extLst>
-              <a:ext uri="{FF2B5EF4-FFF2-40B4-BE49-F238E27FC236}">
-                <a16:creationId xmlns:a16="http://schemas.microsoft.com/office/drawing/2014/main" id="{E0BBD6C8-C8F2-40C5-AA64-85961A11ADC2}"/>
-              </a:ext>
-            </a:extLst>
-          </p:cNvPr>
-          <p:cNvSpPr txBox="1"/>
-          <p:nvPr/>
-        </p:nvSpPr>
-        <p:spPr>
-          <a:xfrm>
-            <a:off x="6444271" y="4320994"/>
-            <a:ext cx="728932" cy="276999"/>
-          </a:xfrm>
-          <a:prstGeom prst="rect">
-            <a:avLst/>
-          </a:prstGeom>
-          <a:noFill/>
-        </p:spPr>
-        <p:txBody>
-          <a:bodyPr wrap="square" rtlCol="0">
-            <a:spAutoFit/>
-          </a:bodyPr>
-          <a:lstStyle/>
-          <a:p>
-            <a:r>
-              <a:rPr lang="en-US" sz="1200" dirty="0"/>
-              <a:t>controls</a:t>
-            </a:r>
-          </a:p>
-        </p:txBody>
-      </p:sp>
-      <p:sp>
-        <p:nvSpPr>
-          <p:cNvPr id="52" name="Rectangle 51">
-            <a:extLst>
-              <a:ext uri="{FF2B5EF4-FFF2-40B4-BE49-F238E27FC236}">
-                <a16:creationId xmlns:a16="http://schemas.microsoft.com/office/drawing/2014/main" id="{21B869D6-66CB-4B38-975F-B7FEB6AA9B13}"/>
-              </a:ext>
-            </a:extLst>
-          </p:cNvPr>
-          <p:cNvSpPr/>
-          <p:nvPr/>
-        </p:nvSpPr>
-        <p:spPr>
-          <a:xfrm>
-            <a:off x="9186924" y="4643673"/>
-            <a:ext cx="2844400" cy="224286"/>
-          </a:xfrm>
-          <a:prstGeom prst="rect">
-            <a:avLst/>
-          </a:prstGeom>
-        </p:spPr>
-        <p:style>
-          <a:lnRef idx="2">
-            <a:schemeClr val="accent3">
-              <a:shade val="50000"/>
-            </a:schemeClr>
-          </a:lnRef>
-          <a:fillRef idx="1">
-            <a:schemeClr val="accent3"/>
-          </a:fillRef>
-          <a:effectRef idx="0">
-            <a:schemeClr val="accent3"/>
-          </a:effectRef>
-          <a:fontRef idx="minor">
-            <a:schemeClr val="lt1"/>
-          </a:fontRef>
-        </p:style>
-        <p:txBody>
-          <a:bodyPr rtlCol="0" anchor="ctr"/>
-          <a:lstStyle/>
-          <a:p>
-            <a:pPr algn="ctr"/>
-            <a:r>
-              <a:rPr lang="en-US" dirty="0"/>
-              <a:t>HTTP Request / Response</a:t>
-            </a:r>
-          </a:p>
-        </p:txBody>
-      </p:sp>
-      <p:cxnSp>
-        <p:nvCxnSpPr>
-          <p:cNvPr id="51" name="Straight Arrow Connector 50"/>
-          <p:cNvCxnSpPr>
-            <a:cxnSpLocks/>
-            <a:stCxn id="46" idx="3"/>
-            <a:endCxn id="52" idx="2"/>
-          </p:cNvCxnSpPr>
-          <p:nvPr/>
-        </p:nvCxnSpPr>
-        <p:spPr>
-          <a:xfrm flipV="1">
-            <a:off x="9040688" y="4867959"/>
-            <a:ext cx="1568436" cy="305766"/>
-          </a:xfrm>
-          <a:prstGeom prst="straightConnector1">
-            <a:avLst/>
-          </a:prstGeom>
-          <a:ln>
-            <a:tailEnd type="triangle"/>
-          </a:ln>
-        </p:spPr>
-        <p:style>
-          <a:lnRef idx="1">
-            <a:schemeClr val="accent1"/>
-          </a:lnRef>
-          <a:fillRef idx="0">
-            <a:schemeClr val="accent1"/>
-          </a:fillRef>
-          <a:effectRef idx="0">
-            <a:schemeClr val="accent1"/>
-          </a:effectRef>
-          <a:fontRef idx="minor">
-            <a:schemeClr val="tx1"/>
-          </a:fontRef>
-        </p:style>
-      </p:cxnSp>
-      <p:cxnSp>
-        <p:nvCxnSpPr>
-          <p:cNvPr id="55" name="Straight Arrow Connector 54"/>
-          <p:cNvCxnSpPr>
-            <a:cxnSpLocks/>
-            <a:stCxn id="52" idx="2"/>
-            <a:endCxn id="46" idx="3"/>
-          </p:cNvCxnSpPr>
-          <p:nvPr/>
-        </p:nvCxnSpPr>
-        <p:spPr>
-          <a:xfrm flipH="1">
-            <a:off x="9040688" y="4867959"/>
-            <a:ext cx="1568436" cy="305766"/>
-          </a:xfrm>
-          <a:prstGeom prst="straightConnector1">
-            <a:avLst/>
-          </a:prstGeom>
-          <a:ln>
-            <a:tailEnd type="triangle"/>
-          </a:ln>
-        </p:spPr>
-        <p:style>
-          <a:lnRef idx="1">
-            <a:schemeClr val="accent1"/>
-          </a:lnRef>
-          <a:fillRef idx="0">
-            <a:schemeClr val="accent1"/>
-          </a:fillRef>
-          <a:effectRef idx="0">
-            <a:schemeClr val="accent1"/>
-          </a:effectRef>
-          <a:fontRef idx="minor">
-            <a:schemeClr val="tx1"/>
-          </a:fontRef>
-        </p:style>
-      </p:cxnSp>
-      <p:sp>
-        <p:nvSpPr>
-          <p:cNvPr id="58" name="TextBox 57">
-            <a:extLst>
-              <a:ext uri="{FF2B5EF4-FFF2-40B4-BE49-F238E27FC236}">
-                <a16:creationId xmlns:a16="http://schemas.microsoft.com/office/drawing/2014/main" id="{E0BBD6C8-C8F2-40C5-AA64-85961A11ADC2}"/>
-              </a:ext>
-            </a:extLst>
-          </p:cNvPr>
-          <p:cNvSpPr txBox="1"/>
-          <p:nvPr/>
-        </p:nvSpPr>
-        <p:spPr>
-          <a:xfrm>
-            <a:off x="9572847" y="5006032"/>
-            <a:ext cx="843694" cy="276999"/>
-          </a:xfrm>
-          <a:prstGeom prst="rect">
-            <a:avLst/>
-          </a:prstGeom>
-          <a:noFill/>
-        </p:spPr>
-        <p:txBody>
-          <a:bodyPr wrap="square" rtlCol="0">
-            <a:spAutoFit/>
-          </a:bodyPr>
-          <a:lstStyle/>
-          <a:p>
-            <a:r>
-              <a:rPr lang="en-US" sz="1200" dirty="0"/>
-              <a:t>processes</a:t>
-            </a:r>
-          </a:p>
-        </p:txBody>
-      </p:sp>
-      <p:cxnSp>
-        <p:nvCxnSpPr>
-          <p:cNvPr id="91" name="Straight Arrow Connector 90"/>
-          <p:cNvCxnSpPr>
-            <a:cxnSpLocks/>
-            <a:stCxn id="29" idx="3"/>
-            <a:endCxn id="15" idx="1"/>
-          </p:cNvCxnSpPr>
-          <p:nvPr/>
-        </p:nvCxnSpPr>
-        <p:spPr>
-          <a:xfrm flipV="1">
-            <a:off x="6212725" y="3304776"/>
-            <a:ext cx="1221138" cy="1242604"/>
-          </a:xfrm>
-          <a:prstGeom prst="straightConnector1">
-            <a:avLst/>
-          </a:prstGeom>
-          <a:ln>
-            <a:tailEnd type="triangle"/>
-          </a:ln>
-        </p:spPr>
-        <p:style>
-          <a:lnRef idx="1">
-            <a:schemeClr val="accent1"/>
-          </a:lnRef>
-          <a:fillRef idx="0">
-            <a:schemeClr val="accent1"/>
-          </a:fillRef>
-          <a:effectRef idx="0">
-            <a:schemeClr val="accent1"/>
-          </a:effectRef>
-          <a:fontRef idx="minor">
-            <a:schemeClr val="tx1"/>
-          </a:fontRef>
-        </p:style>
-      </p:cxnSp>
-      <p:cxnSp>
-        <p:nvCxnSpPr>
-          <p:cNvPr id="93" name="Straight Arrow Connector 92"/>
-          <p:cNvCxnSpPr>
-            <a:stCxn id="46" idx="0"/>
-            <a:endCxn id="15" idx="2"/>
-          </p:cNvCxnSpPr>
-          <p:nvPr/>
-        </p:nvCxnSpPr>
-        <p:spPr>
-          <a:xfrm flipH="1" flipV="1">
-            <a:off x="8181262" y="3800304"/>
-            <a:ext cx="19968" cy="877893"/>
-          </a:xfrm>
-          <a:prstGeom prst="straightConnector1">
-            <a:avLst/>
-          </a:prstGeom>
-          <a:ln>
-            <a:tailEnd type="triangle"/>
-          </a:ln>
-        </p:spPr>
-        <p:style>
-          <a:lnRef idx="1">
-            <a:schemeClr val="accent1"/>
-          </a:lnRef>
-          <a:fillRef idx="0">
-            <a:schemeClr val="accent1"/>
-          </a:fillRef>
-          <a:effectRef idx="0">
-            <a:schemeClr val="accent1"/>
-          </a:effectRef>
-          <a:fontRef idx="minor">
-            <a:schemeClr val="tx1"/>
-          </a:fontRef>
-        </p:style>
-      </p:cxnSp>
-      <p:sp>
-        <p:nvSpPr>
-          <p:cNvPr id="94" name="TextBox 93">
-            <a:extLst>
-              <a:ext uri="{FF2B5EF4-FFF2-40B4-BE49-F238E27FC236}">
-                <a16:creationId xmlns:a16="http://schemas.microsoft.com/office/drawing/2014/main" id="{E0BBD6C8-C8F2-40C5-AA64-85961A11ADC2}"/>
-              </a:ext>
-            </a:extLst>
-          </p:cNvPr>
-          <p:cNvSpPr txBox="1"/>
-          <p:nvPr/>
-        </p:nvSpPr>
-        <p:spPr>
-          <a:xfrm>
-            <a:off x="8161295" y="4358304"/>
-            <a:ext cx="490999" cy="276999"/>
-          </a:xfrm>
-          <a:prstGeom prst="rect">
-            <a:avLst/>
-          </a:prstGeom>
-          <a:noFill/>
-        </p:spPr>
-        <p:txBody>
-          <a:bodyPr wrap="square" rtlCol="0">
-            <a:spAutoFit/>
-          </a:bodyPr>
-          <a:lstStyle/>
-          <a:p>
-            <a:r>
-              <a:rPr lang="en-US" sz="1200" dirty="0"/>
-              <a:t>uses</a:t>
-            </a:r>
-          </a:p>
-        </p:txBody>
-      </p:sp>
-      <p:sp>
-        <p:nvSpPr>
-          <p:cNvPr id="95" name="TextBox 94">
-            <a:extLst>
-              <a:ext uri="{FF2B5EF4-FFF2-40B4-BE49-F238E27FC236}">
-                <a16:creationId xmlns:a16="http://schemas.microsoft.com/office/drawing/2014/main" id="{E0BBD6C8-C8F2-40C5-AA64-85961A11ADC2}"/>
-              </a:ext>
-            </a:extLst>
-          </p:cNvPr>
-          <p:cNvSpPr txBox="1"/>
-          <p:nvPr/>
-        </p:nvSpPr>
-        <p:spPr>
-          <a:xfrm>
-            <a:off x="6505919" y="3378345"/>
-            <a:ext cx="728932" cy="276999"/>
-          </a:xfrm>
-          <a:prstGeom prst="rect">
-            <a:avLst/>
-          </a:prstGeom>
-          <a:noFill/>
-        </p:spPr>
-        <p:txBody>
-          <a:bodyPr wrap="square" rtlCol="0">
-            <a:spAutoFit/>
-          </a:bodyPr>
-          <a:lstStyle/>
-          <a:p>
-            <a:r>
-              <a:rPr lang="en-US" sz="1200" dirty="0"/>
-              <a:t>uses</a:t>
-            </a:r>
-          </a:p>
-        </p:txBody>
-      </p:sp>
-      <p:sp>
-        <p:nvSpPr>
-          <p:cNvPr id="49" name="Rectangle 48">
-            <a:extLst>
-              <a:ext uri="{FF2B5EF4-FFF2-40B4-BE49-F238E27FC236}">
-                <a16:creationId xmlns:a16="http://schemas.microsoft.com/office/drawing/2014/main" id="{02A645C8-F11F-438D-92DC-F6FCCA5ECFB8}"/>
-              </a:ext>
-            </a:extLst>
-          </p:cNvPr>
-          <p:cNvSpPr/>
-          <p:nvPr/>
-        </p:nvSpPr>
-        <p:spPr>
-          <a:xfrm>
-            <a:off x="1582107" y="5802529"/>
-            <a:ext cx="2212030" cy="657053"/>
-          </a:xfrm>
-          <a:prstGeom prst="rect">
-            <a:avLst/>
-          </a:prstGeom>
-          <a:solidFill>
-            <a:schemeClr val="accent6"/>
-          </a:solidFill>
-        </p:spPr>
-        <p:style>
-          <a:lnRef idx="2">
-            <a:schemeClr val="accent1">
-              <a:shade val="50000"/>
-            </a:schemeClr>
-          </a:lnRef>
-          <a:fillRef idx="1">
-            <a:schemeClr val="accent1"/>
-          </a:fillRef>
-          <a:effectRef idx="0">
-            <a:schemeClr val="accent1"/>
-          </a:effectRef>
-          <a:fontRef idx="minor">
-            <a:schemeClr val="lt1"/>
-          </a:fontRef>
-        </p:style>
-        <p:txBody>
-          <a:bodyPr rtlCol="0" anchor="ctr"/>
-          <a:lstStyle/>
-          <a:p>
-            <a:pPr algn="ctr"/>
-            <a:r>
-              <a:rPr lang="en-US" sz="1000" dirty="0"/>
-              <a:t>com.tlw8253.exception</a:t>
-            </a:r>
-          </a:p>
-          <a:p>
-            <a:pPr algn="ctr"/>
-            <a:r>
-              <a:rPr lang="en-US" sz="1200" dirty="0" err="1"/>
-              <a:t>AuthenticationFailureException</a:t>
-            </a:r>
-            <a:endParaRPr lang="en-US" sz="1200" dirty="0"/>
-          </a:p>
-        </p:txBody>
-      </p:sp>
-      <p:cxnSp>
-        <p:nvCxnSpPr>
-          <p:cNvPr id="6" name="Straight Arrow Connector 5"/>
-          <p:cNvCxnSpPr>
-            <a:cxnSpLocks/>
-            <a:stCxn id="29" idx="1"/>
-            <a:endCxn id="49" idx="3"/>
-          </p:cNvCxnSpPr>
-          <p:nvPr/>
-        </p:nvCxnSpPr>
-        <p:spPr>
-          <a:xfrm flipH="1">
-            <a:off x="3794137" y="4547380"/>
-            <a:ext cx="923791" cy="1583676"/>
-          </a:xfrm>
-          <a:prstGeom prst="straightConnector1">
-            <a:avLst/>
-          </a:prstGeom>
-          <a:ln>
-            <a:tailEnd type="triangle"/>
-          </a:ln>
-        </p:spPr>
-        <p:style>
-          <a:lnRef idx="1">
-            <a:schemeClr val="accent1"/>
-          </a:lnRef>
-          <a:fillRef idx="0">
-            <a:schemeClr val="accent1"/>
-          </a:fillRef>
-          <a:effectRef idx="0">
-            <a:schemeClr val="accent1"/>
-          </a:effectRef>
-          <a:fontRef idx="minor">
-            <a:schemeClr val="tx1"/>
-          </a:fontRef>
-        </p:style>
-      </p:cxnSp>
-      <p:sp>
-        <p:nvSpPr>
-          <p:cNvPr id="57" name="Rectangle 56">
-            <a:extLst>
-              <a:ext uri="{FF2B5EF4-FFF2-40B4-BE49-F238E27FC236}">
-                <a16:creationId xmlns:a16="http://schemas.microsoft.com/office/drawing/2014/main" id="{93FBA679-F71B-47BD-BE29-21E7C2262CEB}"/>
-              </a:ext>
-            </a:extLst>
-          </p:cNvPr>
-          <p:cNvSpPr/>
-          <p:nvPr/>
-        </p:nvSpPr>
-        <p:spPr>
-          <a:xfrm>
-            <a:off x="10307000" y="1812861"/>
-            <a:ext cx="1494797" cy="991056"/>
-          </a:xfrm>
-          <a:prstGeom prst="rect">
-            <a:avLst/>
-          </a:prstGeom>
-          <a:solidFill>
-            <a:schemeClr val="accent2"/>
-          </a:solidFill>
-        </p:spPr>
-        <p:style>
-          <a:lnRef idx="2">
-            <a:schemeClr val="accent1">
-              <a:shade val="50000"/>
-            </a:schemeClr>
-          </a:lnRef>
-          <a:fillRef idx="1">
-            <a:schemeClr val="accent1"/>
-          </a:fillRef>
-          <a:effectRef idx="0">
-            <a:schemeClr val="accent1"/>
-          </a:effectRef>
-          <a:fontRef idx="minor">
-            <a:schemeClr val="lt1"/>
-          </a:fontRef>
-        </p:style>
-        <p:txBody>
-          <a:bodyPr rtlCol="0" anchor="ctr"/>
-          <a:lstStyle/>
-          <a:p>
-            <a:pPr algn="ctr"/>
-            <a:r>
-              <a:rPr lang="en-US" sz="1000" dirty="0"/>
-              <a:t>com.tlw8253.dto</a:t>
-            </a:r>
-          </a:p>
-          <a:p>
-            <a:pPr algn="ctr"/>
-            <a:r>
-              <a:rPr lang="en-US" sz="1200" dirty="0"/>
-              <a:t>Data Transfer Object</a:t>
-            </a:r>
-          </a:p>
-          <a:p>
-            <a:pPr algn="ctr"/>
-            <a:r>
-              <a:rPr lang="en-US" dirty="0"/>
-              <a:t>DTO</a:t>
-            </a:r>
-          </a:p>
-          <a:p>
-            <a:pPr algn="ctr"/>
-            <a:r>
-              <a:rPr lang="en-US" sz="1200" dirty="0" err="1"/>
-              <a:t>AddOrEditDTO</a:t>
-            </a:r>
-            <a:endParaRPr lang="en-US" sz="1200" dirty="0"/>
-          </a:p>
-        </p:txBody>
-      </p:sp>
-      <p:cxnSp>
-        <p:nvCxnSpPr>
-          <p:cNvPr id="16" name="Straight Arrow Connector 15"/>
-          <p:cNvCxnSpPr>
-            <a:stCxn id="15" idx="3"/>
-            <a:endCxn id="57" idx="1"/>
-          </p:cNvCxnSpPr>
-          <p:nvPr/>
-        </p:nvCxnSpPr>
-        <p:spPr>
-          <a:xfrm flipV="1">
-            <a:off x="8928660" y="2308389"/>
-            <a:ext cx="1378340" cy="996387"/>
-          </a:xfrm>
-          <a:prstGeom prst="straightConnector1">
-            <a:avLst/>
-          </a:prstGeom>
-          <a:ln>
-            <a:tailEnd type="triangle"/>
-          </a:ln>
-        </p:spPr>
-        <p:style>
-          <a:lnRef idx="1">
-            <a:schemeClr val="accent1"/>
-          </a:lnRef>
-          <a:fillRef idx="0">
-            <a:schemeClr val="accent1"/>
-          </a:fillRef>
-          <a:effectRef idx="0">
-            <a:schemeClr val="accent1"/>
-          </a:effectRef>
-          <a:fontRef idx="minor">
-            <a:schemeClr val="tx1"/>
-          </a:fontRef>
-        </p:style>
-      </p:cxnSp>
-      <p:sp>
-        <p:nvSpPr>
-          <p:cNvPr id="59" name="TextBox 58">
-            <a:extLst>
-              <a:ext uri="{FF2B5EF4-FFF2-40B4-BE49-F238E27FC236}">
-                <a16:creationId xmlns:a16="http://schemas.microsoft.com/office/drawing/2014/main" id="{5E4B2700-0522-40EF-B035-166AA1C17D76}"/>
-              </a:ext>
-            </a:extLst>
-          </p:cNvPr>
-          <p:cNvSpPr txBox="1"/>
-          <p:nvPr/>
-        </p:nvSpPr>
-        <p:spPr>
-          <a:xfrm>
-            <a:off x="9077448" y="2969828"/>
-            <a:ext cx="728932" cy="276999"/>
-          </a:xfrm>
-          <a:prstGeom prst="rect">
-            <a:avLst/>
-          </a:prstGeom>
-          <a:noFill/>
-        </p:spPr>
-        <p:txBody>
-          <a:bodyPr wrap="square" rtlCol="0">
-            <a:spAutoFit/>
-          </a:bodyPr>
-          <a:lstStyle/>
-          <a:p>
-            <a:r>
-              <a:rPr lang="en-US" sz="1200" dirty="0"/>
-              <a:t>extends</a:t>
-            </a:r>
-          </a:p>
-        </p:txBody>
-      </p:sp>
-    </p:spTree>
-    <p:extLst>
-      <p:ext uri="{BB962C8B-B14F-4D97-AF65-F5344CB8AC3E}">
-        <p14:creationId xmlns:p14="http://schemas.microsoft.com/office/powerpoint/2010/main" val="512867154"/>
-      </p:ext>
-    </p:extLst>
-  </p:cSld>
-  <p:clrMapOvr>
-    <a:masterClrMapping/>
-  </p:clrMapOvr>
-</p:sld>
-</file>
-
-<file path=ppt/slides/slide9.xml><?xml version="1.0" encoding="utf-8"?>
-<p:sld xmlns:a="http://schemas.openxmlformats.org/drawingml/2006/main" xmlns:r="http://schemas.openxmlformats.org/officeDocument/2006/relationships" xmlns:p="http://schemas.openxmlformats.org/presentationml/2006/main">
-  <p:cSld>
-    <p:spTree>
-      <p:nvGrpSpPr>
-        <p:cNvPr id="1" name=""/>
-        <p:cNvGrpSpPr/>
-        <p:nvPr/>
-      </p:nvGrpSpPr>
-      <p:grpSpPr>
-        <a:xfrm>
-          <a:off x="0" y="0"/>
-          <a:ext cx="0" cy="0"/>
-          <a:chOff x="0" y="0"/>
-          <a:chExt cx="0" cy="0"/>
-        </a:xfrm>
-      </p:grpSpPr>
-      <p:sp>
-        <p:nvSpPr>
-          <p:cNvPr id="3" name="Subtitle 2"/>
-          <p:cNvSpPr>
-            <a:spLocks noGrp="1"/>
-          </p:cNvSpPr>
-          <p:nvPr>
-            <p:ph type="subTitle" idx="1"/>
-          </p:nvPr>
-        </p:nvSpPr>
-        <p:spPr>
-          <a:xfrm>
-            <a:off x="954820" y="819149"/>
-            <a:ext cx="9144000" cy="5888275"/>
-          </a:xfrm>
-          <a:solidFill>
-            <a:schemeClr val="bg1">
-              <a:lumMod val="50000"/>
-            </a:schemeClr>
-          </a:solidFill>
-        </p:spPr>
-        <p:txBody>
-          <a:bodyPr>
-            <a:normAutofit fontScale="92500" lnSpcReduction="20000"/>
-          </a:bodyPr>
-          <a:lstStyle/>
-          <a:p>
-            <a:pPr marL="342900" indent="-342900" algn="l">
-              <a:buFont typeface="Arial" panose="020B0604020202020204" pitchFamily="34" charset="0"/>
-              <a:buChar char="•"/>
-            </a:pPr>
-            <a:r>
-              <a:rPr lang="en-US" dirty="0"/>
-              <a:t>Technologies requirements all implemented</a:t>
-            </a:r>
-          </a:p>
-          <a:p>
-            <a:pPr marL="342900" indent="-342900" algn="l">
-              <a:buFont typeface="Arial" panose="020B0604020202020204" pitchFamily="34" charset="0"/>
-              <a:buChar char="•"/>
-            </a:pPr>
-            <a:r>
-              <a:rPr lang="en-US" dirty="0"/>
-              <a:t>Other general requirements met or exceeded</a:t>
-            </a:r>
-          </a:p>
-          <a:p>
-            <a:pPr marL="800100" lvl="1" indent="-342900" algn="l">
-              <a:buFont typeface="Arial" panose="020B0604020202020204" pitchFamily="34" charset="0"/>
-              <a:buChar char="•"/>
-            </a:pPr>
-            <a:r>
-              <a:rPr lang="en-US" dirty="0"/>
-              <a:t>3 layered architecture</a:t>
-            </a:r>
-          </a:p>
-          <a:p>
-            <a:pPr marL="800100" lvl="1" indent="-342900" algn="l">
-              <a:buFont typeface="Arial" panose="020B0604020202020204" pitchFamily="34" charset="0"/>
-              <a:buChar char="•"/>
-            </a:pPr>
-            <a:r>
-              <a:rPr lang="en-US" dirty="0"/>
-              <a:t>Hibernate “create” for creating the schema </a:t>
-            </a:r>
-          </a:p>
-          <a:p>
-            <a:pPr marL="800100" lvl="1" indent="-342900" algn="l">
-              <a:buFont typeface="Arial" panose="020B0604020202020204" pitchFamily="34" charset="0"/>
-              <a:buChar char="•"/>
-            </a:pPr>
-            <a:r>
-              <a:rPr lang="en-US" dirty="0"/>
-              <a:t>Hibernate HQL performing object data loads, record create and updates</a:t>
-            </a:r>
-          </a:p>
-          <a:p>
-            <a:pPr marL="800100" lvl="1" indent="-342900" algn="l">
-              <a:buFont typeface="Arial" panose="020B0604020202020204" pitchFamily="34" charset="0"/>
-              <a:buChar char="•"/>
-            </a:pPr>
-            <a:r>
-              <a:rPr lang="en-US" dirty="0"/>
-              <a:t>Utilize the Controller, Service, DTO, DAO design pattern</a:t>
-            </a:r>
-          </a:p>
-          <a:p>
-            <a:pPr marL="800100" lvl="1" indent="-342900" algn="l">
-              <a:buFont typeface="Arial" panose="020B0604020202020204" pitchFamily="34" charset="0"/>
-              <a:buChar char="•"/>
-            </a:pPr>
-            <a:r>
-              <a:rPr lang="en-US" dirty="0" err="1"/>
-              <a:t>MariaDB</a:t>
-            </a:r>
-            <a:r>
-              <a:rPr lang="en-US" dirty="0"/>
-              <a:t> </a:t>
-            </a:r>
-          </a:p>
-          <a:p>
-            <a:pPr marL="800100" lvl="1" indent="-342900" algn="l">
-              <a:buFont typeface="Arial" panose="020B0604020202020204" pitchFamily="34" charset="0"/>
-              <a:buChar char="•"/>
-            </a:pPr>
-            <a:r>
-              <a:rPr lang="en-US" dirty="0"/>
-              <a:t>Logging accomplished using </a:t>
-            </a:r>
-            <a:r>
-              <a:rPr lang="en-US" dirty="0" err="1"/>
-              <a:t>Logback</a:t>
-            </a:r>
-            <a:endParaRPr lang="en-US" dirty="0"/>
-          </a:p>
-          <a:p>
-            <a:pPr marL="800100" lvl="1" indent="-342900" algn="l">
-              <a:buFont typeface="Arial" panose="020B0604020202020204" pitchFamily="34" charset="0"/>
-              <a:buChar char="•"/>
-            </a:pPr>
-            <a:r>
-              <a:rPr lang="en-US" dirty="0"/>
-              <a:t>Login session control and validation</a:t>
-            </a:r>
-          </a:p>
-          <a:p>
-            <a:pPr marL="342900" indent="-342900" algn="l">
-              <a:buFont typeface="Arial" panose="020B0604020202020204" pitchFamily="34" charset="0"/>
-              <a:buChar char="•"/>
-            </a:pPr>
-            <a:r>
-              <a:rPr lang="en-US" dirty="0"/>
-              <a:t>HTTP Endpoints (Login, Employee and Customer)</a:t>
-            </a:r>
-          </a:p>
-          <a:p>
-            <a:pPr marL="342900" indent="-342900" algn="l">
-              <a:buFont typeface="Arial" panose="020B0604020202020204" pitchFamily="34" charset="0"/>
-              <a:buChar char="•"/>
-            </a:pPr>
-            <a:r>
-              <a:rPr lang="en-US" dirty="0"/>
-              <a:t>Front-end</a:t>
-            </a:r>
-          </a:p>
-          <a:p>
-            <a:pPr marL="800100" lvl="1" indent="-342900" algn="l">
-              <a:buFont typeface="Arial" panose="020B0604020202020204" pitchFamily="34" charset="0"/>
-              <a:buChar char="•"/>
-            </a:pPr>
-            <a:r>
-              <a:rPr lang="en-US" dirty="0"/>
-              <a:t>Login, Employee, Customer, Catalog interactive pages</a:t>
-            </a:r>
-          </a:p>
-          <a:p>
-            <a:pPr marL="342900" indent="-342900" algn="l">
-              <a:buFont typeface="Arial" panose="020B0604020202020204" pitchFamily="34" charset="0"/>
-              <a:buChar char="•"/>
-            </a:pPr>
-            <a:r>
-              <a:rPr lang="en-US" dirty="0"/>
-              <a:t>Other considerations</a:t>
-            </a:r>
-          </a:p>
-          <a:p>
-            <a:pPr marL="800100" lvl="1" indent="-342900" algn="l">
-              <a:buFont typeface="Arial" panose="020B0604020202020204" pitchFamily="34" charset="0"/>
-              <a:buChar char="•"/>
-            </a:pPr>
-            <a:r>
-              <a:rPr lang="en-US" dirty="0"/>
-              <a:t>Implementing </a:t>
-            </a:r>
-            <a:r>
-              <a:rPr lang="en-US" dirty="0" err="1"/>
-              <a:t>GenericDAO</a:t>
-            </a:r>
-            <a:r>
-              <a:rPr lang="en-US" dirty="0"/>
-              <a:t>&lt;T&gt;  model fully realized</a:t>
-            </a:r>
-          </a:p>
-          <a:p>
-            <a:pPr marL="800100" lvl="1" indent="-342900" algn="l">
-              <a:buFont typeface="Arial" panose="020B0604020202020204" pitchFamily="34" charset="0"/>
-              <a:buChar char="•"/>
-            </a:pPr>
-            <a:r>
-              <a:rPr lang="en-US" dirty="0"/>
-              <a:t>Extend Add/Edit DTO storing data generically in </a:t>
-            </a:r>
-            <a:r>
-              <a:rPr lang="en-US" dirty="0" err="1"/>
-              <a:t>HashMaps</a:t>
-            </a:r>
-            <a:endParaRPr lang="en-US" dirty="0"/>
-          </a:p>
-          <a:p>
-            <a:pPr marL="800100" lvl="1" indent="-342900" algn="l">
-              <a:buFont typeface="Arial" panose="020B0604020202020204" pitchFamily="34" charset="0"/>
-              <a:buChar char="•"/>
-            </a:pPr>
-            <a:r>
-              <a:rPr lang="en-US" dirty="0"/>
-              <a:t>JUnit and </a:t>
-            </a:r>
-            <a:r>
-              <a:rPr lang="en-US" dirty="0" err="1"/>
-              <a:t>Mockito</a:t>
-            </a:r>
-            <a:r>
-              <a:rPr lang="en-US" dirty="0"/>
-              <a:t> test cases</a:t>
-            </a:r>
-          </a:p>
-          <a:p>
-            <a:pPr marL="800100" lvl="1" indent="-342900" algn="l">
-              <a:buFont typeface="Arial" panose="020B0604020202020204" pitchFamily="34" charset="0"/>
-              <a:buChar char="•"/>
-            </a:pPr>
-            <a:r>
-              <a:rPr lang="en-US" dirty="0"/>
-              <a:t>Extensive utilization of internal driver tests</a:t>
-            </a:r>
-          </a:p>
-          <a:p>
-            <a:pPr marL="800100" lvl="1" indent="-342900" algn="l">
-              <a:buFont typeface="Arial" panose="020B0604020202020204" pitchFamily="34" charset="0"/>
-              <a:buChar char="•"/>
-            </a:pPr>
-            <a:r>
-              <a:rPr lang="en-US" dirty="0"/>
-              <a:t>Extensive Logging through package logging levels</a:t>
-            </a:r>
-          </a:p>
-          <a:p>
-            <a:pPr marL="800100" lvl="1" indent="-342900" algn="l">
-              <a:buFont typeface="Arial" panose="020B0604020202020204" pitchFamily="34" charset="0"/>
-              <a:buChar char="•"/>
-            </a:pPr>
-            <a:r>
-              <a:rPr lang="en-US" dirty="0"/>
-              <a:t>Postman utilize for some initial endpoint tests</a:t>
-            </a:r>
-          </a:p>
-          <a:p>
-            <a:pPr marL="800100" lvl="1" indent="-342900" algn="l">
-              <a:buFont typeface="Arial" panose="020B0604020202020204" pitchFamily="34" charset="0"/>
-              <a:buChar char="•"/>
-            </a:pPr>
-            <a:r>
-              <a:rPr lang="en-US" dirty="0"/>
-              <a:t>Internal test drivers and Admin driver</a:t>
-            </a:r>
           </a:p>
           <a:p>
             <a:pPr marL="342900" indent="-342900" algn="l">
@@ -7607,13 +6789,6 @@
             <a:endParaRPr lang="en-US" dirty="0"/>
           </a:p>
           <a:p>
-            <a:pPr marL="800100" lvl="1" indent="-342900" algn="l">
-              <a:buFont typeface="Arial" panose="020B0604020202020204" pitchFamily="34" charset="0"/>
-              <a:buChar char="•"/>
-            </a:pPr>
-            <a:endParaRPr lang="en-US" dirty="0"/>
-          </a:p>
-          <a:p>
             <a:pPr marL="342900" indent="-342900" algn="l">
               <a:buFont typeface="Arial" panose="020B0604020202020204" pitchFamily="34" charset="0"/>
               <a:buChar char="•"/>
@@ -7622,94 +6797,10 @@
           </a:p>
         </p:txBody>
       </p:sp>
-      <p:sp>
-        <p:nvSpPr>
-          <p:cNvPr id="5" name="Title 1"/>
-          <p:cNvSpPr>
-            <a:spLocks noGrp="1"/>
-          </p:cNvSpPr>
-          <p:nvPr>
-            <p:ph type="ctrTitle"/>
-          </p:nvPr>
-        </p:nvSpPr>
-        <p:spPr>
-          <a:xfrm>
-            <a:off x="166088" y="120357"/>
-            <a:ext cx="10965500" cy="698793"/>
-          </a:xfrm>
-        </p:spPr>
-        <p:txBody>
-          <a:bodyPr>
-            <a:noAutofit/>
-          </a:bodyPr>
-          <a:lstStyle/>
-          <a:p>
-            <a:pPr algn="l"/>
-            <a:r>
-              <a:rPr lang="en-US" sz="3600" dirty="0"/>
-              <a:t>Aromatic Mountain Technologies (AMT) Summary </a:t>
-            </a:r>
-            <a:r>
-              <a:rPr lang="en-US" sz="3600" dirty="0">
-                <a:solidFill>
-                  <a:srgbClr val="FF0000"/>
-                </a:solidFill>
-              </a:rPr>
-              <a:t>TBD</a:t>
-            </a:r>
-          </a:p>
-        </p:txBody>
-      </p:sp>
-      <p:sp>
-        <p:nvSpPr>
-          <p:cNvPr id="6" name="Title 1"/>
-          <p:cNvSpPr txBox="1">
-            <a:spLocks/>
-          </p:cNvSpPr>
-          <p:nvPr/>
-        </p:nvSpPr>
-        <p:spPr>
-          <a:xfrm>
-            <a:off x="166088" y="125832"/>
-            <a:ext cx="9755425" cy="698793"/>
-          </a:xfrm>
-          <a:prstGeom prst="rect">
-            <a:avLst/>
-          </a:prstGeom>
-        </p:spPr>
-        <p:txBody>
-          <a:bodyPr vert="horz" lIns="91440" tIns="45720" rIns="91440" bIns="45720" rtlCol="0" anchor="b">
-            <a:noAutofit/>
-          </a:bodyPr>
-          <a:lstStyle>
-            <a:lvl1pPr algn="ctr" defTabSz="914400" rtl="0" eaLnBrk="1" latinLnBrk="0" hangingPunct="1">
-              <a:lnSpc>
-                <a:spcPct val="90000"/>
-              </a:lnSpc>
-              <a:spcBef>
-                <a:spcPct val="0"/>
-              </a:spcBef>
-              <a:buNone/>
-              <a:defRPr sz="6000" kern="1200">
-                <a:solidFill>
-                  <a:schemeClr val="tx1"/>
-                </a:solidFill>
-                <a:latin typeface="+mj-lt"/>
-                <a:ea typeface="+mj-ea"/>
-                <a:cs typeface="+mj-cs"/>
-              </a:defRPr>
-            </a:lvl1pPr>
-          </a:lstStyle>
-          <a:p>
-            <a:pPr algn="l"/>
-            <a:endParaRPr lang="en-US" sz="4000" dirty="0"/>
-          </a:p>
-        </p:txBody>
-      </p:sp>
     </p:spTree>
     <p:extLst>
       <p:ext uri="{BB962C8B-B14F-4D97-AF65-F5344CB8AC3E}">
-        <p14:creationId xmlns:p14="http://schemas.microsoft.com/office/powerpoint/2010/main" val="2070376304"/>
+        <p14:creationId xmlns:p14="http://schemas.microsoft.com/office/powerpoint/2010/main" val="2593669336"/>
       </p:ext>
     </p:extLst>
   </p:cSld>
